--- a/ArkanoidUtvardering.pptx
+++ b/ArkanoidUtvardering.pptx
@@ -266,7 +266,7 @@
           <a:p>
             <a:fld id="{8E64B585-400C-455D-9535-796762DC7C0E}" type="datetimeFigureOut">
               <a:rPr lang="sv-SE" smtClean="0"/>
-              <a:t>2023-09-06</a:t>
+              <a:t>2023-09-07</a:t>
             </a:fld>
             <a:endParaRPr lang="sv-SE"/>
           </a:p>
@@ -466,7 +466,7 @@
           <a:p>
             <a:fld id="{8E64B585-400C-455D-9535-796762DC7C0E}" type="datetimeFigureOut">
               <a:rPr lang="sv-SE" smtClean="0"/>
-              <a:t>2023-09-06</a:t>
+              <a:t>2023-09-07</a:t>
             </a:fld>
             <a:endParaRPr lang="sv-SE"/>
           </a:p>
@@ -676,7 +676,7 @@
           <a:p>
             <a:fld id="{8E64B585-400C-455D-9535-796762DC7C0E}" type="datetimeFigureOut">
               <a:rPr lang="sv-SE" smtClean="0"/>
-              <a:t>2023-09-06</a:t>
+              <a:t>2023-09-07</a:t>
             </a:fld>
             <a:endParaRPr lang="sv-SE"/>
           </a:p>
@@ -876,7 +876,7 @@
           <a:p>
             <a:fld id="{8E64B585-400C-455D-9535-796762DC7C0E}" type="datetimeFigureOut">
               <a:rPr lang="sv-SE" smtClean="0"/>
-              <a:t>2023-09-06</a:t>
+              <a:t>2023-09-07</a:t>
             </a:fld>
             <a:endParaRPr lang="sv-SE"/>
           </a:p>
@@ -1152,7 +1152,7 @@
           <a:p>
             <a:fld id="{8E64B585-400C-455D-9535-796762DC7C0E}" type="datetimeFigureOut">
               <a:rPr lang="sv-SE" smtClean="0"/>
-              <a:t>2023-09-06</a:t>
+              <a:t>2023-09-07</a:t>
             </a:fld>
             <a:endParaRPr lang="sv-SE"/>
           </a:p>
@@ -1420,7 +1420,7 @@
           <a:p>
             <a:fld id="{8E64B585-400C-455D-9535-796762DC7C0E}" type="datetimeFigureOut">
               <a:rPr lang="sv-SE" smtClean="0"/>
-              <a:t>2023-09-06</a:t>
+              <a:t>2023-09-07</a:t>
             </a:fld>
             <a:endParaRPr lang="sv-SE"/>
           </a:p>
@@ -1835,7 +1835,7 @@
           <a:p>
             <a:fld id="{8E64B585-400C-455D-9535-796762DC7C0E}" type="datetimeFigureOut">
               <a:rPr lang="sv-SE" smtClean="0"/>
-              <a:t>2023-09-06</a:t>
+              <a:t>2023-09-07</a:t>
             </a:fld>
             <a:endParaRPr lang="sv-SE"/>
           </a:p>
@@ -1977,7 +1977,7 @@
           <a:p>
             <a:fld id="{8E64B585-400C-455D-9535-796762DC7C0E}" type="datetimeFigureOut">
               <a:rPr lang="sv-SE" smtClean="0"/>
-              <a:t>2023-09-06</a:t>
+              <a:t>2023-09-07</a:t>
             </a:fld>
             <a:endParaRPr lang="sv-SE"/>
           </a:p>
@@ -2090,7 +2090,7 @@
           <a:p>
             <a:fld id="{8E64B585-400C-455D-9535-796762DC7C0E}" type="datetimeFigureOut">
               <a:rPr lang="sv-SE" smtClean="0"/>
-              <a:t>2023-09-06</a:t>
+              <a:t>2023-09-07</a:t>
             </a:fld>
             <a:endParaRPr lang="sv-SE"/>
           </a:p>
@@ -2403,7 +2403,7 @@
           <a:p>
             <a:fld id="{8E64B585-400C-455D-9535-796762DC7C0E}" type="datetimeFigureOut">
               <a:rPr lang="sv-SE" smtClean="0"/>
-              <a:t>2023-09-06</a:t>
+              <a:t>2023-09-07</a:t>
             </a:fld>
             <a:endParaRPr lang="sv-SE"/>
           </a:p>
@@ -2692,7 +2692,7 @@
           <a:p>
             <a:fld id="{8E64B585-400C-455D-9535-796762DC7C0E}" type="datetimeFigureOut">
               <a:rPr lang="sv-SE" smtClean="0"/>
-              <a:t>2023-09-06</a:t>
+              <a:t>2023-09-07</a:t>
             </a:fld>
             <a:endParaRPr lang="sv-SE"/>
           </a:p>
@@ -2935,7 +2935,7 @@
           <a:p>
             <a:fld id="{8E64B585-400C-455D-9535-796762DC7C0E}" type="datetimeFigureOut">
               <a:rPr lang="sv-SE" smtClean="0"/>
-              <a:t>2023-09-06</a:t>
+              <a:t>2023-09-07</a:t>
             </a:fld>
             <a:endParaRPr lang="sv-SE"/>
           </a:p>
@@ -3969,7 +3969,7 @@
         <p:spPr>
           <a:xfrm>
             <a:off x="1055440" y="1772816"/>
-            <a:ext cx="10081120" cy="923330"/>
+            <a:ext cx="10081120" cy="1754326"/>
           </a:xfrm>
           <a:prstGeom prst="rect">
             <a:avLst/>
@@ -3989,6 +3989,25 @@
           </a:p>
           <a:p>
             <a:endParaRPr lang="sv-SE" dirty="0"/>
+          </a:p>
+          <a:p>
+            <a:endParaRPr lang="sv-SE" dirty="0"/>
+          </a:p>
+          <a:p>
+            <a:r>
+              <a:rPr lang="sv-SE" dirty="0"/>
+              <a:t>Assets:</a:t>
+            </a:r>
+          </a:p>
+          <a:p>
+            <a:pPr marL="285750" indent="-285750">
+              <a:buFont typeface="Arial" panose="020B0604020202020204" pitchFamily="34" charset="0"/>
+              <a:buChar char="•"/>
+            </a:pPr>
+            <a:r>
+              <a:rPr lang="sv-SE" dirty="0"/>
+              <a:t>https://assetstore.unity.com/packages/2d/textures-materials/metals/stylize-metal-texture-153572</a:t>
+            </a:r>
           </a:p>
         </p:txBody>
       </p:sp>

--- a/ArkanoidUtvardering.pptx
+++ b/ArkanoidUtvardering.pptx
@@ -2,7 +2,7 @@
 <file path=ppt/presentation.xml><?xml version="1.0" encoding="utf-8"?>
 <p:presentation xmlns:a="http://schemas.openxmlformats.org/drawingml/2006/main" xmlns:r="http://schemas.openxmlformats.org/officeDocument/2006/relationships" xmlns:p="http://schemas.openxmlformats.org/presentationml/2006/main" saveSubsetFonts="1">
   <p:sldMasterIdLst>
-    <p:sldMasterId id="2147483648" r:id="rId1"/>
+    <p:sldMasterId id="2147483660" r:id="rId1"/>
   </p:sldMasterIdLst>
   <p:sldIdLst>
     <p:sldId id="256" r:id="rId2"/>
@@ -16,9 +16,9 @@
   <p:notesSz cx="6858000" cy="9144000"/>
   <p:defaultTextStyle>
     <a:defPPr>
-      <a:defRPr lang="sv-SE"/>
+      <a:defRPr lang="en-US"/>
     </a:defPPr>
-    <a:lvl1pPr marL="0" algn="l" defTabSz="914400" rtl="0" eaLnBrk="1" latinLnBrk="0" hangingPunct="1">
+    <a:lvl1pPr marL="0" algn="l" defTabSz="457200" rtl="0" eaLnBrk="1" latinLnBrk="0" hangingPunct="1">
       <a:defRPr sz="1800" kern="1200">
         <a:solidFill>
           <a:schemeClr val="tx1"/>
@@ -28,7 +28,7 @@
         <a:cs typeface="+mn-cs"/>
       </a:defRPr>
     </a:lvl1pPr>
-    <a:lvl2pPr marL="457200" algn="l" defTabSz="914400" rtl="0" eaLnBrk="1" latinLnBrk="0" hangingPunct="1">
+    <a:lvl2pPr marL="457200" algn="l" defTabSz="457200" rtl="0" eaLnBrk="1" latinLnBrk="0" hangingPunct="1">
       <a:defRPr sz="1800" kern="1200">
         <a:solidFill>
           <a:schemeClr val="tx1"/>
@@ -38,7 +38,7 @@
         <a:cs typeface="+mn-cs"/>
       </a:defRPr>
     </a:lvl2pPr>
-    <a:lvl3pPr marL="914400" algn="l" defTabSz="914400" rtl="0" eaLnBrk="1" latinLnBrk="0" hangingPunct="1">
+    <a:lvl3pPr marL="914400" algn="l" defTabSz="457200" rtl="0" eaLnBrk="1" latinLnBrk="0" hangingPunct="1">
       <a:defRPr sz="1800" kern="1200">
         <a:solidFill>
           <a:schemeClr val="tx1"/>
@@ -48,7 +48,7 @@
         <a:cs typeface="+mn-cs"/>
       </a:defRPr>
     </a:lvl3pPr>
-    <a:lvl4pPr marL="1371600" algn="l" defTabSz="914400" rtl="0" eaLnBrk="1" latinLnBrk="0" hangingPunct="1">
+    <a:lvl4pPr marL="1371600" algn="l" defTabSz="457200" rtl="0" eaLnBrk="1" latinLnBrk="0" hangingPunct="1">
       <a:defRPr sz="1800" kern="1200">
         <a:solidFill>
           <a:schemeClr val="tx1"/>
@@ -58,7 +58,7 @@
         <a:cs typeface="+mn-cs"/>
       </a:defRPr>
     </a:lvl4pPr>
-    <a:lvl5pPr marL="1828800" algn="l" defTabSz="914400" rtl="0" eaLnBrk="1" latinLnBrk="0" hangingPunct="1">
+    <a:lvl5pPr marL="1828800" algn="l" defTabSz="457200" rtl="0" eaLnBrk="1" latinLnBrk="0" hangingPunct="1">
       <a:defRPr sz="1800" kern="1200">
         <a:solidFill>
           <a:schemeClr val="tx1"/>
@@ -68,7 +68,7 @@
         <a:cs typeface="+mn-cs"/>
       </a:defRPr>
     </a:lvl5pPr>
-    <a:lvl6pPr marL="2286000" algn="l" defTabSz="914400" rtl="0" eaLnBrk="1" latinLnBrk="0" hangingPunct="1">
+    <a:lvl6pPr marL="2286000" algn="l" defTabSz="457200" rtl="0" eaLnBrk="1" latinLnBrk="0" hangingPunct="1">
       <a:defRPr sz="1800" kern="1200">
         <a:solidFill>
           <a:schemeClr val="tx1"/>
@@ -78,7 +78,7 @@
         <a:cs typeface="+mn-cs"/>
       </a:defRPr>
     </a:lvl6pPr>
-    <a:lvl7pPr marL="2743200" algn="l" defTabSz="914400" rtl="0" eaLnBrk="1" latinLnBrk="0" hangingPunct="1">
+    <a:lvl7pPr marL="2743200" algn="l" defTabSz="457200" rtl="0" eaLnBrk="1" latinLnBrk="0" hangingPunct="1">
       <a:defRPr sz="1800" kern="1200">
         <a:solidFill>
           <a:schemeClr val="tx1"/>
@@ -88,7 +88,7 @@
         <a:cs typeface="+mn-cs"/>
       </a:defRPr>
     </a:lvl7pPr>
-    <a:lvl8pPr marL="3200400" algn="l" defTabSz="914400" rtl="0" eaLnBrk="1" latinLnBrk="0" hangingPunct="1">
+    <a:lvl8pPr marL="3200400" algn="l" defTabSz="457200" rtl="0" eaLnBrk="1" latinLnBrk="0" hangingPunct="1">
       <a:defRPr sz="1800" kern="1200">
         <a:solidFill>
           <a:schemeClr val="tx1"/>
@@ -98,7 +98,7 @@
         <a:cs typeface="+mn-cs"/>
       </a:defRPr>
     </a:lvl8pPr>
-    <a:lvl9pPr marL="3657600" algn="l" defTabSz="914400" rtl="0" eaLnBrk="1" latinLnBrk="0" hangingPunct="1">
+    <a:lvl9pPr marL="3657600" algn="l" defTabSz="457200" rtl="0" eaLnBrk="1" latinLnBrk="0" hangingPunct="1">
       <a:defRPr sz="1800" kern="1200">
         <a:solidFill>
           <a:schemeClr val="tx1"/>
@@ -119,7 +119,7 @@
 
 <file path=ppt/slideLayouts/slideLayout1.xml><?xml version="1.0" encoding="utf-8"?>
 <p:sldLayout xmlns:a="http://schemas.openxmlformats.org/drawingml/2006/main" xmlns:r="http://schemas.openxmlformats.org/officeDocument/2006/relationships" xmlns:p="http://schemas.openxmlformats.org/presentationml/2006/main" type="title" preserve="1">
-  <p:cSld name="Title Slide">
+  <p:cSld name="Rubrikbild">
     <p:spTree>
       <p:nvGrpSpPr>
         <p:cNvPr id="1" name=""/>
@@ -136,13 +136,7 @@
       </p:grpSpPr>
       <p:sp>
         <p:nvSpPr>
-          <p:cNvPr id="2" name="Title 1">
-            <a:extLst>
-              <a:ext uri="{FF2B5EF4-FFF2-40B4-BE49-F238E27FC236}">
-                <a16:creationId xmlns:a16="http://schemas.microsoft.com/office/drawing/2014/main" id="{AC139007-A82A-FE37-8924-90A860AB34C4}"/>
-              </a:ext>
-            </a:extLst>
-          </p:cNvPr>
+          <p:cNvPr id="2" name="Title 1"/>
           <p:cNvSpPr>
             <a:spLocks noGrp="1"/>
           </p:cNvSpPr>
@@ -152,35 +146,29 @@
         </p:nvSpPr>
         <p:spPr>
           <a:xfrm>
-            <a:off x="1524000" y="1122363"/>
-            <a:ext cx="9144000" cy="2387600"/>
+            <a:off x="1154955" y="1447800"/>
+            <a:ext cx="8825658" cy="3329581"/>
           </a:xfrm>
         </p:spPr>
         <p:txBody>
           <a:bodyPr anchor="b"/>
           <a:lstStyle>
-            <a:lvl1pPr algn="ctr">
-              <a:defRPr sz="6000"/>
+            <a:lvl1pPr>
+              <a:defRPr sz="7200"/>
             </a:lvl1pPr>
           </a:lstStyle>
           <a:p>
             <a:r>
-              <a:rPr lang="en-US"/>
-              <a:t>Click to edit Master title style</a:t>
-            </a:r>
-            <a:endParaRPr lang="sv-SE"/>
-          </a:p>
-        </p:txBody>
-      </p:sp>
-      <p:sp>
-        <p:nvSpPr>
-          <p:cNvPr id="3" name="Subtitle 2">
-            <a:extLst>
-              <a:ext uri="{FF2B5EF4-FFF2-40B4-BE49-F238E27FC236}">
-                <a16:creationId xmlns:a16="http://schemas.microsoft.com/office/drawing/2014/main" id="{196862FA-F06C-D4F7-6BC3-044291D28A39}"/>
-              </a:ext>
-            </a:extLst>
-          </p:cNvPr>
+              <a:rPr lang="sv-SE"/>
+              <a:t>Klicka här för att ändra mall för rubrikformat</a:t>
+            </a:r>
+            <a:endParaRPr lang="en-US" dirty="0"/>
+          </a:p>
+        </p:txBody>
+      </p:sp>
+      <p:sp>
+        <p:nvSpPr>
+          <p:cNvPr id="3" name="Subtitle 2"/>
           <p:cNvSpPr>
             <a:spLocks noGrp="1"/>
           </p:cNvSpPr>
@@ -190,68 +178,117 @@
         </p:nvSpPr>
         <p:spPr>
           <a:xfrm>
-            <a:off x="1524000" y="3602038"/>
-            <a:ext cx="9144000" cy="1655762"/>
+            <a:off x="1154955" y="4777380"/>
+            <a:ext cx="8825658" cy="861420"/>
           </a:xfrm>
         </p:spPr>
         <p:txBody>
-          <a:bodyPr/>
+          <a:bodyPr anchor="t"/>
           <a:lstStyle>
-            <a:lvl1pPr marL="0" indent="0" algn="ctr">
-              <a:buNone/>
-              <a:defRPr sz="2400"/>
+            <a:lvl1pPr marL="0" indent="0" algn="l">
+              <a:buNone/>
+              <a:defRPr cap="all">
+                <a:solidFill>
+                  <a:schemeClr val="bg2">
+                    <a:lumMod val="40000"/>
+                    <a:lumOff val="60000"/>
+                  </a:schemeClr>
+                </a:solidFill>
+              </a:defRPr>
             </a:lvl1pPr>
             <a:lvl2pPr marL="457200" indent="0" algn="ctr">
               <a:buNone/>
-              <a:defRPr sz="2000"/>
+              <a:defRPr>
+                <a:solidFill>
+                  <a:schemeClr val="tx1">
+                    <a:tint val="75000"/>
+                  </a:schemeClr>
+                </a:solidFill>
+              </a:defRPr>
             </a:lvl2pPr>
             <a:lvl3pPr marL="914400" indent="0" algn="ctr">
               <a:buNone/>
-              <a:defRPr sz="1800"/>
+              <a:defRPr>
+                <a:solidFill>
+                  <a:schemeClr val="tx1">
+                    <a:tint val="75000"/>
+                  </a:schemeClr>
+                </a:solidFill>
+              </a:defRPr>
             </a:lvl3pPr>
             <a:lvl4pPr marL="1371600" indent="0" algn="ctr">
               <a:buNone/>
-              <a:defRPr sz="1600"/>
+              <a:defRPr>
+                <a:solidFill>
+                  <a:schemeClr val="tx1">
+                    <a:tint val="75000"/>
+                  </a:schemeClr>
+                </a:solidFill>
+              </a:defRPr>
             </a:lvl4pPr>
             <a:lvl5pPr marL="1828800" indent="0" algn="ctr">
               <a:buNone/>
-              <a:defRPr sz="1600"/>
+              <a:defRPr>
+                <a:solidFill>
+                  <a:schemeClr val="tx1">
+                    <a:tint val="75000"/>
+                  </a:schemeClr>
+                </a:solidFill>
+              </a:defRPr>
             </a:lvl5pPr>
             <a:lvl6pPr marL="2286000" indent="0" algn="ctr">
               <a:buNone/>
-              <a:defRPr sz="1600"/>
+              <a:defRPr>
+                <a:solidFill>
+                  <a:schemeClr val="tx1">
+                    <a:tint val="75000"/>
+                  </a:schemeClr>
+                </a:solidFill>
+              </a:defRPr>
             </a:lvl6pPr>
             <a:lvl7pPr marL="2743200" indent="0" algn="ctr">
               <a:buNone/>
-              <a:defRPr sz="1600"/>
+              <a:defRPr>
+                <a:solidFill>
+                  <a:schemeClr val="tx1">
+                    <a:tint val="75000"/>
+                  </a:schemeClr>
+                </a:solidFill>
+              </a:defRPr>
             </a:lvl7pPr>
             <a:lvl8pPr marL="3200400" indent="0" algn="ctr">
               <a:buNone/>
-              <a:defRPr sz="1600"/>
+              <a:defRPr>
+                <a:solidFill>
+                  <a:schemeClr val="tx1">
+                    <a:tint val="75000"/>
+                  </a:schemeClr>
+                </a:solidFill>
+              </a:defRPr>
             </a:lvl8pPr>
             <a:lvl9pPr marL="3657600" indent="0" algn="ctr">
               <a:buNone/>
-              <a:defRPr sz="1600"/>
+              <a:defRPr>
+                <a:solidFill>
+                  <a:schemeClr val="tx1">
+                    <a:tint val="75000"/>
+                  </a:schemeClr>
+                </a:solidFill>
+              </a:defRPr>
             </a:lvl9pPr>
           </a:lstStyle>
           <a:p>
             <a:r>
-              <a:rPr lang="en-US"/>
-              <a:t>Click to edit Master subtitle style</a:t>
-            </a:r>
-            <a:endParaRPr lang="sv-SE"/>
-          </a:p>
-        </p:txBody>
-      </p:sp>
-      <p:sp>
-        <p:nvSpPr>
-          <p:cNvPr id="4" name="Date Placeholder 3">
-            <a:extLst>
-              <a:ext uri="{FF2B5EF4-FFF2-40B4-BE49-F238E27FC236}">
-                <a16:creationId xmlns:a16="http://schemas.microsoft.com/office/drawing/2014/main" id="{8C321F78-0EAC-6E80-7AB6-8B590F940E26}"/>
-              </a:ext>
-            </a:extLst>
-          </p:cNvPr>
+              <a:rPr lang="sv-SE"/>
+              <a:t>Klicka här för att ändra mall för underrubrikformat</a:t>
+            </a:r>
+            <a:endParaRPr lang="en-US" dirty="0"/>
+          </a:p>
+        </p:txBody>
+      </p:sp>
+      <p:sp>
+        <p:nvSpPr>
+          <p:cNvPr id="4" name="Date Placeholder 3"/>
           <p:cNvSpPr>
             <a:spLocks noGrp="1"/>
           </p:cNvSpPr>
@@ -266,7 +303,7 @@
           <a:p>
             <a:fld id="{8E64B585-400C-455D-9535-796762DC7C0E}" type="datetimeFigureOut">
               <a:rPr lang="sv-SE" smtClean="0"/>
-              <a:t>2023-09-07</a:t>
+              <a:t>2023-09-12</a:t>
             </a:fld>
             <a:endParaRPr lang="sv-SE"/>
           </a:p>
@@ -274,13 +311,7 @@
       </p:sp>
       <p:sp>
         <p:nvSpPr>
-          <p:cNvPr id="5" name="Footer Placeholder 4">
-            <a:extLst>
-              <a:ext uri="{FF2B5EF4-FFF2-40B4-BE49-F238E27FC236}">
-                <a16:creationId xmlns:a16="http://schemas.microsoft.com/office/drawing/2014/main" id="{631CBCDD-CDB2-13F7-F48D-85AFCE53A3F6}"/>
-              </a:ext>
-            </a:extLst>
-          </p:cNvPr>
+          <p:cNvPr id="5" name="Footer Placeholder 4"/>
           <p:cNvSpPr>
             <a:spLocks noGrp="1"/>
           </p:cNvSpPr>
@@ -299,13 +330,7 @@
       </p:sp>
       <p:sp>
         <p:nvSpPr>
-          <p:cNvPr id="6" name="Slide Number Placeholder 5">
-            <a:extLst>
-              <a:ext uri="{FF2B5EF4-FFF2-40B4-BE49-F238E27FC236}">
-                <a16:creationId xmlns:a16="http://schemas.microsoft.com/office/drawing/2014/main" id="{DC56A9D2-E117-3260-2314-C04AA1189366}"/>
-              </a:ext>
-            </a:extLst>
-          </p:cNvPr>
+          <p:cNvPr id="6" name="Slide Number Placeholder 5"/>
           <p:cNvSpPr>
             <a:spLocks noGrp="1"/>
           </p:cNvSpPr>
@@ -329,7 +354,7 @@
     </p:spTree>
     <p:extLst>
       <p:ext uri="{BB962C8B-B14F-4D97-AF65-F5344CB8AC3E}">
-        <p14:creationId xmlns:p14="http://schemas.microsoft.com/office/powerpoint/2010/main" val="1294325694"/>
+        <p14:creationId xmlns:p14="http://schemas.microsoft.com/office/powerpoint/2010/main" val="3717418583"/>
       </p:ext>
     </p:extLst>
   </p:cSld>
@@ -340,8 +365,8 @@
 </file>
 
 <file path=ppt/slideLayouts/slideLayout10.xml><?xml version="1.0" encoding="utf-8"?>
-<p:sldLayout xmlns:a="http://schemas.openxmlformats.org/drawingml/2006/main" xmlns:r="http://schemas.openxmlformats.org/officeDocument/2006/relationships" xmlns:p="http://schemas.openxmlformats.org/presentationml/2006/main" type="vertTx" preserve="1">
-  <p:cSld name="Title and Vertical Text">
+<p:sldLayout xmlns:a="http://schemas.openxmlformats.org/drawingml/2006/main" xmlns:r="http://schemas.openxmlformats.org/officeDocument/2006/relationships" xmlns:p="http://schemas.openxmlformats.org/presentationml/2006/main" preserve="1">
+  <p:cSld name="Panoramabild med bildtext">
     <p:spTree>
       <p:nvGrpSpPr>
         <p:cNvPr id="1" name=""/>
@@ -358,13 +383,7 @@
       </p:grpSpPr>
       <p:sp>
         <p:nvSpPr>
-          <p:cNvPr id="2" name="Title 1">
-            <a:extLst>
-              <a:ext uri="{FF2B5EF4-FFF2-40B4-BE49-F238E27FC236}">
-                <a16:creationId xmlns:a16="http://schemas.microsoft.com/office/drawing/2014/main" id="{DB07FF12-B942-1989-B17B-1CF8C5496791}"/>
-              </a:ext>
-            </a:extLst>
-          </p:cNvPr>
+          <p:cNvPr id="2" name="Title 1"/>
           <p:cNvSpPr>
             <a:spLocks noGrp="1"/>
           </p:cNvSpPr>
@@ -372,86 +391,179 @@
             <p:ph type="title"/>
           </p:nvPr>
         </p:nvSpPr>
-        <p:spPr/>
-        <p:txBody>
-          <a:bodyPr/>
-          <a:lstStyle/>
-          <a:p>
-            <a:r>
-              <a:rPr lang="en-US"/>
-              <a:t>Click to edit Master title style</a:t>
-            </a:r>
-            <a:endParaRPr lang="sv-SE"/>
-          </a:p>
-        </p:txBody>
-      </p:sp>
-      <p:sp>
-        <p:nvSpPr>
-          <p:cNvPr id="3" name="Vertical Text Placeholder 2">
-            <a:extLst>
-              <a:ext uri="{FF2B5EF4-FFF2-40B4-BE49-F238E27FC236}">
-                <a16:creationId xmlns:a16="http://schemas.microsoft.com/office/drawing/2014/main" id="{B2FBEC9D-8CFC-AF76-4FE2-1333A81817C5}"/>
-              </a:ext>
-            </a:extLst>
-          </p:cNvPr>
-          <p:cNvSpPr>
-            <a:spLocks noGrp="1"/>
-          </p:cNvSpPr>
-          <p:nvPr>
-            <p:ph type="body" orient="vert" idx="1"/>
-          </p:nvPr>
-        </p:nvSpPr>
-        <p:spPr/>
-        <p:txBody>
-          <a:bodyPr vert="eaVert"/>
-          <a:lstStyle/>
+        <p:spPr>
+          <a:xfrm>
+            <a:off x="1154956" y="4800587"/>
+            <a:ext cx="8825657" cy="566738"/>
+          </a:xfrm>
+        </p:spPr>
+        <p:txBody>
+          <a:bodyPr anchor="b">
+            <a:normAutofit/>
+          </a:bodyPr>
+          <a:lstStyle>
+            <a:lvl1pPr algn="l">
+              <a:defRPr sz="2400" b="0"/>
+            </a:lvl1pPr>
+          </a:lstStyle>
+          <a:p>
+            <a:r>
+              <a:rPr lang="sv-SE"/>
+              <a:t>Klicka här för att ändra mall för rubrikformat</a:t>
+            </a:r>
+            <a:endParaRPr lang="en-US" dirty="0"/>
+          </a:p>
+        </p:txBody>
+      </p:sp>
+      <p:sp>
+        <p:nvSpPr>
+          <p:cNvPr id="3" name="Picture Placeholder 2"/>
+          <p:cNvSpPr>
+            <a:spLocks noGrp="1" noChangeAspect="1"/>
+          </p:cNvSpPr>
+          <p:nvPr>
+            <p:ph type="pic" idx="1"/>
+          </p:nvPr>
+        </p:nvSpPr>
+        <p:spPr>
+          <a:xfrm>
+            <a:off x="1154955" y="685800"/>
+            <a:ext cx="8825658" cy="3640666"/>
+          </a:xfrm>
+          <a:prstGeom prst="roundRect">
+            <a:avLst>
+              <a:gd name="adj" fmla="val 1858"/>
+            </a:avLst>
+          </a:prstGeom>
+          <a:effectLst>
+            <a:outerShdw blurRad="50800" dist="50800" dir="5400000" algn="tl" rotWithShape="0">
+              <a:srgbClr val="000000">
+                <a:alpha val="43000"/>
+              </a:srgbClr>
+            </a:outerShdw>
+          </a:effectLst>
+        </p:spPr>
+        <p:txBody>
+          <a:bodyPr anchor="t">
+            <a:normAutofit/>
+          </a:bodyPr>
+          <a:lstStyle>
+            <a:lvl1pPr marL="0" indent="0" algn="ctr">
+              <a:buNone/>
+              <a:defRPr sz="1600"/>
+            </a:lvl1pPr>
+            <a:lvl2pPr marL="457200" indent="0">
+              <a:buNone/>
+              <a:defRPr sz="1600"/>
+            </a:lvl2pPr>
+            <a:lvl3pPr marL="914400" indent="0">
+              <a:buNone/>
+              <a:defRPr sz="1600"/>
+            </a:lvl3pPr>
+            <a:lvl4pPr marL="1371600" indent="0">
+              <a:buNone/>
+              <a:defRPr sz="1600"/>
+            </a:lvl4pPr>
+            <a:lvl5pPr marL="1828800" indent="0">
+              <a:buNone/>
+              <a:defRPr sz="1600"/>
+            </a:lvl5pPr>
+            <a:lvl6pPr marL="2286000" indent="0">
+              <a:buNone/>
+              <a:defRPr sz="1600"/>
+            </a:lvl6pPr>
+            <a:lvl7pPr marL="2743200" indent="0">
+              <a:buNone/>
+              <a:defRPr sz="1600"/>
+            </a:lvl7pPr>
+            <a:lvl8pPr marL="3200400" indent="0">
+              <a:buNone/>
+              <a:defRPr sz="1600"/>
+            </a:lvl8pPr>
+            <a:lvl9pPr marL="3657600" indent="0">
+              <a:buNone/>
+              <a:defRPr sz="1600"/>
+            </a:lvl9pPr>
+          </a:lstStyle>
+          <a:p>
+            <a:r>
+              <a:rPr lang="sv-SE"/>
+              <a:t>Klicka på ikonen för att lägga till en bild</a:t>
+            </a:r>
+            <a:endParaRPr lang="en-US" dirty="0"/>
+          </a:p>
+        </p:txBody>
+      </p:sp>
+      <p:sp>
+        <p:nvSpPr>
+          <p:cNvPr id="4" name="Text Placeholder 3"/>
+          <p:cNvSpPr>
+            <a:spLocks noGrp="1"/>
+          </p:cNvSpPr>
+          <p:nvPr>
+            <p:ph type="body" sz="half" idx="2"/>
+          </p:nvPr>
+        </p:nvSpPr>
+        <p:spPr>
+          <a:xfrm>
+            <a:off x="1154956" y="5367325"/>
+            <a:ext cx="8825656" cy="493712"/>
+          </a:xfrm>
+        </p:spPr>
+        <p:txBody>
+          <a:bodyPr>
+            <a:normAutofit/>
+          </a:bodyPr>
+          <a:lstStyle>
+            <a:lvl1pPr marL="0" indent="0">
+              <a:buNone/>
+              <a:defRPr sz="1200"/>
+            </a:lvl1pPr>
+            <a:lvl2pPr marL="457200" indent="0">
+              <a:buNone/>
+              <a:defRPr sz="1200"/>
+            </a:lvl2pPr>
+            <a:lvl3pPr marL="914400" indent="0">
+              <a:buNone/>
+              <a:defRPr sz="1000"/>
+            </a:lvl3pPr>
+            <a:lvl4pPr marL="1371600" indent="0">
+              <a:buNone/>
+              <a:defRPr sz="900"/>
+            </a:lvl4pPr>
+            <a:lvl5pPr marL="1828800" indent="0">
+              <a:buNone/>
+              <a:defRPr sz="900"/>
+            </a:lvl5pPr>
+            <a:lvl6pPr marL="2286000" indent="0">
+              <a:buNone/>
+              <a:defRPr sz="900"/>
+            </a:lvl6pPr>
+            <a:lvl7pPr marL="2743200" indent="0">
+              <a:buNone/>
+              <a:defRPr sz="900"/>
+            </a:lvl7pPr>
+            <a:lvl8pPr marL="3200400" indent="0">
+              <a:buNone/>
+              <a:defRPr sz="900"/>
+            </a:lvl8pPr>
+            <a:lvl9pPr marL="3657600" indent="0">
+              <a:buNone/>
+              <a:defRPr sz="900"/>
+            </a:lvl9pPr>
+          </a:lstStyle>
           <a:p>
             <a:pPr lvl="0"/>
             <a:r>
-              <a:rPr lang="en-US"/>
-              <a:t>Click to edit Master text styles</a:t>
-            </a:r>
-          </a:p>
-          <a:p>
-            <a:pPr lvl="1"/>
-            <a:r>
-              <a:rPr lang="en-US"/>
-              <a:t>Second level</a:t>
-            </a:r>
-          </a:p>
-          <a:p>
-            <a:pPr lvl="2"/>
-            <a:r>
-              <a:rPr lang="en-US"/>
-              <a:t>Third level</a:t>
-            </a:r>
-          </a:p>
-          <a:p>
-            <a:pPr lvl="3"/>
-            <a:r>
-              <a:rPr lang="en-US"/>
-              <a:t>Fourth level</a:t>
-            </a:r>
-          </a:p>
-          <a:p>
-            <a:pPr lvl="4"/>
-            <a:r>
-              <a:rPr lang="en-US"/>
-              <a:t>Fifth level</a:t>
-            </a:r>
-            <a:endParaRPr lang="sv-SE"/>
-          </a:p>
-        </p:txBody>
-      </p:sp>
-      <p:sp>
-        <p:nvSpPr>
-          <p:cNvPr id="4" name="Date Placeholder 3">
-            <a:extLst>
-              <a:ext uri="{FF2B5EF4-FFF2-40B4-BE49-F238E27FC236}">
-                <a16:creationId xmlns:a16="http://schemas.microsoft.com/office/drawing/2014/main" id="{88605392-A260-0F36-9F31-1ED55DA31822}"/>
-              </a:ext>
-            </a:extLst>
-          </p:cNvPr>
+              <a:rPr lang="sv-SE"/>
+              <a:t>Klicka här för att ändra format på bakgrundstexten</a:t>
+            </a:r>
+          </a:p>
+        </p:txBody>
+      </p:sp>
+      <p:sp>
+        <p:nvSpPr>
+          <p:cNvPr id="5" name="Date Placeholder 4"/>
           <p:cNvSpPr>
             <a:spLocks noGrp="1"/>
           </p:cNvSpPr>
@@ -466,7 +578,7 @@
           <a:p>
             <a:fld id="{8E64B585-400C-455D-9535-796762DC7C0E}" type="datetimeFigureOut">
               <a:rPr lang="sv-SE" smtClean="0"/>
-              <a:t>2023-09-07</a:t>
+              <a:t>2023-09-12</a:t>
             </a:fld>
             <a:endParaRPr lang="sv-SE"/>
           </a:p>
@@ -474,13 +586,7 @@
       </p:sp>
       <p:sp>
         <p:nvSpPr>
-          <p:cNvPr id="5" name="Footer Placeholder 4">
-            <a:extLst>
-              <a:ext uri="{FF2B5EF4-FFF2-40B4-BE49-F238E27FC236}">
-                <a16:creationId xmlns:a16="http://schemas.microsoft.com/office/drawing/2014/main" id="{5A670E52-EDF1-2E4C-DA5F-936EC73B4B4E}"/>
-              </a:ext>
-            </a:extLst>
-          </p:cNvPr>
+          <p:cNvPr id="6" name="Footer Placeholder 5"/>
           <p:cNvSpPr>
             <a:spLocks noGrp="1"/>
           </p:cNvSpPr>
@@ -499,13 +605,7 @@
       </p:sp>
       <p:sp>
         <p:nvSpPr>
-          <p:cNvPr id="6" name="Slide Number Placeholder 5">
-            <a:extLst>
-              <a:ext uri="{FF2B5EF4-FFF2-40B4-BE49-F238E27FC236}">
-                <a16:creationId xmlns:a16="http://schemas.microsoft.com/office/drawing/2014/main" id="{978B96C6-A70F-3F52-6CB0-41AA75DD98A8}"/>
-              </a:ext>
-            </a:extLst>
-          </p:cNvPr>
+          <p:cNvPr id="7" name="Slide Number Placeholder 6"/>
           <p:cNvSpPr>
             <a:spLocks noGrp="1"/>
           </p:cNvSpPr>
@@ -529,7 +629,7 @@
     </p:spTree>
     <p:extLst>
       <p:ext uri="{BB962C8B-B14F-4D97-AF65-F5344CB8AC3E}">
-        <p14:creationId xmlns:p14="http://schemas.microsoft.com/office/powerpoint/2010/main" val="1298938485"/>
+        <p14:creationId xmlns:p14="http://schemas.microsoft.com/office/powerpoint/2010/main" val="1598714625"/>
       </p:ext>
     </p:extLst>
   </p:cSld>
@@ -540,8 +640,8 @@
 </file>
 
 <file path=ppt/slideLayouts/slideLayout11.xml><?xml version="1.0" encoding="utf-8"?>
-<p:sldLayout xmlns:a="http://schemas.openxmlformats.org/drawingml/2006/main" xmlns:r="http://schemas.openxmlformats.org/officeDocument/2006/relationships" xmlns:p="http://schemas.openxmlformats.org/presentationml/2006/main" type="vertTitleAndTx" preserve="1">
-  <p:cSld name="Vertical Title and Text">
+<p:sldLayout xmlns:a="http://schemas.openxmlformats.org/drawingml/2006/main" xmlns:r="http://schemas.openxmlformats.org/officeDocument/2006/relationships" xmlns:p="http://schemas.openxmlformats.org/presentationml/2006/main" preserve="1">
+  <p:cSld name="Titel och bildtext">
     <p:spTree>
       <p:nvGrpSpPr>
         <p:cNvPr id="1" name=""/>
@@ -558,110 +658,106 @@
       </p:grpSpPr>
       <p:sp>
         <p:nvSpPr>
-          <p:cNvPr id="2" name="Vertical Title 1">
-            <a:extLst>
-              <a:ext uri="{FF2B5EF4-FFF2-40B4-BE49-F238E27FC236}">
-                <a16:creationId xmlns:a16="http://schemas.microsoft.com/office/drawing/2014/main" id="{45E5BAFE-7F9A-D59D-B349-03185E731B87}"/>
-              </a:ext>
-            </a:extLst>
-          </p:cNvPr>
-          <p:cNvSpPr>
-            <a:spLocks noGrp="1"/>
-          </p:cNvSpPr>
-          <p:nvPr>
-            <p:ph type="title" orient="vert"/>
+          <p:cNvPr id="2" name="Title 1"/>
+          <p:cNvSpPr>
+            <a:spLocks noGrp="1"/>
+          </p:cNvSpPr>
+          <p:nvPr>
+            <p:ph type="title"/>
           </p:nvPr>
         </p:nvSpPr>
         <p:spPr>
           <a:xfrm>
-            <a:off x="8724900" y="365125"/>
-            <a:ext cx="2628900" cy="5811838"/>
+            <a:off x="1154954" y="1447800"/>
+            <a:ext cx="8825659" cy="1981200"/>
           </a:xfrm>
         </p:spPr>
         <p:txBody>
-          <a:bodyPr vert="eaVert"/>
-          <a:lstStyle/>
-          <a:p>
-            <a:r>
-              <a:rPr lang="en-US"/>
-              <a:t>Click to edit Master title style</a:t>
-            </a:r>
-            <a:endParaRPr lang="sv-SE"/>
-          </a:p>
-        </p:txBody>
-      </p:sp>
-      <p:sp>
-        <p:nvSpPr>
-          <p:cNvPr id="3" name="Vertical Text Placeholder 2">
-            <a:extLst>
-              <a:ext uri="{FF2B5EF4-FFF2-40B4-BE49-F238E27FC236}">
-                <a16:creationId xmlns:a16="http://schemas.microsoft.com/office/drawing/2014/main" id="{443476DF-8961-A0F5-77E6-B812AEA8E50A}"/>
-              </a:ext>
-            </a:extLst>
-          </p:cNvPr>
-          <p:cNvSpPr>
-            <a:spLocks noGrp="1"/>
-          </p:cNvSpPr>
-          <p:nvPr>
-            <p:ph type="body" orient="vert" idx="1"/>
+          <a:bodyPr/>
+          <a:lstStyle>
+            <a:lvl1pPr>
+              <a:defRPr sz="4800"/>
+            </a:lvl1pPr>
+          </a:lstStyle>
+          <a:p>
+            <a:r>
+              <a:rPr lang="sv-SE"/>
+              <a:t>Klicka här för att ändra mall för rubrikformat</a:t>
+            </a:r>
+            <a:endParaRPr lang="en-US" dirty="0"/>
+          </a:p>
+        </p:txBody>
+      </p:sp>
+      <p:sp>
+        <p:nvSpPr>
+          <p:cNvPr id="8" name="Text Placeholder 3"/>
+          <p:cNvSpPr>
+            <a:spLocks noGrp="1"/>
+          </p:cNvSpPr>
+          <p:nvPr>
+            <p:ph type="body" sz="half" idx="2"/>
           </p:nvPr>
         </p:nvSpPr>
         <p:spPr>
           <a:xfrm>
-            <a:off x="838200" y="365125"/>
-            <a:ext cx="7734300" cy="5811838"/>
+            <a:off x="1154954" y="3657600"/>
+            <a:ext cx="8825659" cy="2362200"/>
           </a:xfrm>
         </p:spPr>
         <p:txBody>
-          <a:bodyPr vert="eaVert"/>
-          <a:lstStyle/>
+          <a:bodyPr anchor="ctr">
+            <a:normAutofit/>
+          </a:bodyPr>
+          <a:lstStyle>
+            <a:lvl1pPr marL="0" indent="0">
+              <a:buNone/>
+              <a:defRPr sz="1800"/>
+            </a:lvl1pPr>
+            <a:lvl2pPr marL="457200" indent="0">
+              <a:buNone/>
+              <a:defRPr sz="1200"/>
+            </a:lvl2pPr>
+            <a:lvl3pPr marL="914400" indent="0">
+              <a:buNone/>
+              <a:defRPr sz="1000"/>
+            </a:lvl3pPr>
+            <a:lvl4pPr marL="1371600" indent="0">
+              <a:buNone/>
+              <a:defRPr sz="900"/>
+            </a:lvl4pPr>
+            <a:lvl5pPr marL="1828800" indent="0">
+              <a:buNone/>
+              <a:defRPr sz="900"/>
+            </a:lvl5pPr>
+            <a:lvl6pPr marL="2286000" indent="0">
+              <a:buNone/>
+              <a:defRPr sz="900"/>
+            </a:lvl6pPr>
+            <a:lvl7pPr marL="2743200" indent="0">
+              <a:buNone/>
+              <a:defRPr sz="900"/>
+            </a:lvl7pPr>
+            <a:lvl8pPr marL="3200400" indent="0">
+              <a:buNone/>
+              <a:defRPr sz="900"/>
+            </a:lvl8pPr>
+            <a:lvl9pPr marL="3657600" indent="0">
+              <a:buNone/>
+              <a:defRPr sz="900"/>
+            </a:lvl9pPr>
+          </a:lstStyle>
           <a:p>
             <a:pPr lvl="0"/>
             <a:r>
-              <a:rPr lang="en-US"/>
-              <a:t>Click to edit Master text styles</a:t>
-            </a:r>
-          </a:p>
-          <a:p>
-            <a:pPr lvl="1"/>
-            <a:r>
-              <a:rPr lang="en-US"/>
-              <a:t>Second level</a:t>
-            </a:r>
-          </a:p>
-          <a:p>
-            <a:pPr lvl="2"/>
-            <a:r>
-              <a:rPr lang="en-US"/>
-              <a:t>Third level</a:t>
-            </a:r>
-          </a:p>
-          <a:p>
-            <a:pPr lvl="3"/>
-            <a:r>
-              <a:rPr lang="en-US"/>
-              <a:t>Fourth level</a:t>
-            </a:r>
-          </a:p>
-          <a:p>
-            <a:pPr lvl="4"/>
-            <a:r>
-              <a:rPr lang="en-US"/>
-              <a:t>Fifth level</a:t>
-            </a:r>
-            <a:endParaRPr lang="sv-SE"/>
-          </a:p>
-        </p:txBody>
-      </p:sp>
-      <p:sp>
-        <p:nvSpPr>
-          <p:cNvPr id="4" name="Date Placeholder 3">
-            <a:extLst>
-              <a:ext uri="{FF2B5EF4-FFF2-40B4-BE49-F238E27FC236}">
-                <a16:creationId xmlns:a16="http://schemas.microsoft.com/office/drawing/2014/main" id="{AB988E1C-74C5-DF98-3CFC-21C9B3EE2A78}"/>
-              </a:ext>
-            </a:extLst>
-          </p:cNvPr>
+              <a:rPr lang="sv-SE"/>
+              <a:t>Klicka här för att ändra format på bakgrundstexten</a:t>
+            </a:r>
+          </a:p>
+        </p:txBody>
+      </p:sp>
+      <p:sp>
+        <p:nvSpPr>
+          <p:cNvPr id="4" name="Date Placeholder 3"/>
           <p:cNvSpPr>
             <a:spLocks noGrp="1"/>
           </p:cNvSpPr>
@@ -676,7 +772,7 @@
           <a:p>
             <a:fld id="{8E64B585-400C-455D-9535-796762DC7C0E}" type="datetimeFigureOut">
               <a:rPr lang="sv-SE" smtClean="0"/>
-              <a:t>2023-09-07</a:t>
+              <a:t>2023-09-12</a:t>
             </a:fld>
             <a:endParaRPr lang="sv-SE"/>
           </a:p>
@@ -684,13 +780,7 @@
       </p:sp>
       <p:sp>
         <p:nvSpPr>
-          <p:cNvPr id="5" name="Footer Placeholder 4">
-            <a:extLst>
-              <a:ext uri="{FF2B5EF4-FFF2-40B4-BE49-F238E27FC236}">
-                <a16:creationId xmlns:a16="http://schemas.microsoft.com/office/drawing/2014/main" id="{707AC1DE-7764-C462-6B1F-56DC97D9A9DF}"/>
-              </a:ext>
-            </a:extLst>
-          </p:cNvPr>
+          <p:cNvPr id="5" name="Footer Placeholder 4"/>
           <p:cNvSpPr>
             <a:spLocks noGrp="1"/>
           </p:cNvSpPr>
@@ -709,13 +799,7 @@
       </p:sp>
       <p:sp>
         <p:nvSpPr>
-          <p:cNvPr id="6" name="Slide Number Placeholder 5">
-            <a:extLst>
-              <a:ext uri="{FF2B5EF4-FFF2-40B4-BE49-F238E27FC236}">
-                <a16:creationId xmlns:a16="http://schemas.microsoft.com/office/drawing/2014/main" id="{05B68FD0-5DF4-0AC4-1607-88AF95DF4795}"/>
-              </a:ext>
-            </a:extLst>
-          </p:cNvPr>
+          <p:cNvPr id="6" name="Slide Number Placeholder 5"/>
           <p:cNvSpPr>
             <a:spLocks noGrp="1"/>
           </p:cNvSpPr>
@@ -739,7 +823,7 @@
     </p:spTree>
     <p:extLst>
       <p:ext uri="{BB962C8B-B14F-4D97-AF65-F5344CB8AC3E}">
-        <p14:creationId xmlns:p14="http://schemas.microsoft.com/office/powerpoint/2010/main" val="3834758414"/>
+        <p14:creationId xmlns:p14="http://schemas.microsoft.com/office/powerpoint/2010/main" val="1484288469"/>
       </p:ext>
     </p:extLst>
   </p:cSld>
@@ -749,9 +833,9 @@
 </p:sldLayout>
 </file>
 
-<file path=ppt/slideLayouts/slideLayout2.xml><?xml version="1.0" encoding="utf-8"?>
-<p:sldLayout xmlns:a="http://schemas.openxmlformats.org/drawingml/2006/main" xmlns:r="http://schemas.openxmlformats.org/officeDocument/2006/relationships" xmlns:p="http://schemas.openxmlformats.org/presentationml/2006/main" type="obj" preserve="1">
-  <p:cSld name="Title and Content">
+<file path=ppt/slideLayouts/slideLayout12.xml><?xml version="1.0" encoding="utf-8"?>
+<p:sldLayout xmlns:a="http://schemas.openxmlformats.org/drawingml/2006/main" xmlns:r="http://schemas.openxmlformats.org/officeDocument/2006/relationships" xmlns:p="http://schemas.openxmlformats.org/presentationml/2006/main" preserve="1">
+  <p:cSld name="Citat med beskrivning">
     <p:spTree>
       <p:nvGrpSpPr>
         <p:cNvPr id="1" name=""/>
@@ -768,13 +852,7 @@
       </p:grpSpPr>
       <p:sp>
         <p:nvSpPr>
-          <p:cNvPr id="2" name="Title 1">
-            <a:extLst>
-              <a:ext uri="{FF2B5EF4-FFF2-40B4-BE49-F238E27FC236}">
-                <a16:creationId xmlns:a16="http://schemas.microsoft.com/office/drawing/2014/main" id="{55F893E0-9D29-3FD6-65FD-6675BF0068D7}"/>
-              </a:ext>
-            </a:extLst>
-          </p:cNvPr>
+          <p:cNvPr id="2" name="Title 1"/>
           <p:cNvSpPr>
             <a:spLocks noGrp="1"/>
           </p:cNvSpPr>
@@ -782,86 +860,177 @@
             <p:ph type="title"/>
           </p:nvPr>
         </p:nvSpPr>
-        <p:spPr/>
+        <p:spPr>
+          <a:xfrm>
+            <a:off x="1574801" y="1447800"/>
+            <a:ext cx="7999315" cy="2323374"/>
+          </a:xfrm>
+        </p:spPr>
         <p:txBody>
           <a:bodyPr/>
-          <a:lstStyle/>
-          <a:p>
-            <a:r>
-              <a:rPr lang="en-US"/>
-              <a:t>Click to edit Master title style</a:t>
-            </a:r>
-            <a:endParaRPr lang="sv-SE"/>
-          </a:p>
-        </p:txBody>
-      </p:sp>
-      <p:sp>
-        <p:nvSpPr>
-          <p:cNvPr id="3" name="Content Placeholder 2">
-            <a:extLst>
-              <a:ext uri="{FF2B5EF4-FFF2-40B4-BE49-F238E27FC236}">
-                <a16:creationId xmlns:a16="http://schemas.microsoft.com/office/drawing/2014/main" id="{F9E176D6-5EFF-6F49-E814-722266005406}"/>
-              </a:ext>
-            </a:extLst>
-          </p:cNvPr>
-          <p:cNvSpPr>
-            <a:spLocks noGrp="1"/>
-          </p:cNvSpPr>
-          <p:nvPr>
-            <p:ph idx="1"/>
-          </p:nvPr>
-        </p:nvSpPr>
-        <p:spPr/>
-        <p:txBody>
-          <a:bodyPr/>
-          <a:lstStyle/>
+          <a:lstStyle>
+            <a:lvl1pPr>
+              <a:defRPr sz="4800"/>
+            </a:lvl1pPr>
+          </a:lstStyle>
+          <a:p>
+            <a:r>
+              <a:rPr lang="sv-SE"/>
+              <a:t>Klicka här för att ändra mall för rubrikformat</a:t>
+            </a:r>
+            <a:endParaRPr lang="en-US" dirty="0"/>
+          </a:p>
+        </p:txBody>
+      </p:sp>
+      <p:sp>
+        <p:nvSpPr>
+          <p:cNvPr id="11" name="Text Placeholder 3"/>
+          <p:cNvSpPr>
+            <a:spLocks noGrp="1"/>
+          </p:cNvSpPr>
+          <p:nvPr>
+            <p:ph type="body" sz="half" idx="14"/>
+          </p:nvPr>
+        </p:nvSpPr>
+        <p:spPr>
+          <a:xfrm>
+            <a:off x="1930400" y="3771174"/>
+            <a:ext cx="7279649" cy="342174"/>
+          </a:xfrm>
+        </p:spPr>
+        <p:txBody>
+          <a:bodyPr vert="horz" lIns="91440" tIns="45720" rIns="91440" bIns="45720" rtlCol="0" anchor="t">
+            <a:normAutofit/>
+          </a:bodyPr>
+          <a:lstStyle>
+            <a:lvl1pPr marL="0" indent="0">
+              <a:buNone/>
+              <a:defRPr lang="en-US" sz="1400" b="0" i="0" kern="1200" cap="small" dirty="0">
+                <a:solidFill>
+                  <a:schemeClr val="bg2">
+                    <a:lumMod val="40000"/>
+                    <a:lumOff val="60000"/>
+                  </a:schemeClr>
+                </a:solidFill>
+                <a:latin typeface="+mj-lt"/>
+                <a:ea typeface="+mj-ea"/>
+                <a:cs typeface="+mj-cs"/>
+              </a:defRPr>
+            </a:lvl1pPr>
+            <a:lvl2pPr marL="457200" indent="0">
+              <a:buNone/>
+              <a:defRPr sz="1200"/>
+            </a:lvl2pPr>
+            <a:lvl3pPr marL="914400" indent="0">
+              <a:buNone/>
+              <a:defRPr sz="1000"/>
+            </a:lvl3pPr>
+            <a:lvl4pPr marL="1371600" indent="0">
+              <a:buNone/>
+              <a:defRPr sz="900"/>
+            </a:lvl4pPr>
+            <a:lvl5pPr marL="1828800" indent="0">
+              <a:buNone/>
+              <a:defRPr sz="900"/>
+            </a:lvl5pPr>
+            <a:lvl6pPr marL="2286000" indent="0">
+              <a:buNone/>
+              <a:defRPr sz="900"/>
+            </a:lvl6pPr>
+            <a:lvl7pPr marL="2743200" indent="0">
+              <a:buNone/>
+              <a:defRPr sz="900"/>
+            </a:lvl7pPr>
+            <a:lvl8pPr marL="3200400" indent="0">
+              <a:buNone/>
+              <a:defRPr sz="900"/>
+            </a:lvl8pPr>
+            <a:lvl9pPr marL="3657600" indent="0">
+              <a:buNone/>
+              <a:defRPr sz="900"/>
+            </a:lvl9pPr>
+          </a:lstStyle>
+          <a:p>
+            <a:pPr marL="0" lvl="0" indent="0">
+              <a:buNone/>
+            </a:pPr>
+            <a:r>
+              <a:rPr lang="sv-SE"/>
+              <a:t>Klicka här för att ändra format på bakgrundstexten</a:t>
+            </a:r>
+          </a:p>
+        </p:txBody>
+      </p:sp>
+      <p:sp>
+        <p:nvSpPr>
+          <p:cNvPr id="10" name="Text Placeholder 3"/>
+          <p:cNvSpPr>
+            <a:spLocks noGrp="1"/>
+          </p:cNvSpPr>
+          <p:nvPr>
+            <p:ph type="body" sz="half" idx="2"/>
+          </p:nvPr>
+        </p:nvSpPr>
+        <p:spPr>
+          <a:xfrm>
+            <a:off x="1154954" y="4350657"/>
+            <a:ext cx="8825659" cy="1676400"/>
+          </a:xfrm>
+        </p:spPr>
+        <p:txBody>
+          <a:bodyPr anchor="ctr">
+            <a:normAutofit/>
+          </a:bodyPr>
+          <a:lstStyle>
+            <a:lvl1pPr marL="0" indent="0">
+              <a:buNone/>
+              <a:defRPr sz="1800"/>
+            </a:lvl1pPr>
+            <a:lvl2pPr marL="457200" indent="0">
+              <a:buNone/>
+              <a:defRPr sz="1200"/>
+            </a:lvl2pPr>
+            <a:lvl3pPr marL="914400" indent="0">
+              <a:buNone/>
+              <a:defRPr sz="1000"/>
+            </a:lvl3pPr>
+            <a:lvl4pPr marL="1371600" indent="0">
+              <a:buNone/>
+              <a:defRPr sz="900"/>
+            </a:lvl4pPr>
+            <a:lvl5pPr marL="1828800" indent="0">
+              <a:buNone/>
+              <a:defRPr sz="900"/>
+            </a:lvl5pPr>
+            <a:lvl6pPr marL="2286000" indent="0">
+              <a:buNone/>
+              <a:defRPr sz="900"/>
+            </a:lvl6pPr>
+            <a:lvl7pPr marL="2743200" indent="0">
+              <a:buNone/>
+              <a:defRPr sz="900"/>
+            </a:lvl7pPr>
+            <a:lvl8pPr marL="3200400" indent="0">
+              <a:buNone/>
+              <a:defRPr sz="900"/>
+            </a:lvl8pPr>
+            <a:lvl9pPr marL="3657600" indent="0">
+              <a:buNone/>
+              <a:defRPr sz="900"/>
+            </a:lvl9pPr>
+          </a:lstStyle>
           <a:p>
             <a:pPr lvl="0"/>
             <a:r>
-              <a:rPr lang="en-US"/>
-              <a:t>Click to edit Master text styles</a:t>
-            </a:r>
-          </a:p>
-          <a:p>
-            <a:pPr lvl="1"/>
-            <a:r>
-              <a:rPr lang="en-US"/>
-              <a:t>Second level</a:t>
-            </a:r>
-          </a:p>
-          <a:p>
-            <a:pPr lvl="2"/>
-            <a:r>
-              <a:rPr lang="en-US"/>
-              <a:t>Third level</a:t>
-            </a:r>
-          </a:p>
-          <a:p>
-            <a:pPr lvl="3"/>
-            <a:r>
-              <a:rPr lang="en-US"/>
-              <a:t>Fourth level</a:t>
-            </a:r>
-          </a:p>
-          <a:p>
-            <a:pPr lvl="4"/>
-            <a:r>
-              <a:rPr lang="en-US"/>
-              <a:t>Fifth level</a:t>
-            </a:r>
-            <a:endParaRPr lang="sv-SE"/>
-          </a:p>
-        </p:txBody>
-      </p:sp>
-      <p:sp>
-        <p:nvSpPr>
-          <p:cNvPr id="4" name="Date Placeholder 3">
-            <a:extLst>
-              <a:ext uri="{FF2B5EF4-FFF2-40B4-BE49-F238E27FC236}">
-                <a16:creationId xmlns:a16="http://schemas.microsoft.com/office/drawing/2014/main" id="{B3CA2FD7-DCD4-94CE-9841-8472C79CA367}"/>
-              </a:ext>
-            </a:extLst>
-          </p:cNvPr>
+              <a:rPr lang="sv-SE"/>
+              <a:t>Klicka här för att ändra format på bakgrundstexten</a:t>
+            </a:r>
+          </a:p>
+        </p:txBody>
+      </p:sp>
+      <p:sp>
+        <p:nvSpPr>
+          <p:cNvPr id="4" name="Date Placeholder 3"/>
           <p:cNvSpPr>
             <a:spLocks noGrp="1"/>
           </p:cNvSpPr>
@@ -876,7 +1045,7 @@
           <a:p>
             <a:fld id="{8E64B585-400C-455D-9535-796762DC7C0E}" type="datetimeFigureOut">
               <a:rPr lang="sv-SE" smtClean="0"/>
-              <a:t>2023-09-07</a:t>
+              <a:t>2023-09-12</a:t>
             </a:fld>
             <a:endParaRPr lang="sv-SE"/>
           </a:p>
@@ -884,13 +1053,7 @@
       </p:sp>
       <p:sp>
         <p:nvSpPr>
-          <p:cNvPr id="5" name="Footer Placeholder 4">
-            <a:extLst>
-              <a:ext uri="{FF2B5EF4-FFF2-40B4-BE49-F238E27FC236}">
-                <a16:creationId xmlns:a16="http://schemas.microsoft.com/office/drawing/2014/main" id="{972D910C-DA2B-0B27-4EEB-3A6F60084B8C}"/>
-              </a:ext>
-            </a:extLst>
-          </p:cNvPr>
+          <p:cNvPr id="5" name="Footer Placeholder 4"/>
           <p:cNvSpPr>
             <a:spLocks noGrp="1"/>
           </p:cNvSpPr>
@@ -909,13 +1072,7 @@
       </p:sp>
       <p:sp>
         <p:nvSpPr>
-          <p:cNvPr id="6" name="Slide Number Placeholder 5">
-            <a:extLst>
-              <a:ext uri="{FF2B5EF4-FFF2-40B4-BE49-F238E27FC236}">
-                <a16:creationId xmlns:a16="http://schemas.microsoft.com/office/drawing/2014/main" id="{39161A7E-0212-36D8-196E-DEE1620BF80A}"/>
-              </a:ext>
-            </a:extLst>
-          </p:cNvPr>
+          <p:cNvPr id="6" name="Slide Number Placeholder 5"/>
           <p:cNvSpPr>
             <a:spLocks noGrp="1"/>
           </p:cNvSpPr>
@@ -936,10 +1093,104 @@
           </a:p>
         </p:txBody>
       </p:sp>
+      <p:sp>
+        <p:nvSpPr>
+          <p:cNvPr id="12" name="TextBox 11"/>
+          <p:cNvSpPr txBox="1"/>
+          <p:nvPr/>
+        </p:nvSpPr>
+        <p:spPr>
+          <a:xfrm>
+            <a:off x="898295" y="971253"/>
+            <a:ext cx="801912" cy="1969770"/>
+          </a:xfrm>
+          <a:prstGeom prst="rect">
+            <a:avLst/>
+          </a:prstGeom>
+          <a:noFill/>
+        </p:spPr>
+        <p:txBody>
+          <a:bodyPr wrap="square" rtlCol="0">
+            <a:spAutoFit/>
+          </a:bodyPr>
+          <a:lstStyle>
+            <a:defPPr>
+              <a:defRPr lang="en-US"/>
+            </a:defPPr>
+            <a:lvl1pPr algn="r">
+              <a:defRPr sz="12200" b="0" i="0">
+                <a:solidFill>
+                  <a:schemeClr val="bg2">
+                    <a:lumMod val="40000"/>
+                    <a:lumOff val="60000"/>
+                  </a:schemeClr>
+                </a:solidFill>
+                <a:latin typeface="Arial"/>
+                <a:ea typeface="+mj-ea"/>
+                <a:cs typeface="+mj-cs"/>
+              </a:defRPr>
+            </a:lvl1pPr>
+          </a:lstStyle>
+          <a:p>
+            <a:pPr lvl="0"/>
+            <a:r>
+              <a:rPr lang="en-US" dirty="0"/>
+              <a:t>“</a:t>
+            </a:r>
+          </a:p>
+        </p:txBody>
+      </p:sp>
+      <p:sp>
+        <p:nvSpPr>
+          <p:cNvPr id="15" name="TextBox 14"/>
+          <p:cNvSpPr txBox="1"/>
+          <p:nvPr/>
+        </p:nvSpPr>
+        <p:spPr>
+          <a:xfrm>
+            <a:off x="9330490" y="2613787"/>
+            <a:ext cx="801912" cy="1969770"/>
+          </a:xfrm>
+          <a:prstGeom prst="rect">
+            <a:avLst/>
+          </a:prstGeom>
+          <a:noFill/>
+        </p:spPr>
+        <p:txBody>
+          <a:bodyPr wrap="square" rtlCol="0">
+            <a:spAutoFit/>
+          </a:bodyPr>
+          <a:lstStyle>
+            <a:defPPr>
+              <a:defRPr lang="en-US"/>
+            </a:defPPr>
+            <a:lvl1pPr algn="r">
+              <a:defRPr sz="12200" b="0" i="0">
+                <a:solidFill>
+                  <a:schemeClr val="bg2">
+                    <a:lumMod val="40000"/>
+                    <a:lumOff val="60000"/>
+                  </a:schemeClr>
+                </a:solidFill>
+                <a:latin typeface="Arial"/>
+                <a:ea typeface="+mj-ea"/>
+                <a:cs typeface="+mj-cs"/>
+              </a:defRPr>
+            </a:lvl1pPr>
+          </a:lstStyle>
+          <a:p>
+            <a:pPr lvl="0"/>
+            <a:r>
+              <a:rPr lang="en-US" dirty="0"/>
+              <a:t>”</a:t>
+            </a:r>
+          </a:p>
+        </p:txBody>
+      </p:sp>
     </p:spTree>
     <p:extLst>
       <p:ext uri="{BB962C8B-B14F-4D97-AF65-F5344CB8AC3E}">
-        <p14:creationId xmlns:p14="http://schemas.microsoft.com/office/powerpoint/2010/main" val="2096172835"/>
+        <p14:creationId xmlns:p14="http://schemas.microsoft.com/office/powerpoint/2010/main" val="1926784716"/>
       </p:ext>
     </p:extLst>
   </p:cSld>
@@ -949,9 +1200,9 @@
 </p:sldLayout>
 </file>
 
-<file path=ppt/slideLayouts/slideLayout3.xml><?xml version="1.0" encoding="utf-8"?>
-<p:sldLayout xmlns:a="http://schemas.openxmlformats.org/drawingml/2006/main" xmlns:r="http://schemas.openxmlformats.org/officeDocument/2006/relationships" xmlns:p="http://schemas.openxmlformats.org/presentationml/2006/main" type="secHead" preserve="1">
-  <p:cSld name="Section Header">
+<file path=ppt/slideLayouts/slideLayout13.xml><?xml version="1.0" encoding="utf-8"?>
+<p:sldLayout xmlns:a="http://schemas.openxmlformats.org/drawingml/2006/main" xmlns:r="http://schemas.openxmlformats.org/officeDocument/2006/relationships" xmlns:p="http://schemas.openxmlformats.org/presentationml/2006/main" preserve="1">
+  <p:cSld name="Namnkort">
     <p:spTree>
       <p:nvGrpSpPr>
         <p:cNvPr id="1" name=""/>
@@ -968,13 +1219,7 @@
       </p:grpSpPr>
       <p:sp>
         <p:nvSpPr>
-          <p:cNvPr id="2" name="Title 1">
-            <a:extLst>
-              <a:ext uri="{FF2B5EF4-FFF2-40B4-BE49-F238E27FC236}">
-                <a16:creationId xmlns:a16="http://schemas.microsoft.com/office/drawing/2014/main" id="{5F3D0C78-B2D9-5832-381E-CBAA57AE4450}"/>
-              </a:ext>
-            </a:extLst>
-          </p:cNvPr>
+          <p:cNvPr id="2" name="Title 1"/>
           <p:cNvSpPr>
             <a:spLocks noGrp="1"/>
           </p:cNvSpPr>
@@ -984,35 +1229,29 @@
         </p:nvSpPr>
         <p:spPr>
           <a:xfrm>
-            <a:off x="831850" y="1709738"/>
-            <a:ext cx="10515600" cy="2852737"/>
+            <a:off x="1154954" y="3124201"/>
+            <a:ext cx="8825660" cy="1653180"/>
           </a:xfrm>
         </p:spPr>
         <p:txBody>
           <a:bodyPr anchor="b"/>
           <a:lstStyle>
-            <a:lvl1pPr>
-              <a:defRPr sz="6000"/>
+            <a:lvl1pPr algn="l">
+              <a:defRPr sz="4000" b="0" cap="none"/>
             </a:lvl1pPr>
           </a:lstStyle>
           <a:p>
             <a:r>
-              <a:rPr lang="en-US"/>
-              <a:t>Click to edit Master title style</a:t>
-            </a:r>
-            <a:endParaRPr lang="sv-SE"/>
-          </a:p>
-        </p:txBody>
-      </p:sp>
-      <p:sp>
-        <p:nvSpPr>
-          <p:cNvPr id="3" name="Text Placeholder 2">
-            <a:extLst>
-              <a:ext uri="{FF2B5EF4-FFF2-40B4-BE49-F238E27FC236}">
-                <a16:creationId xmlns:a16="http://schemas.microsoft.com/office/drawing/2014/main" id="{F95EE847-3EB2-93FB-0354-F055D77D6FE8}"/>
-              </a:ext>
-            </a:extLst>
-          </p:cNvPr>
+              <a:rPr lang="sv-SE"/>
+              <a:t>Klicka här för att ändra mall för rubrikformat</a:t>
+            </a:r>
+            <a:endParaRPr lang="en-US" dirty="0"/>
+          </a:p>
+        </p:txBody>
+      </p:sp>
+      <p:sp>
+        <p:nvSpPr>
+          <p:cNvPr id="3" name="Text Placeholder 2"/>
           <p:cNvSpPr>
             <a:spLocks noGrp="1"/>
           </p:cNvSpPr>
@@ -1022,26 +1261,27 @@
         </p:nvSpPr>
         <p:spPr>
           <a:xfrm>
-            <a:off x="831850" y="4589463"/>
-            <a:ext cx="10515600" cy="1500187"/>
+            <a:off x="1154954" y="4777381"/>
+            <a:ext cx="8825659" cy="860400"/>
           </a:xfrm>
         </p:spPr>
         <p:txBody>
-          <a:bodyPr/>
+          <a:bodyPr anchor="t"/>
           <a:lstStyle>
-            <a:lvl1pPr marL="0" indent="0">
-              <a:buNone/>
-              <a:defRPr sz="2400">
+            <a:lvl1pPr marL="0" indent="0" algn="l">
+              <a:buNone/>
+              <a:defRPr sz="2000" cap="none">
                 <a:solidFill>
-                  <a:schemeClr val="tx1">
-                    <a:tint val="75000"/>
+                  <a:schemeClr val="bg2">
+                    <a:lumMod val="40000"/>
+                    <a:lumOff val="60000"/>
                   </a:schemeClr>
                 </a:solidFill>
               </a:defRPr>
             </a:lvl1pPr>
             <a:lvl2pPr marL="457200" indent="0">
               <a:buNone/>
-              <a:defRPr sz="2000">
+              <a:defRPr sz="1800">
                 <a:solidFill>
                   <a:schemeClr val="tx1">
                     <a:tint val="75000"/>
@@ -1051,7 +1291,7 @@
             </a:lvl2pPr>
             <a:lvl3pPr marL="914400" indent="0">
               <a:buNone/>
-              <a:defRPr sz="1800">
+              <a:defRPr sz="1600">
                 <a:solidFill>
                   <a:schemeClr val="tx1">
                     <a:tint val="75000"/>
@@ -1061,7 +1301,7 @@
             </a:lvl3pPr>
             <a:lvl4pPr marL="1371600" indent="0">
               <a:buNone/>
-              <a:defRPr sz="1600">
+              <a:defRPr sz="1400">
                 <a:solidFill>
                   <a:schemeClr val="tx1">
                     <a:tint val="75000"/>
@@ -1071,7 +1311,7 @@
             </a:lvl4pPr>
             <a:lvl5pPr marL="1828800" indent="0">
               <a:buNone/>
-              <a:defRPr sz="1600">
+              <a:defRPr sz="1400">
                 <a:solidFill>
                   <a:schemeClr val="tx1">
                     <a:tint val="75000"/>
@@ -1081,7 +1321,7 @@
             </a:lvl5pPr>
             <a:lvl6pPr marL="2286000" indent="0">
               <a:buNone/>
-              <a:defRPr sz="1600">
+              <a:defRPr sz="1400">
                 <a:solidFill>
                   <a:schemeClr val="tx1">
                     <a:tint val="75000"/>
@@ -1091,7 +1331,7 @@
             </a:lvl6pPr>
             <a:lvl7pPr marL="2743200" indent="0">
               <a:buNone/>
-              <a:defRPr sz="1600">
+              <a:defRPr sz="1400">
                 <a:solidFill>
                   <a:schemeClr val="tx1">
                     <a:tint val="75000"/>
@@ -1101,7 +1341,7 @@
             </a:lvl7pPr>
             <a:lvl8pPr marL="3200400" indent="0">
               <a:buNone/>
-              <a:defRPr sz="1600">
+              <a:defRPr sz="1400">
                 <a:solidFill>
                   <a:schemeClr val="tx1">
                     <a:tint val="75000"/>
@@ -1111,7 +1351,7 @@
             </a:lvl8pPr>
             <a:lvl9pPr marL="3657600" indent="0">
               <a:buNone/>
-              <a:defRPr sz="1600">
+              <a:defRPr sz="1400">
                 <a:solidFill>
                   <a:schemeClr val="tx1">
                     <a:tint val="75000"/>
@@ -1123,21 +1363,15 @@
           <a:p>
             <a:pPr lvl="0"/>
             <a:r>
-              <a:rPr lang="en-US"/>
-              <a:t>Click to edit Master text styles</a:t>
-            </a:r>
-          </a:p>
-        </p:txBody>
-      </p:sp>
-      <p:sp>
-        <p:nvSpPr>
-          <p:cNvPr id="4" name="Date Placeholder 3">
-            <a:extLst>
-              <a:ext uri="{FF2B5EF4-FFF2-40B4-BE49-F238E27FC236}">
-                <a16:creationId xmlns:a16="http://schemas.microsoft.com/office/drawing/2014/main" id="{E37C4E38-3798-4D7A-B47B-F58A17BC83CC}"/>
-              </a:ext>
-            </a:extLst>
-          </p:cNvPr>
+              <a:rPr lang="sv-SE"/>
+              <a:t>Klicka här för att ändra format på bakgrundstexten</a:t>
+            </a:r>
+          </a:p>
+        </p:txBody>
+      </p:sp>
+      <p:sp>
+        <p:nvSpPr>
+          <p:cNvPr id="4" name="Date Placeholder 3"/>
           <p:cNvSpPr>
             <a:spLocks noGrp="1"/>
           </p:cNvSpPr>
@@ -1152,7 +1386,7 @@
           <a:p>
             <a:fld id="{8E64B585-400C-455D-9535-796762DC7C0E}" type="datetimeFigureOut">
               <a:rPr lang="sv-SE" smtClean="0"/>
-              <a:t>2023-09-07</a:t>
+              <a:t>2023-09-12</a:t>
             </a:fld>
             <a:endParaRPr lang="sv-SE"/>
           </a:p>
@@ -1160,13 +1394,7 @@
       </p:sp>
       <p:sp>
         <p:nvSpPr>
-          <p:cNvPr id="5" name="Footer Placeholder 4">
-            <a:extLst>
-              <a:ext uri="{FF2B5EF4-FFF2-40B4-BE49-F238E27FC236}">
-                <a16:creationId xmlns:a16="http://schemas.microsoft.com/office/drawing/2014/main" id="{91916C29-038A-4542-7C2D-A1BDDD3DB55F}"/>
-              </a:ext>
-            </a:extLst>
-          </p:cNvPr>
+          <p:cNvPr id="5" name="Footer Placeholder 4"/>
           <p:cNvSpPr>
             <a:spLocks noGrp="1"/>
           </p:cNvSpPr>
@@ -1185,13 +1413,7 @@
       </p:sp>
       <p:sp>
         <p:nvSpPr>
-          <p:cNvPr id="6" name="Slide Number Placeholder 5">
-            <a:extLst>
-              <a:ext uri="{FF2B5EF4-FFF2-40B4-BE49-F238E27FC236}">
-                <a16:creationId xmlns:a16="http://schemas.microsoft.com/office/drawing/2014/main" id="{7E2B92FF-CBAE-F61A-26F0-7DFF343BB7D0}"/>
-              </a:ext>
-            </a:extLst>
-          </p:cNvPr>
+          <p:cNvPr id="6" name="Slide Number Placeholder 5"/>
           <p:cNvSpPr>
             <a:spLocks noGrp="1"/>
           </p:cNvSpPr>
@@ -1215,7 +1437,7 @@
     </p:spTree>
     <p:extLst>
       <p:ext uri="{BB962C8B-B14F-4D97-AF65-F5344CB8AC3E}">
-        <p14:creationId xmlns:p14="http://schemas.microsoft.com/office/powerpoint/2010/main" val="283603199"/>
+        <p14:creationId xmlns:p14="http://schemas.microsoft.com/office/powerpoint/2010/main" val="3471318176"/>
       </p:ext>
     </p:extLst>
   </p:cSld>
@@ -1225,9 +1447,9 @@
 </p:sldLayout>
 </file>
 
-<file path=ppt/slideLayouts/slideLayout4.xml><?xml version="1.0" encoding="utf-8"?>
-<p:sldLayout xmlns:a="http://schemas.openxmlformats.org/drawingml/2006/main" xmlns:r="http://schemas.openxmlformats.org/officeDocument/2006/relationships" xmlns:p="http://schemas.openxmlformats.org/presentationml/2006/main" type="twoObj" preserve="1">
-  <p:cSld name="Two Content">
+<file path=ppt/slideLayouts/slideLayout14.xml><?xml version="1.0" encoding="utf-8"?>
+<p:sldLayout xmlns:a="http://schemas.openxmlformats.org/drawingml/2006/main" xmlns:r="http://schemas.openxmlformats.org/officeDocument/2006/relationships" xmlns:p="http://schemas.openxmlformats.org/presentationml/2006/main" preserve="1">
+  <p:cSld name="3 kolumner">
     <p:spTree>
       <p:nvGrpSpPr>
         <p:cNvPr id="1" name=""/>
@@ -1244,13 +1466,7 @@
       </p:grpSpPr>
       <p:sp>
         <p:nvSpPr>
-          <p:cNvPr id="2" name="Title 1">
-            <a:extLst>
-              <a:ext uri="{FF2B5EF4-FFF2-40B4-BE49-F238E27FC236}">
-                <a16:creationId xmlns:a16="http://schemas.microsoft.com/office/drawing/2014/main" id="{6E59F9BC-D8DD-1F03-06CE-00B63E844B1C}"/>
-              </a:ext>
-            </a:extLst>
-          </p:cNvPr>
+          <p:cNvPr id="2" name="Title 1"/>
           <p:cNvSpPr>
             <a:spLocks noGrp="1"/>
           </p:cNvSpPr>
@@ -1261,151 +1477,524 @@
         <p:spPr/>
         <p:txBody>
           <a:bodyPr/>
-          <a:lstStyle/>
-          <a:p>
-            <a:r>
-              <a:rPr lang="en-US"/>
-              <a:t>Click to edit Master title style</a:t>
-            </a:r>
-            <a:endParaRPr lang="sv-SE"/>
-          </a:p>
-        </p:txBody>
-      </p:sp>
-      <p:sp>
-        <p:nvSpPr>
-          <p:cNvPr id="3" name="Content Placeholder 2">
-            <a:extLst>
-              <a:ext uri="{FF2B5EF4-FFF2-40B4-BE49-F238E27FC236}">
-                <a16:creationId xmlns:a16="http://schemas.microsoft.com/office/drawing/2014/main" id="{002FACF7-5DD1-C1CF-C312-E9B2D0A706F0}"/>
-              </a:ext>
-            </a:extLst>
-          </p:cNvPr>
-          <p:cNvSpPr>
-            <a:spLocks noGrp="1"/>
-          </p:cNvSpPr>
-          <p:nvPr>
-            <p:ph sz="half" idx="1"/>
+          <a:lstStyle>
+            <a:lvl1pPr>
+              <a:defRPr sz="4200"/>
+            </a:lvl1pPr>
+          </a:lstStyle>
+          <a:p>
+            <a:r>
+              <a:rPr lang="sv-SE"/>
+              <a:t>Klicka här för att ändra mall för rubrikformat</a:t>
+            </a:r>
+            <a:endParaRPr lang="en-US" dirty="0"/>
+          </a:p>
+        </p:txBody>
+      </p:sp>
+      <p:sp>
+        <p:nvSpPr>
+          <p:cNvPr id="3" name="Text Placeholder 2"/>
+          <p:cNvSpPr>
+            <a:spLocks noGrp="1"/>
+          </p:cNvSpPr>
+          <p:nvPr>
+            <p:ph type="body" idx="1"/>
           </p:nvPr>
         </p:nvSpPr>
         <p:spPr>
           <a:xfrm>
-            <a:off x="838200" y="1825625"/>
-            <a:ext cx="5181600" cy="4351338"/>
+            <a:off x="632947" y="1981200"/>
+            <a:ext cx="2946866" cy="576262"/>
           </a:xfrm>
         </p:spPr>
         <p:txBody>
-          <a:bodyPr/>
-          <a:lstStyle/>
+          <a:bodyPr anchor="b">
+            <a:noAutofit/>
+          </a:bodyPr>
+          <a:lstStyle>
+            <a:lvl1pPr marL="0" indent="0">
+              <a:buNone/>
+              <a:defRPr sz="2400" b="0">
+                <a:solidFill>
+                  <a:schemeClr val="bg2">
+                    <a:lumMod val="40000"/>
+                    <a:lumOff val="60000"/>
+                  </a:schemeClr>
+                </a:solidFill>
+              </a:defRPr>
+            </a:lvl1pPr>
+            <a:lvl2pPr marL="457200" indent="0">
+              <a:buNone/>
+              <a:defRPr sz="2000" b="1"/>
+            </a:lvl2pPr>
+            <a:lvl3pPr marL="914400" indent="0">
+              <a:buNone/>
+              <a:defRPr sz="1800" b="1"/>
+            </a:lvl3pPr>
+            <a:lvl4pPr marL="1371600" indent="0">
+              <a:buNone/>
+              <a:defRPr sz="1600" b="1"/>
+            </a:lvl4pPr>
+            <a:lvl5pPr marL="1828800" indent="0">
+              <a:buNone/>
+              <a:defRPr sz="1600" b="1"/>
+            </a:lvl5pPr>
+            <a:lvl6pPr marL="2286000" indent="0">
+              <a:buNone/>
+              <a:defRPr sz="1600" b="1"/>
+            </a:lvl6pPr>
+            <a:lvl7pPr marL="2743200" indent="0">
+              <a:buNone/>
+              <a:defRPr sz="1600" b="1"/>
+            </a:lvl7pPr>
+            <a:lvl8pPr marL="3200400" indent="0">
+              <a:buNone/>
+              <a:defRPr sz="1600" b="1"/>
+            </a:lvl8pPr>
+            <a:lvl9pPr marL="3657600" indent="0">
+              <a:buNone/>
+              <a:defRPr sz="1600" b="1"/>
+            </a:lvl9pPr>
+          </a:lstStyle>
           <a:p>
             <a:pPr lvl="0"/>
             <a:r>
-              <a:rPr lang="en-US"/>
-              <a:t>Click to edit Master text styles</a:t>
-            </a:r>
-          </a:p>
-          <a:p>
-            <a:pPr lvl="1"/>
-            <a:r>
-              <a:rPr lang="en-US"/>
-              <a:t>Second level</a:t>
-            </a:r>
-          </a:p>
-          <a:p>
-            <a:pPr lvl="2"/>
-            <a:r>
-              <a:rPr lang="en-US"/>
-              <a:t>Third level</a:t>
-            </a:r>
-          </a:p>
-          <a:p>
-            <a:pPr lvl="3"/>
-            <a:r>
-              <a:rPr lang="en-US"/>
-              <a:t>Fourth level</a:t>
-            </a:r>
-          </a:p>
-          <a:p>
-            <a:pPr lvl="4"/>
-            <a:r>
-              <a:rPr lang="en-US"/>
-              <a:t>Fifth level</a:t>
-            </a:r>
-            <a:endParaRPr lang="sv-SE"/>
-          </a:p>
-        </p:txBody>
-      </p:sp>
-      <p:sp>
-        <p:nvSpPr>
-          <p:cNvPr id="4" name="Content Placeholder 3">
-            <a:extLst>
-              <a:ext uri="{FF2B5EF4-FFF2-40B4-BE49-F238E27FC236}">
-                <a16:creationId xmlns:a16="http://schemas.microsoft.com/office/drawing/2014/main" id="{386248EB-78E4-4F4B-B09F-2265950DF68C}"/>
-              </a:ext>
-            </a:extLst>
-          </p:cNvPr>
-          <p:cNvSpPr>
-            <a:spLocks noGrp="1"/>
-          </p:cNvSpPr>
-          <p:nvPr>
-            <p:ph sz="half" idx="2"/>
+              <a:rPr lang="sv-SE"/>
+              <a:t>Klicka här för att ändra format på bakgrundstexten</a:t>
+            </a:r>
+          </a:p>
+        </p:txBody>
+      </p:sp>
+      <p:sp>
+        <p:nvSpPr>
+          <p:cNvPr id="16" name="Text Placeholder 3"/>
+          <p:cNvSpPr>
+            <a:spLocks noGrp="1"/>
+          </p:cNvSpPr>
+          <p:nvPr>
+            <p:ph type="body" sz="half" idx="15"/>
           </p:nvPr>
         </p:nvSpPr>
         <p:spPr>
           <a:xfrm>
-            <a:off x="6172200" y="1825625"/>
-            <a:ext cx="5181600" cy="4351338"/>
+            <a:off x="652463" y="2667000"/>
+            <a:ext cx="2927350" cy="3589338"/>
           </a:xfrm>
         </p:spPr>
         <p:txBody>
-          <a:bodyPr/>
-          <a:lstStyle/>
+          <a:bodyPr anchor="t">
+            <a:normAutofit/>
+          </a:bodyPr>
+          <a:lstStyle>
+            <a:lvl1pPr marL="0" indent="0">
+              <a:buNone/>
+              <a:defRPr sz="1400"/>
+            </a:lvl1pPr>
+            <a:lvl2pPr marL="457200" indent="0">
+              <a:buNone/>
+              <a:defRPr sz="1200"/>
+            </a:lvl2pPr>
+            <a:lvl3pPr marL="914400" indent="0">
+              <a:buNone/>
+              <a:defRPr sz="1000"/>
+            </a:lvl3pPr>
+            <a:lvl4pPr marL="1371600" indent="0">
+              <a:buNone/>
+              <a:defRPr sz="900"/>
+            </a:lvl4pPr>
+            <a:lvl5pPr marL="1828800" indent="0">
+              <a:buNone/>
+              <a:defRPr sz="900"/>
+            </a:lvl5pPr>
+            <a:lvl6pPr marL="2286000" indent="0">
+              <a:buNone/>
+              <a:defRPr sz="900"/>
+            </a:lvl6pPr>
+            <a:lvl7pPr marL="2743200" indent="0">
+              <a:buNone/>
+              <a:defRPr sz="900"/>
+            </a:lvl7pPr>
+            <a:lvl8pPr marL="3200400" indent="0">
+              <a:buNone/>
+              <a:defRPr sz="900"/>
+            </a:lvl8pPr>
+            <a:lvl9pPr marL="3657600" indent="0">
+              <a:buNone/>
+              <a:defRPr sz="900"/>
+            </a:lvl9pPr>
+          </a:lstStyle>
           <a:p>
             <a:pPr lvl="0"/>
             <a:r>
-              <a:rPr lang="en-US"/>
-              <a:t>Click to edit Master text styles</a:t>
-            </a:r>
-          </a:p>
-          <a:p>
-            <a:pPr lvl="1"/>
-            <a:r>
-              <a:rPr lang="en-US"/>
-              <a:t>Second level</a:t>
-            </a:r>
-          </a:p>
-          <a:p>
-            <a:pPr lvl="2"/>
-            <a:r>
-              <a:rPr lang="en-US"/>
-              <a:t>Third level</a:t>
-            </a:r>
-          </a:p>
-          <a:p>
-            <a:pPr lvl="3"/>
-            <a:r>
-              <a:rPr lang="en-US"/>
-              <a:t>Fourth level</a:t>
-            </a:r>
-          </a:p>
-          <a:p>
-            <a:pPr lvl="4"/>
-            <a:r>
-              <a:rPr lang="en-US"/>
-              <a:t>Fifth level</a:t>
-            </a:r>
-            <a:endParaRPr lang="sv-SE"/>
-          </a:p>
-        </p:txBody>
-      </p:sp>
-      <p:sp>
-        <p:nvSpPr>
-          <p:cNvPr id="5" name="Date Placeholder 4">
-            <a:extLst>
-              <a:ext uri="{FF2B5EF4-FFF2-40B4-BE49-F238E27FC236}">
-                <a16:creationId xmlns:a16="http://schemas.microsoft.com/office/drawing/2014/main" id="{7834B0C1-ABC9-4E0E-7512-9BAB92BC1175}"/>
-              </a:ext>
-            </a:extLst>
-          </p:cNvPr>
+              <a:rPr lang="sv-SE"/>
+              <a:t>Klicka här för att ändra format på bakgrundstexten</a:t>
+            </a:r>
+          </a:p>
+        </p:txBody>
+      </p:sp>
+      <p:sp>
+        <p:nvSpPr>
+          <p:cNvPr id="5" name="Text Placeholder 4"/>
+          <p:cNvSpPr>
+            <a:spLocks noGrp="1"/>
+          </p:cNvSpPr>
+          <p:nvPr>
+            <p:ph type="body" sz="quarter" idx="3"/>
+          </p:nvPr>
+        </p:nvSpPr>
+        <p:spPr>
+          <a:xfrm>
+            <a:off x="3883659" y="1981200"/>
+            <a:ext cx="2936241" cy="576262"/>
+          </a:xfrm>
+        </p:spPr>
+        <p:txBody>
+          <a:bodyPr anchor="b">
+            <a:noAutofit/>
+          </a:bodyPr>
+          <a:lstStyle>
+            <a:lvl1pPr marL="0" indent="0">
+              <a:buNone/>
+              <a:defRPr sz="2400" b="0">
+                <a:solidFill>
+                  <a:schemeClr val="bg2">
+                    <a:lumMod val="40000"/>
+                    <a:lumOff val="60000"/>
+                  </a:schemeClr>
+                </a:solidFill>
+              </a:defRPr>
+            </a:lvl1pPr>
+            <a:lvl2pPr marL="457200" indent="0">
+              <a:buNone/>
+              <a:defRPr sz="2000" b="1"/>
+            </a:lvl2pPr>
+            <a:lvl3pPr marL="914400" indent="0">
+              <a:buNone/>
+              <a:defRPr sz="1800" b="1"/>
+            </a:lvl3pPr>
+            <a:lvl4pPr marL="1371600" indent="0">
+              <a:buNone/>
+              <a:defRPr sz="1600" b="1"/>
+            </a:lvl4pPr>
+            <a:lvl5pPr marL="1828800" indent="0">
+              <a:buNone/>
+              <a:defRPr sz="1600" b="1"/>
+            </a:lvl5pPr>
+            <a:lvl6pPr marL="2286000" indent="0">
+              <a:buNone/>
+              <a:defRPr sz="1600" b="1"/>
+            </a:lvl6pPr>
+            <a:lvl7pPr marL="2743200" indent="0">
+              <a:buNone/>
+              <a:defRPr sz="1600" b="1"/>
+            </a:lvl7pPr>
+            <a:lvl8pPr marL="3200400" indent="0">
+              <a:buNone/>
+              <a:defRPr sz="1600" b="1"/>
+            </a:lvl8pPr>
+            <a:lvl9pPr marL="3657600" indent="0">
+              <a:buNone/>
+              <a:defRPr sz="1600" b="1"/>
+            </a:lvl9pPr>
+          </a:lstStyle>
+          <a:p>
+            <a:pPr lvl="0"/>
+            <a:r>
+              <a:rPr lang="sv-SE"/>
+              <a:t>Klicka här för att ändra format på bakgrundstexten</a:t>
+            </a:r>
+          </a:p>
+        </p:txBody>
+      </p:sp>
+      <p:sp>
+        <p:nvSpPr>
+          <p:cNvPr id="19" name="Text Placeholder 3"/>
+          <p:cNvSpPr>
+            <a:spLocks noGrp="1"/>
+          </p:cNvSpPr>
+          <p:nvPr>
+            <p:ph type="body" sz="half" idx="16"/>
+          </p:nvPr>
+        </p:nvSpPr>
+        <p:spPr>
+          <a:xfrm>
+            <a:off x="3873106" y="2667000"/>
+            <a:ext cx="2946794" cy="3589338"/>
+          </a:xfrm>
+        </p:spPr>
+        <p:txBody>
+          <a:bodyPr anchor="t">
+            <a:normAutofit/>
+          </a:bodyPr>
+          <a:lstStyle>
+            <a:lvl1pPr marL="0" indent="0">
+              <a:buNone/>
+              <a:defRPr sz="1400"/>
+            </a:lvl1pPr>
+            <a:lvl2pPr marL="457200" indent="0">
+              <a:buNone/>
+              <a:defRPr sz="1200"/>
+            </a:lvl2pPr>
+            <a:lvl3pPr marL="914400" indent="0">
+              <a:buNone/>
+              <a:defRPr sz="1000"/>
+            </a:lvl3pPr>
+            <a:lvl4pPr marL="1371600" indent="0">
+              <a:buNone/>
+              <a:defRPr sz="900"/>
+            </a:lvl4pPr>
+            <a:lvl5pPr marL="1828800" indent="0">
+              <a:buNone/>
+              <a:defRPr sz="900"/>
+            </a:lvl5pPr>
+            <a:lvl6pPr marL="2286000" indent="0">
+              <a:buNone/>
+              <a:defRPr sz="900"/>
+            </a:lvl6pPr>
+            <a:lvl7pPr marL="2743200" indent="0">
+              <a:buNone/>
+              <a:defRPr sz="900"/>
+            </a:lvl7pPr>
+            <a:lvl8pPr marL="3200400" indent="0">
+              <a:buNone/>
+              <a:defRPr sz="900"/>
+            </a:lvl8pPr>
+            <a:lvl9pPr marL="3657600" indent="0">
+              <a:buNone/>
+              <a:defRPr sz="900"/>
+            </a:lvl9pPr>
+          </a:lstStyle>
+          <a:p>
+            <a:pPr lvl="0"/>
+            <a:r>
+              <a:rPr lang="sv-SE"/>
+              <a:t>Klicka här för att ändra format på bakgrundstexten</a:t>
+            </a:r>
+          </a:p>
+        </p:txBody>
+      </p:sp>
+      <p:sp>
+        <p:nvSpPr>
+          <p:cNvPr id="14" name="Text Placeholder 4"/>
+          <p:cNvSpPr>
+            <a:spLocks noGrp="1"/>
+          </p:cNvSpPr>
+          <p:nvPr>
+            <p:ph type="body" sz="quarter" idx="13"/>
+          </p:nvPr>
+        </p:nvSpPr>
+        <p:spPr>
+          <a:xfrm>
+            <a:off x="7124700" y="1981200"/>
+            <a:ext cx="2932113" cy="576262"/>
+          </a:xfrm>
+        </p:spPr>
+        <p:txBody>
+          <a:bodyPr anchor="b">
+            <a:noAutofit/>
+          </a:bodyPr>
+          <a:lstStyle>
+            <a:lvl1pPr marL="0" indent="0">
+              <a:buNone/>
+              <a:defRPr sz="2400" b="0">
+                <a:solidFill>
+                  <a:schemeClr val="bg2">
+                    <a:lumMod val="40000"/>
+                    <a:lumOff val="60000"/>
+                  </a:schemeClr>
+                </a:solidFill>
+              </a:defRPr>
+            </a:lvl1pPr>
+            <a:lvl2pPr marL="457200" indent="0">
+              <a:buNone/>
+              <a:defRPr sz="2000" b="1"/>
+            </a:lvl2pPr>
+            <a:lvl3pPr marL="914400" indent="0">
+              <a:buNone/>
+              <a:defRPr sz="1800" b="1"/>
+            </a:lvl3pPr>
+            <a:lvl4pPr marL="1371600" indent="0">
+              <a:buNone/>
+              <a:defRPr sz="1600" b="1"/>
+            </a:lvl4pPr>
+            <a:lvl5pPr marL="1828800" indent="0">
+              <a:buNone/>
+              <a:defRPr sz="1600" b="1"/>
+            </a:lvl5pPr>
+            <a:lvl6pPr marL="2286000" indent="0">
+              <a:buNone/>
+              <a:defRPr sz="1600" b="1"/>
+            </a:lvl6pPr>
+            <a:lvl7pPr marL="2743200" indent="0">
+              <a:buNone/>
+              <a:defRPr sz="1600" b="1"/>
+            </a:lvl7pPr>
+            <a:lvl8pPr marL="3200400" indent="0">
+              <a:buNone/>
+              <a:defRPr sz="1600" b="1"/>
+            </a:lvl8pPr>
+            <a:lvl9pPr marL="3657600" indent="0">
+              <a:buNone/>
+              <a:defRPr sz="1600" b="1"/>
+            </a:lvl9pPr>
+          </a:lstStyle>
+          <a:p>
+            <a:pPr lvl="0"/>
+            <a:r>
+              <a:rPr lang="sv-SE"/>
+              <a:t>Klicka här för att ändra format på bakgrundstexten</a:t>
+            </a:r>
+          </a:p>
+        </p:txBody>
+      </p:sp>
+      <p:sp>
+        <p:nvSpPr>
+          <p:cNvPr id="20" name="Text Placeholder 3"/>
+          <p:cNvSpPr>
+            <a:spLocks noGrp="1"/>
+          </p:cNvSpPr>
+          <p:nvPr>
+            <p:ph type="body" sz="half" idx="17"/>
+          </p:nvPr>
+        </p:nvSpPr>
+        <p:spPr>
+          <a:xfrm>
+            <a:off x="7124700" y="2667000"/>
+            <a:ext cx="2932113" cy="3589338"/>
+          </a:xfrm>
+        </p:spPr>
+        <p:txBody>
+          <a:bodyPr anchor="t">
+            <a:normAutofit/>
+          </a:bodyPr>
+          <a:lstStyle>
+            <a:lvl1pPr marL="0" indent="0">
+              <a:buNone/>
+              <a:defRPr sz="1400"/>
+            </a:lvl1pPr>
+            <a:lvl2pPr marL="457200" indent="0">
+              <a:buNone/>
+              <a:defRPr sz="1200"/>
+            </a:lvl2pPr>
+            <a:lvl3pPr marL="914400" indent="0">
+              <a:buNone/>
+              <a:defRPr sz="1000"/>
+            </a:lvl3pPr>
+            <a:lvl4pPr marL="1371600" indent="0">
+              <a:buNone/>
+              <a:defRPr sz="900"/>
+            </a:lvl4pPr>
+            <a:lvl5pPr marL="1828800" indent="0">
+              <a:buNone/>
+              <a:defRPr sz="900"/>
+            </a:lvl5pPr>
+            <a:lvl6pPr marL="2286000" indent="0">
+              <a:buNone/>
+              <a:defRPr sz="900"/>
+            </a:lvl6pPr>
+            <a:lvl7pPr marL="2743200" indent="0">
+              <a:buNone/>
+              <a:defRPr sz="900"/>
+            </a:lvl7pPr>
+            <a:lvl8pPr marL="3200400" indent="0">
+              <a:buNone/>
+              <a:defRPr sz="900"/>
+            </a:lvl8pPr>
+            <a:lvl9pPr marL="3657600" indent="0">
+              <a:buNone/>
+              <a:defRPr sz="900"/>
+            </a:lvl9pPr>
+          </a:lstStyle>
+          <a:p>
+            <a:pPr lvl="0"/>
+            <a:r>
+              <a:rPr lang="sv-SE"/>
+              <a:t>Klicka här för att ändra format på bakgrundstexten</a:t>
+            </a:r>
+          </a:p>
+        </p:txBody>
+      </p:sp>
+      <p:cxnSp>
+        <p:nvCxnSpPr>
+          <p:cNvPr id="17" name="Straight Connector 16"/>
+          <p:cNvCxnSpPr/>
+          <p:nvPr/>
+        </p:nvCxnSpPr>
+        <p:spPr>
+          <a:xfrm>
+            <a:off x="3726142" y="2133600"/>
+            <a:ext cx="0" cy="3962400"/>
+          </a:xfrm>
+          <a:prstGeom prst="line">
+            <a:avLst/>
+          </a:prstGeom>
+          <a:ln w="12700" cmpd="sng">
+            <a:solidFill>
+              <a:schemeClr val="bg2">
+                <a:lumMod val="40000"/>
+                <a:lumOff val="60000"/>
+                <a:alpha val="40000"/>
+              </a:schemeClr>
+            </a:solidFill>
+          </a:ln>
+        </p:spPr>
+        <p:style>
+          <a:lnRef idx="2">
+            <a:schemeClr val="accent1"/>
+          </a:lnRef>
+          <a:fillRef idx="0">
+            <a:schemeClr val="accent1"/>
+          </a:fillRef>
+          <a:effectRef idx="1">
+            <a:schemeClr val="accent1"/>
+          </a:effectRef>
+          <a:fontRef idx="minor">
+            <a:schemeClr val="tx1"/>
+          </a:fontRef>
+        </p:style>
+      </p:cxnSp>
+      <p:cxnSp>
+        <p:nvCxnSpPr>
+          <p:cNvPr id="18" name="Straight Connector 17"/>
+          <p:cNvCxnSpPr/>
+          <p:nvPr/>
+        </p:nvCxnSpPr>
+        <p:spPr>
+          <a:xfrm>
+            <a:off x="6962227" y="2133600"/>
+            <a:ext cx="0" cy="3966882"/>
+          </a:xfrm>
+          <a:prstGeom prst="line">
+            <a:avLst/>
+          </a:prstGeom>
+          <a:ln w="12700" cmpd="sng">
+            <a:solidFill>
+              <a:schemeClr val="bg2">
+                <a:lumMod val="40000"/>
+                <a:lumOff val="60000"/>
+                <a:alpha val="40000"/>
+              </a:schemeClr>
+            </a:solidFill>
+          </a:ln>
+        </p:spPr>
+        <p:style>
+          <a:lnRef idx="2">
+            <a:schemeClr val="accent1"/>
+          </a:lnRef>
+          <a:fillRef idx="0">
+            <a:schemeClr val="accent1"/>
+          </a:fillRef>
+          <a:effectRef idx="1">
+            <a:schemeClr val="accent1"/>
+          </a:effectRef>
+          <a:fontRef idx="minor">
+            <a:schemeClr val="tx1"/>
+          </a:fontRef>
+        </p:style>
+      </p:cxnSp>
+      <p:sp>
+        <p:nvSpPr>
+          <p:cNvPr id="7" name="Date Placeholder 3"/>
           <p:cNvSpPr>
             <a:spLocks noGrp="1"/>
           </p:cNvSpPr>
@@ -1420,7 +2009,7 @@
           <a:p>
             <a:fld id="{8E64B585-400C-455D-9535-796762DC7C0E}" type="datetimeFigureOut">
               <a:rPr lang="sv-SE" smtClean="0"/>
-              <a:t>2023-09-07</a:t>
+              <a:t>2023-09-12</a:t>
             </a:fld>
             <a:endParaRPr lang="sv-SE"/>
           </a:p>
@@ -1428,13 +2017,7 @@
       </p:sp>
       <p:sp>
         <p:nvSpPr>
-          <p:cNvPr id="6" name="Footer Placeholder 5">
-            <a:extLst>
-              <a:ext uri="{FF2B5EF4-FFF2-40B4-BE49-F238E27FC236}">
-                <a16:creationId xmlns:a16="http://schemas.microsoft.com/office/drawing/2014/main" id="{C1DBC0BA-FD85-E9A5-FA8F-66F73D2C59CF}"/>
-              </a:ext>
-            </a:extLst>
-          </p:cNvPr>
+          <p:cNvPr id="4" name="Footer Placeholder 4"/>
           <p:cNvSpPr>
             <a:spLocks noGrp="1"/>
           </p:cNvSpPr>
@@ -1453,13 +2036,7 @@
       </p:sp>
       <p:sp>
         <p:nvSpPr>
-          <p:cNvPr id="7" name="Slide Number Placeholder 6">
-            <a:extLst>
-              <a:ext uri="{FF2B5EF4-FFF2-40B4-BE49-F238E27FC236}">
-                <a16:creationId xmlns:a16="http://schemas.microsoft.com/office/drawing/2014/main" id="{3843FC72-0AC0-C26F-54B2-FD530846CCD0}"/>
-              </a:ext>
-            </a:extLst>
-          </p:cNvPr>
+          <p:cNvPr id="6" name="Slide Number Placeholder 5"/>
           <p:cNvSpPr>
             <a:spLocks noGrp="1"/>
           </p:cNvSpPr>
@@ -1483,7 +2060,7 @@
     </p:spTree>
     <p:extLst>
       <p:ext uri="{BB962C8B-B14F-4D97-AF65-F5344CB8AC3E}">
-        <p14:creationId xmlns:p14="http://schemas.microsoft.com/office/powerpoint/2010/main" val="3695720213"/>
+        <p14:creationId xmlns:p14="http://schemas.microsoft.com/office/powerpoint/2010/main" val="3920489438"/>
       </p:ext>
     </p:extLst>
   </p:cSld>
@@ -1493,9 +2070,9 @@
 </p:sldLayout>
 </file>
 
-<file path=ppt/slideLayouts/slideLayout5.xml><?xml version="1.0" encoding="utf-8"?>
-<p:sldLayout xmlns:a="http://schemas.openxmlformats.org/drawingml/2006/main" xmlns:r="http://schemas.openxmlformats.org/officeDocument/2006/relationships" xmlns:p="http://schemas.openxmlformats.org/presentationml/2006/main" type="twoTxTwoObj" preserve="1">
-  <p:cSld name="Comparison">
+<file path=ppt/slideLayouts/slideLayout15.xml><?xml version="1.0" encoding="utf-8"?>
+<p:sldLayout xmlns:a="http://schemas.openxmlformats.org/drawingml/2006/main" xmlns:r="http://schemas.openxmlformats.org/officeDocument/2006/relationships" xmlns:p="http://schemas.openxmlformats.org/presentationml/2006/main" preserve="1">
+  <p:cSld name="3 bildkolumner">
     <p:spTree>
       <p:nvGrpSpPr>
         <p:cNvPr id="1" name=""/>
@@ -1512,66 +2089,62 @@
       </p:grpSpPr>
       <p:sp>
         <p:nvSpPr>
-          <p:cNvPr id="2" name="Title 1">
-            <a:extLst>
-              <a:ext uri="{FF2B5EF4-FFF2-40B4-BE49-F238E27FC236}">
-                <a16:creationId xmlns:a16="http://schemas.microsoft.com/office/drawing/2014/main" id="{D68F99E6-3A13-48C2-CB4B-EEBD97BD8963}"/>
-              </a:ext>
-            </a:extLst>
-          </p:cNvPr>
+          <p:cNvPr id="2" name="Title 1"/>
           <p:cNvSpPr>
             <a:spLocks noGrp="1"/>
           </p:cNvSpPr>
           <p:nvPr>
             <p:ph type="title"/>
+          </p:nvPr>
+        </p:nvSpPr>
+        <p:spPr/>
+        <p:txBody>
+          <a:bodyPr/>
+          <a:lstStyle>
+            <a:lvl1pPr>
+              <a:defRPr sz="4200"/>
+            </a:lvl1pPr>
+          </a:lstStyle>
+          <a:p>
+            <a:r>
+              <a:rPr lang="sv-SE"/>
+              <a:t>Klicka här för att ändra mall för rubrikformat</a:t>
+            </a:r>
+            <a:endParaRPr lang="en-US" dirty="0"/>
+          </a:p>
+        </p:txBody>
+      </p:sp>
+      <p:sp>
+        <p:nvSpPr>
+          <p:cNvPr id="3" name="Text Placeholder 2"/>
+          <p:cNvSpPr>
+            <a:spLocks noGrp="1"/>
+          </p:cNvSpPr>
+          <p:nvPr>
+            <p:ph type="body" idx="1"/>
           </p:nvPr>
         </p:nvSpPr>
         <p:spPr>
           <a:xfrm>
-            <a:off x="839788" y="365125"/>
-            <a:ext cx="10515600" cy="1325563"/>
+            <a:off x="652463" y="4250949"/>
+            <a:ext cx="2940050" cy="576262"/>
           </a:xfrm>
         </p:spPr>
         <p:txBody>
-          <a:bodyPr/>
-          <a:lstStyle/>
-          <a:p>
-            <a:r>
-              <a:rPr lang="en-US"/>
-              <a:t>Click to edit Master title style</a:t>
-            </a:r>
-            <a:endParaRPr lang="sv-SE"/>
-          </a:p>
-        </p:txBody>
-      </p:sp>
-      <p:sp>
-        <p:nvSpPr>
-          <p:cNvPr id="3" name="Text Placeholder 2">
-            <a:extLst>
-              <a:ext uri="{FF2B5EF4-FFF2-40B4-BE49-F238E27FC236}">
-                <a16:creationId xmlns:a16="http://schemas.microsoft.com/office/drawing/2014/main" id="{0E5B7EB6-DF05-0ADF-1A73-6937D572DC64}"/>
-              </a:ext>
-            </a:extLst>
-          </p:cNvPr>
-          <p:cNvSpPr>
-            <a:spLocks noGrp="1"/>
-          </p:cNvSpPr>
-          <p:nvPr>
-            <p:ph type="body" idx="1"/>
-          </p:nvPr>
-        </p:nvSpPr>
-        <p:spPr>
-          <a:xfrm>
-            <a:off x="839788" y="1681163"/>
-            <a:ext cx="5157787" cy="823912"/>
-          </a:xfrm>
-        </p:spPr>
-        <p:txBody>
-          <a:bodyPr anchor="b"/>
+          <a:bodyPr anchor="b">
+            <a:noAutofit/>
+          </a:bodyPr>
           <a:lstStyle>
             <a:lvl1pPr marL="0" indent="0">
               <a:buNone/>
-              <a:defRPr sz="2400" b="1"/>
+              <a:defRPr sz="2400" b="0">
+                <a:solidFill>
+                  <a:schemeClr val="bg2">
+                    <a:lumMod val="40000"/>
+                    <a:lumOff val="60000"/>
+                  </a:schemeClr>
+                </a:solidFill>
+              </a:defRPr>
             </a:lvl1pPr>
             <a:lvl2pPr marL="457200" indent="0">
               <a:buNone/>
@@ -1609,84 +2182,161 @@
           <a:p>
             <a:pPr lvl="0"/>
             <a:r>
-              <a:rPr lang="en-US"/>
-              <a:t>Click to edit Master text styles</a:t>
-            </a:r>
-          </a:p>
-        </p:txBody>
-      </p:sp>
-      <p:sp>
-        <p:nvSpPr>
-          <p:cNvPr id="4" name="Content Placeholder 3">
-            <a:extLst>
-              <a:ext uri="{FF2B5EF4-FFF2-40B4-BE49-F238E27FC236}">
-                <a16:creationId xmlns:a16="http://schemas.microsoft.com/office/drawing/2014/main" id="{5BE4C121-5C83-C5AA-854C-1DD8F2B241C4}"/>
-              </a:ext>
-            </a:extLst>
-          </p:cNvPr>
-          <p:cNvSpPr>
-            <a:spLocks noGrp="1"/>
-          </p:cNvSpPr>
-          <p:nvPr>
-            <p:ph sz="half" idx="2"/>
+              <a:rPr lang="sv-SE"/>
+              <a:t>Klicka här för att ändra format på bakgrundstexten</a:t>
+            </a:r>
+          </a:p>
+        </p:txBody>
+      </p:sp>
+      <p:sp>
+        <p:nvSpPr>
+          <p:cNvPr id="29" name="Picture Placeholder 2"/>
+          <p:cNvSpPr>
+            <a:spLocks noGrp="1" noChangeAspect="1"/>
+          </p:cNvSpPr>
+          <p:nvPr>
+            <p:ph type="pic" idx="15"/>
           </p:nvPr>
         </p:nvSpPr>
         <p:spPr>
           <a:xfrm>
-            <a:off x="839788" y="2505075"/>
-            <a:ext cx="5157787" cy="3684588"/>
+            <a:off x="652463" y="2209800"/>
+            <a:ext cx="2940050" cy="1524000"/>
+          </a:xfrm>
+          <a:prstGeom prst="roundRect">
+            <a:avLst>
+              <a:gd name="adj" fmla="val 1858"/>
+            </a:avLst>
+          </a:prstGeom>
+          <a:effectLst>
+            <a:outerShdw blurRad="50800" dist="50800" dir="5400000" algn="tl" rotWithShape="0">
+              <a:srgbClr val="000000">
+                <a:alpha val="43000"/>
+              </a:srgbClr>
+            </a:outerShdw>
+          </a:effectLst>
+        </p:spPr>
+        <p:txBody>
+          <a:bodyPr anchor="t">
+            <a:normAutofit/>
+          </a:bodyPr>
+          <a:lstStyle>
+            <a:lvl1pPr marL="0" indent="0" algn="ctr">
+              <a:buNone/>
+              <a:defRPr sz="1600"/>
+            </a:lvl1pPr>
+            <a:lvl2pPr marL="457200" indent="0">
+              <a:buNone/>
+              <a:defRPr sz="1600"/>
+            </a:lvl2pPr>
+            <a:lvl3pPr marL="914400" indent="0">
+              <a:buNone/>
+              <a:defRPr sz="1600"/>
+            </a:lvl3pPr>
+            <a:lvl4pPr marL="1371600" indent="0">
+              <a:buNone/>
+              <a:defRPr sz="1600"/>
+            </a:lvl4pPr>
+            <a:lvl5pPr marL="1828800" indent="0">
+              <a:buNone/>
+              <a:defRPr sz="1600"/>
+            </a:lvl5pPr>
+            <a:lvl6pPr marL="2286000" indent="0">
+              <a:buNone/>
+              <a:defRPr sz="1600"/>
+            </a:lvl6pPr>
+            <a:lvl7pPr marL="2743200" indent="0">
+              <a:buNone/>
+              <a:defRPr sz="1600"/>
+            </a:lvl7pPr>
+            <a:lvl8pPr marL="3200400" indent="0">
+              <a:buNone/>
+              <a:defRPr sz="1600"/>
+            </a:lvl8pPr>
+            <a:lvl9pPr marL="3657600" indent="0">
+              <a:buNone/>
+              <a:defRPr sz="1600"/>
+            </a:lvl9pPr>
+          </a:lstStyle>
+          <a:p>
+            <a:r>
+              <a:rPr lang="sv-SE"/>
+              <a:t>Klicka på ikonen för att lägga till en bild</a:t>
+            </a:r>
+            <a:endParaRPr lang="en-US" dirty="0"/>
+          </a:p>
+        </p:txBody>
+      </p:sp>
+      <p:sp>
+        <p:nvSpPr>
+          <p:cNvPr id="22" name="Text Placeholder 3"/>
+          <p:cNvSpPr>
+            <a:spLocks noGrp="1"/>
+          </p:cNvSpPr>
+          <p:nvPr>
+            <p:ph type="body" sz="half" idx="18"/>
+          </p:nvPr>
+        </p:nvSpPr>
+        <p:spPr>
+          <a:xfrm>
+            <a:off x="652463" y="4827211"/>
+            <a:ext cx="2940050" cy="659189"/>
           </a:xfrm>
         </p:spPr>
         <p:txBody>
-          <a:bodyPr/>
-          <a:lstStyle/>
+          <a:bodyPr anchor="t">
+            <a:normAutofit/>
+          </a:bodyPr>
+          <a:lstStyle>
+            <a:lvl1pPr marL="0" indent="0">
+              <a:buNone/>
+              <a:defRPr sz="1400"/>
+            </a:lvl1pPr>
+            <a:lvl2pPr marL="457200" indent="0">
+              <a:buNone/>
+              <a:defRPr sz="1200"/>
+            </a:lvl2pPr>
+            <a:lvl3pPr marL="914400" indent="0">
+              <a:buNone/>
+              <a:defRPr sz="1000"/>
+            </a:lvl3pPr>
+            <a:lvl4pPr marL="1371600" indent="0">
+              <a:buNone/>
+              <a:defRPr sz="900"/>
+            </a:lvl4pPr>
+            <a:lvl5pPr marL="1828800" indent="0">
+              <a:buNone/>
+              <a:defRPr sz="900"/>
+            </a:lvl5pPr>
+            <a:lvl6pPr marL="2286000" indent="0">
+              <a:buNone/>
+              <a:defRPr sz="900"/>
+            </a:lvl6pPr>
+            <a:lvl7pPr marL="2743200" indent="0">
+              <a:buNone/>
+              <a:defRPr sz="900"/>
+            </a:lvl7pPr>
+            <a:lvl8pPr marL="3200400" indent="0">
+              <a:buNone/>
+              <a:defRPr sz="900"/>
+            </a:lvl8pPr>
+            <a:lvl9pPr marL="3657600" indent="0">
+              <a:buNone/>
+              <a:defRPr sz="900"/>
+            </a:lvl9pPr>
+          </a:lstStyle>
           <a:p>
             <a:pPr lvl="0"/>
             <a:r>
-              <a:rPr lang="en-US"/>
-              <a:t>Click to edit Master text styles</a:t>
-            </a:r>
-          </a:p>
-          <a:p>
-            <a:pPr lvl="1"/>
-            <a:r>
-              <a:rPr lang="en-US"/>
-              <a:t>Second level</a:t>
-            </a:r>
-          </a:p>
-          <a:p>
-            <a:pPr lvl="2"/>
-            <a:r>
-              <a:rPr lang="en-US"/>
-              <a:t>Third level</a:t>
-            </a:r>
-          </a:p>
-          <a:p>
-            <a:pPr lvl="3"/>
-            <a:r>
-              <a:rPr lang="en-US"/>
-              <a:t>Fourth level</a:t>
-            </a:r>
-          </a:p>
-          <a:p>
-            <a:pPr lvl="4"/>
-            <a:r>
-              <a:rPr lang="en-US"/>
-              <a:t>Fifth level</a:t>
-            </a:r>
-            <a:endParaRPr lang="sv-SE"/>
-          </a:p>
-        </p:txBody>
-      </p:sp>
-      <p:sp>
-        <p:nvSpPr>
-          <p:cNvPr id="5" name="Text Placeholder 4">
-            <a:extLst>
-              <a:ext uri="{FF2B5EF4-FFF2-40B4-BE49-F238E27FC236}">
-                <a16:creationId xmlns:a16="http://schemas.microsoft.com/office/drawing/2014/main" id="{C6E11948-14FC-F279-9F7D-86EE5B53494C}"/>
-              </a:ext>
-            </a:extLst>
-          </p:cNvPr>
+              <a:rPr lang="sv-SE"/>
+              <a:t>Klicka här för att ändra format på bakgrundstexten</a:t>
+            </a:r>
+          </a:p>
+        </p:txBody>
+      </p:sp>
+      <p:sp>
+        <p:nvSpPr>
+          <p:cNvPr id="5" name="Text Placeholder 4"/>
           <p:cNvSpPr>
             <a:spLocks noGrp="1"/>
           </p:cNvSpPr>
@@ -1696,16 +2346,25 @@
         </p:nvSpPr>
         <p:spPr>
           <a:xfrm>
-            <a:off x="6172200" y="1681163"/>
-            <a:ext cx="5183188" cy="823912"/>
+            <a:off x="3889375" y="4250949"/>
+            <a:ext cx="2930525" cy="576262"/>
           </a:xfrm>
         </p:spPr>
         <p:txBody>
-          <a:bodyPr anchor="b"/>
+          <a:bodyPr anchor="b">
+            <a:noAutofit/>
+          </a:bodyPr>
           <a:lstStyle>
             <a:lvl1pPr marL="0" indent="0">
               <a:buNone/>
-              <a:defRPr sz="2400" b="1"/>
+              <a:defRPr sz="2400" b="0">
+                <a:solidFill>
+                  <a:schemeClr val="bg2">
+                    <a:lumMod val="40000"/>
+                    <a:lumOff val="60000"/>
+                  </a:schemeClr>
+                </a:solidFill>
+              </a:defRPr>
             </a:lvl1pPr>
             <a:lvl2pPr marL="457200" indent="0">
               <a:buNone/>
@@ -1743,84 +2402,459 @@
           <a:p>
             <a:pPr lvl="0"/>
             <a:r>
-              <a:rPr lang="en-US"/>
-              <a:t>Click to edit Master text styles</a:t>
-            </a:r>
-          </a:p>
-        </p:txBody>
-      </p:sp>
-      <p:sp>
-        <p:nvSpPr>
-          <p:cNvPr id="6" name="Content Placeholder 5">
-            <a:extLst>
-              <a:ext uri="{FF2B5EF4-FFF2-40B4-BE49-F238E27FC236}">
-                <a16:creationId xmlns:a16="http://schemas.microsoft.com/office/drawing/2014/main" id="{C7E8C4BB-33C6-87F0-F4E5-6A578F543662}"/>
-              </a:ext>
-            </a:extLst>
-          </p:cNvPr>
-          <p:cNvSpPr>
-            <a:spLocks noGrp="1"/>
-          </p:cNvSpPr>
-          <p:nvPr>
-            <p:ph sz="quarter" idx="4"/>
+              <a:rPr lang="sv-SE"/>
+              <a:t>Klicka här för att ändra format på bakgrundstexten</a:t>
+            </a:r>
+          </a:p>
+        </p:txBody>
+      </p:sp>
+      <p:sp>
+        <p:nvSpPr>
+          <p:cNvPr id="30" name="Picture Placeholder 2"/>
+          <p:cNvSpPr>
+            <a:spLocks noGrp="1" noChangeAspect="1"/>
+          </p:cNvSpPr>
+          <p:nvPr>
+            <p:ph type="pic" idx="21"/>
           </p:nvPr>
         </p:nvSpPr>
         <p:spPr>
           <a:xfrm>
-            <a:off x="6172200" y="2505075"/>
-            <a:ext cx="5183188" cy="3684588"/>
+            <a:off x="3889374" y="2209800"/>
+            <a:ext cx="2930525" cy="1524000"/>
+          </a:xfrm>
+          <a:prstGeom prst="roundRect">
+            <a:avLst>
+              <a:gd name="adj" fmla="val 1858"/>
+            </a:avLst>
+          </a:prstGeom>
+          <a:effectLst>
+            <a:outerShdw blurRad="50800" dist="50800" dir="5400000" algn="tl" rotWithShape="0">
+              <a:srgbClr val="000000">
+                <a:alpha val="43000"/>
+              </a:srgbClr>
+            </a:outerShdw>
+          </a:effectLst>
+        </p:spPr>
+        <p:txBody>
+          <a:bodyPr anchor="t">
+            <a:normAutofit/>
+          </a:bodyPr>
+          <a:lstStyle>
+            <a:lvl1pPr marL="0" indent="0" algn="ctr">
+              <a:buNone/>
+              <a:defRPr sz="1600"/>
+            </a:lvl1pPr>
+            <a:lvl2pPr marL="457200" indent="0">
+              <a:buNone/>
+              <a:defRPr sz="1600"/>
+            </a:lvl2pPr>
+            <a:lvl3pPr marL="914400" indent="0">
+              <a:buNone/>
+              <a:defRPr sz="1600"/>
+            </a:lvl3pPr>
+            <a:lvl4pPr marL="1371600" indent="0">
+              <a:buNone/>
+              <a:defRPr sz="1600"/>
+            </a:lvl4pPr>
+            <a:lvl5pPr marL="1828800" indent="0">
+              <a:buNone/>
+              <a:defRPr sz="1600"/>
+            </a:lvl5pPr>
+            <a:lvl6pPr marL="2286000" indent="0">
+              <a:buNone/>
+              <a:defRPr sz="1600"/>
+            </a:lvl6pPr>
+            <a:lvl7pPr marL="2743200" indent="0">
+              <a:buNone/>
+              <a:defRPr sz="1600"/>
+            </a:lvl7pPr>
+            <a:lvl8pPr marL="3200400" indent="0">
+              <a:buNone/>
+              <a:defRPr sz="1600"/>
+            </a:lvl8pPr>
+            <a:lvl9pPr marL="3657600" indent="0">
+              <a:buNone/>
+              <a:defRPr sz="1600"/>
+            </a:lvl9pPr>
+          </a:lstStyle>
+          <a:p>
+            <a:r>
+              <a:rPr lang="sv-SE"/>
+              <a:t>Klicka på ikonen för att lägga till en bild</a:t>
+            </a:r>
+            <a:endParaRPr lang="en-US" dirty="0"/>
+          </a:p>
+        </p:txBody>
+      </p:sp>
+      <p:sp>
+        <p:nvSpPr>
+          <p:cNvPr id="23" name="Text Placeholder 3"/>
+          <p:cNvSpPr>
+            <a:spLocks noGrp="1"/>
+          </p:cNvSpPr>
+          <p:nvPr>
+            <p:ph type="body" sz="half" idx="19"/>
+          </p:nvPr>
+        </p:nvSpPr>
+        <p:spPr>
+          <a:xfrm>
+            <a:off x="3888022" y="4827210"/>
+            <a:ext cx="2934406" cy="659189"/>
           </a:xfrm>
         </p:spPr>
         <p:txBody>
-          <a:bodyPr/>
-          <a:lstStyle/>
+          <a:bodyPr anchor="t">
+            <a:normAutofit/>
+          </a:bodyPr>
+          <a:lstStyle>
+            <a:lvl1pPr marL="0" indent="0">
+              <a:buNone/>
+              <a:defRPr sz="1400"/>
+            </a:lvl1pPr>
+            <a:lvl2pPr marL="457200" indent="0">
+              <a:buNone/>
+              <a:defRPr sz="1200"/>
+            </a:lvl2pPr>
+            <a:lvl3pPr marL="914400" indent="0">
+              <a:buNone/>
+              <a:defRPr sz="1000"/>
+            </a:lvl3pPr>
+            <a:lvl4pPr marL="1371600" indent="0">
+              <a:buNone/>
+              <a:defRPr sz="900"/>
+            </a:lvl4pPr>
+            <a:lvl5pPr marL="1828800" indent="0">
+              <a:buNone/>
+              <a:defRPr sz="900"/>
+            </a:lvl5pPr>
+            <a:lvl6pPr marL="2286000" indent="0">
+              <a:buNone/>
+              <a:defRPr sz="900"/>
+            </a:lvl6pPr>
+            <a:lvl7pPr marL="2743200" indent="0">
+              <a:buNone/>
+              <a:defRPr sz="900"/>
+            </a:lvl7pPr>
+            <a:lvl8pPr marL="3200400" indent="0">
+              <a:buNone/>
+              <a:defRPr sz="900"/>
+            </a:lvl8pPr>
+            <a:lvl9pPr marL="3657600" indent="0">
+              <a:buNone/>
+              <a:defRPr sz="900"/>
+            </a:lvl9pPr>
+          </a:lstStyle>
           <a:p>
             <a:pPr lvl="0"/>
             <a:r>
-              <a:rPr lang="en-US"/>
-              <a:t>Click to edit Master text styles</a:t>
-            </a:r>
-          </a:p>
-          <a:p>
-            <a:pPr lvl="1"/>
-            <a:r>
-              <a:rPr lang="en-US"/>
-              <a:t>Second level</a:t>
-            </a:r>
-          </a:p>
-          <a:p>
-            <a:pPr lvl="2"/>
-            <a:r>
-              <a:rPr lang="en-US"/>
-              <a:t>Third level</a:t>
-            </a:r>
-          </a:p>
-          <a:p>
-            <a:pPr lvl="3"/>
-            <a:r>
-              <a:rPr lang="en-US"/>
-              <a:t>Fourth level</a:t>
-            </a:r>
-          </a:p>
-          <a:p>
-            <a:pPr lvl="4"/>
-            <a:r>
-              <a:rPr lang="en-US"/>
-              <a:t>Fifth level</a:t>
-            </a:r>
-            <a:endParaRPr lang="sv-SE"/>
-          </a:p>
-        </p:txBody>
-      </p:sp>
-      <p:sp>
-        <p:nvSpPr>
-          <p:cNvPr id="7" name="Date Placeholder 6">
-            <a:extLst>
-              <a:ext uri="{FF2B5EF4-FFF2-40B4-BE49-F238E27FC236}">
-                <a16:creationId xmlns:a16="http://schemas.microsoft.com/office/drawing/2014/main" id="{CBF4A6E5-E8C4-0852-E8CD-7ADCBD571411}"/>
-              </a:ext>
-            </a:extLst>
-          </p:cNvPr>
+              <a:rPr lang="sv-SE"/>
+              <a:t>Klicka här för att ändra format på bakgrundstexten</a:t>
+            </a:r>
+          </a:p>
+        </p:txBody>
+      </p:sp>
+      <p:sp>
+        <p:nvSpPr>
+          <p:cNvPr id="14" name="Text Placeholder 4"/>
+          <p:cNvSpPr>
+            <a:spLocks noGrp="1"/>
+          </p:cNvSpPr>
+          <p:nvPr>
+            <p:ph type="body" sz="quarter" idx="13"/>
+          </p:nvPr>
+        </p:nvSpPr>
+        <p:spPr>
+          <a:xfrm>
+            <a:off x="7124700" y="4250949"/>
+            <a:ext cx="2932113" cy="576262"/>
+          </a:xfrm>
+        </p:spPr>
+        <p:txBody>
+          <a:bodyPr anchor="b">
+            <a:noAutofit/>
+          </a:bodyPr>
+          <a:lstStyle>
+            <a:lvl1pPr marL="0" indent="0">
+              <a:buNone/>
+              <a:defRPr sz="2400" b="0">
+                <a:solidFill>
+                  <a:schemeClr val="bg2">
+                    <a:lumMod val="40000"/>
+                    <a:lumOff val="60000"/>
+                  </a:schemeClr>
+                </a:solidFill>
+              </a:defRPr>
+            </a:lvl1pPr>
+            <a:lvl2pPr marL="457200" indent="0">
+              <a:buNone/>
+              <a:defRPr sz="2000" b="1"/>
+            </a:lvl2pPr>
+            <a:lvl3pPr marL="914400" indent="0">
+              <a:buNone/>
+              <a:defRPr sz="1800" b="1"/>
+            </a:lvl3pPr>
+            <a:lvl4pPr marL="1371600" indent="0">
+              <a:buNone/>
+              <a:defRPr sz="1600" b="1"/>
+            </a:lvl4pPr>
+            <a:lvl5pPr marL="1828800" indent="0">
+              <a:buNone/>
+              <a:defRPr sz="1600" b="1"/>
+            </a:lvl5pPr>
+            <a:lvl6pPr marL="2286000" indent="0">
+              <a:buNone/>
+              <a:defRPr sz="1600" b="1"/>
+            </a:lvl6pPr>
+            <a:lvl7pPr marL="2743200" indent="0">
+              <a:buNone/>
+              <a:defRPr sz="1600" b="1"/>
+            </a:lvl7pPr>
+            <a:lvl8pPr marL="3200400" indent="0">
+              <a:buNone/>
+              <a:defRPr sz="1600" b="1"/>
+            </a:lvl8pPr>
+            <a:lvl9pPr marL="3657600" indent="0">
+              <a:buNone/>
+              <a:defRPr sz="1600" b="1"/>
+            </a:lvl9pPr>
+          </a:lstStyle>
+          <a:p>
+            <a:pPr lvl="0"/>
+            <a:r>
+              <a:rPr lang="sv-SE"/>
+              <a:t>Klicka här för att ändra format på bakgrundstexten</a:t>
+            </a:r>
+          </a:p>
+        </p:txBody>
+      </p:sp>
+      <p:sp>
+        <p:nvSpPr>
+          <p:cNvPr id="31" name="Picture Placeholder 2"/>
+          <p:cNvSpPr>
+            <a:spLocks noGrp="1" noChangeAspect="1"/>
+          </p:cNvSpPr>
+          <p:nvPr>
+            <p:ph type="pic" idx="22"/>
+          </p:nvPr>
+        </p:nvSpPr>
+        <p:spPr>
+          <a:xfrm>
+            <a:off x="7124699" y="2209800"/>
+            <a:ext cx="2932113" cy="1524000"/>
+          </a:xfrm>
+          <a:prstGeom prst="roundRect">
+            <a:avLst>
+              <a:gd name="adj" fmla="val 1858"/>
+            </a:avLst>
+          </a:prstGeom>
+          <a:effectLst>
+            <a:outerShdw blurRad="50800" dist="50800" dir="5400000" algn="tl" rotWithShape="0">
+              <a:srgbClr val="000000">
+                <a:alpha val="43000"/>
+              </a:srgbClr>
+            </a:outerShdw>
+          </a:effectLst>
+        </p:spPr>
+        <p:txBody>
+          <a:bodyPr anchor="t">
+            <a:normAutofit/>
+          </a:bodyPr>
+          <a:lstStyle>
+            <a:lvl1pPr marL="0" indent="0" algn="ctr">
+              <a:buNone/>
+              <a:defRPr sz="1600"/>
+            </a:lvl1pPr>
+            <a:lvl2pPr marL="457200" indent="0">
+              <a:buNone/>
+              <a:defRPr sz="1600"/>
+            </a:lvl2pPr>
+            <a:lvl3pPr marL="914400" indent="0">
+              <a:buNone/>
+              <a:defRPr sz="1600"/>
+            </a:lvl3pPr>
+            <a:lvl4pPr marL="1371600" indent="0">
+              <a:buNone/>
+              <a:defRPr sz="1600"/>
+            </a:lvl4pPr>
+            <a:lvl5pPr marL="1828800" indent="0">
+              <a:buNone/>
+              <a:defRPr sz="1600"/>
+            </a:lvl5pPr>
+            <a:lvl6pPr marL="2286000" indent="0">
+              <a:buNone/>
+              <a:defRPr sz="1600"/>
+            </a:lvl6pPr>
+            <a:lvl7pPr marL="2743200" indent="0">
+              <a:buNone/>
+              <a:defRPr sz="1600"/>
+            </a:lvl7pPr>
+            <a:lvl8pPr marL="3200400" indent="0">
+              <a:buNone/>
+              <a:defRPr sz="1600"/>
+            </a:lvl8pPr>
+            <a:lvl9pPr marL="3657600" indent="0">
+              <a:buNone/>
+              <a:defRPr sz="1600"/>
+            </a:lvl9pPr>
+          </a:lstStyle>
+          <a:p>
+            <a:r>
+              <a:rPr lang="sv-SE"/>
+              <a:t>Klicka på ikonen för att lägga till en bild</a:t>
+            </a:r>
+            <a:endParaRPr lang="en-US" dirty="0"/>
+          </a:p>
+        </p:txBody>
+      </p:sp>
+      <p:sp>
+        <p:nvSpPr>
+          <p:cNvPr id="24" name="Text Placeholder 3"/>
+          <p:cNvSpPr>
+            <a:spLocks noGrp="1"/>
+          </p:cNvSpPr>
+          <p:nvPr>
+            <p:ph type="body" sz="half" idx="20"/>
+          </p:nvPr>
+        </p:nvSpPr>
+        <p:spPr>
+          <a:xfrm>
+            <a:off x="7124575" y="4827208"/>
+            <a:ext cx="2935997" cy="659189"/>
+          </a:xfrm>
+        </p:spPr>
+        <p:txBody>
+          <a:bodyPr anchor="t">
+            <a:normAutofit/>
+          </a:bodyPr>
+          <a:lstStyle>
+            <a:lvl1pPr marL="0" indent="0">
+              <a:buNone/>
+              <a:defRPr sz="1400"/>
+            </a:lvl1pPr>
+            <a:lvl2pPr marL="457200" indent="0">
+              <a:buNone/>
+              <a:defRPr sz="1200"/>
+            </a:lvl2pPr>
+            <a:lvl3pPr marL="914400" indent="0">
+              <a:buNone/>
+              <a:defRPr sz="1000"/>
+            </a:lvl3pPr>
+            <a:lvl4pPr marL="1371600" indent="0">
+              <a:buNone/>
+              <a:defRPr sz="900"/>
+            </a:lvl4pPr>
+            <a:lvl5pPr marL="1828800" indent="0">
+              <a:buNone/>
+              <a:defRPr sz="900"/>
+            </a:lvl5pPr>
+            <a:lvl6pPr marL="2286000" indent="0">
+              <a:buNone/>
+              <a:defRPr sz="900"/>
+            </a:lvl6pPr>
+            <a:lvl7pPr marL="2743200" indent="0">
+              <a:buNone/>
+              <a:defRPr sz="900"/>
+            </a:lvl7pPr>
+            <a:lvl8pPr marL="3200400" indent="0">
+              <a:buNone/>
+              <a:defRPr sz="900"/>
+            </a:lvl8pPr>
+            <a:lvl9pPr marL="3657600" indent="0">
+              <a:buNone/>
+              <a:defRPr sz="900"/>
+            </a:lvl9pPr>
+          </a:lstStyle>
+          <a:p>
+            <a:pPr lvl="0"/>
+            <a:r>
+              <a:rPr lang="sv-SE"/>
+              <a:t>Klicka här för att ändra format på bakgrundstexten</a:t>
+            </a:r>
+          </a:p>
+        </p:txBody>
+      </p:sp>
+      <p:cxnSp>
+        <p:nvCxnSpPr>
+          <p:cNvPr id="19" name="Straight Connector 18"/>
+          <p:cNvCxnSpPr/>
+          <p:nvPr/>
+        </p:nvCxnSpPr>
+        <p:spPr>
+          <a:xfrm>
+            <a:off x="3726142" y="2133600"/>
+            <a:ext cx="0" cy="3962400"/>
+          </a:xfrm>
+          <a:prstGeom prst="line">
+            <a:avLst/>
+          </a:prstGeom>
+          <a:ln w="12700" cmpd="sng">
+            <a:solidFill>
+              <a:schemeClr val="bg2">
+                <a:lumMod val="40000"/>
+                <a:lumOff val="60000"/>
+                <a:alpha val="40000"/>
+              </a:schemeClr>
+            </a:solidFill>
+          </a:ln>
+        </p:spPr>
+        <p:style>
+          <a:lnRef idx="2">
+            <a:schemeClr val="accent1"/>
+          </a:lnRef>
+          <a:fillRef idx="0">
+            <a:schemeClr val="accent1"/>
+          </a:fillRef>
+          <a:effectRef idx="1">
+            <a:schemeClr val="accent1"/>
+          </a:effectRef>
+          <a:fontRef idx="minor">
+            <a:schemeClr val="tx1"/>
+          </a:fontRef>
+        </p:style>
+      </p:cxnSp>
+      <p:cxnSp>
+        <p:nvCxnSpPr>
+          <p:cNvPr id="20" name="Straight Connector 19"/>
+          <p:cNvCxnSpPr/>
+          <p:nvPr/>
+        </p:nvCxnSpPr>
+        <p:spPr>
+          <a:xfrm>
+            <a:off x="6962227" y="2133600"/>
+            <a:ext cx="0" cy="3966882"/>
+          </a:xfrm>
+          <a:prstGeom prst="line">
+            <a:avLst/>
+          </a:prstGeom>
+          <a:ln w="12700" cmpd="sng">
+            <a:solidFill>
+              <a:schemeClr val="bg2">
+                <a:lumMod val="40000"/>
+                <a:lumOff val="60000"/>
+                <a:alpha val="40000"/>
+              </a:schemeClr>
+            </a:solidFill>
+          </a:ln>
+        </p:spPr>
+        <p:style>
+          <a:lnRef idx="2">
+            <a:schemeClr val="accent1"/>
+          </a:lnRef>
+          <a:fillRef idx="0">
+            <a:schemeClr val="accent1"/>
+          </a:fillRef>
+          <a:effectRef idx="1">
+            <a:schemeClr val="accent1"/>
+          </a:effectRef>
+          <a:fontRef idx="minor">
+            <a:schemeClr val="tx1"/>
+          </a:fontRef>
+        </p:style>
+      </p:cxnSp>
+      <p:sp>
+        <p:nvSpPr>
+          <p:cNvPr id="7" name="Date Placeholder 3"/>
           <p:cNvSpPr>
             <a:spLocks noGrp="1"/>
           </p:cNvSpPr>
@@ -1835,7 +2869,7 @@
           <a:p>
             <a:fld id="{8E64B585-400C-455D-9535-796762DC7C0E}" type="datetimeFigureOut">
               <a:rPr lang="sv-SE" smtClean="0"/>
-              <a:t>2023-09-07</a:t>
+              <a:t>2023-09-12</a:t>
             </a:fld>
             <a:endParaRPr lang="sv-SE"/>
           </a:p>
@@ -1843,13 +2877,7 @@
       </p:sp>
       <p:sp>
         <p:nvSpPr>
-          <p:cNvPr id="8" name="Footer Placeholder 7">
-            <a:extLst>
-              <a:ext uri="{FF2B5EF4-FFF2-40B4-BE49-F238E27FC236}">
-                <a16:creationId xmlns:a16="http://schemas.microsoft.com/office/drawing/2014/main" id="{F9519A1E-2403-36E4-320C-F380144053F7}"/>
-              </a:ext>
-            </a:extLst>
-          </p:cNvPr>
+          <p:cNvPr id="4" name="Footer Placeholder 4"/>
           <p:cNvSpPr>
             <a:spLocks noGrp="1"/>
           </p:cNvSpPr>
@@ -1868,13 +2896,7 @@
       </p:sp>
       <p:sp>
         <p:nvSpPr>
-          <p:cNvPr id="9" name="Slide Number Placeholder 8">
-            <a:extLst>
-              <a:ext uri="{FF2B5EF4-FFF2-40B4-BE49-F238E27FC236}">
-                <a16:creationId xmlns:a16="http://schemas.microsoft.com/office/drawing/2014/main" id="{C854D933-B4F8-F69B-ECFF-9B3E081569F0}"/>
-              </a:ext>
-            </a:extLst>
-          </p:cNvPr>
+          <p:cNvPr id="6" name="Slide Number Placeholder 5"/>
           <p:cNvSpPr>
             <a:spLocks noGrp="1"/>
           </p:cNvSpPr>
@@ -1898,7 +2920,7 @@
     </p:spTree>
     <p:extLst>
       <p:ext uri="{BB962C8B-B14F-4D97-AF65-F5344CB8AC3E}">
-        <p14:creationId xmlns:p14="http://schemas.microsoft.com/office/powerpoint/2010/main" val="3262321286"/>
+        <p14:creationId xmlns:p14="http://schemas.microsoft.com/office/powerpoint/2010/main" val="42545456"/>
       </p:ext>
     </p:extLst>
   </p:cSld>
@@ -1908,9 +2930,9 @@
 </p:sldLayout>
 </file>
 
-<file path=ppt/slideLayouts/slideLayout6.xml><?xml version="1.0" encoding="utf-8"?>
-<p:sldLayout xmlns:a="http://schemas.openxmlformats.org/drawingml/2006/main" xmlns:r="http://schemas.openxmlformats.org/officeDocument/2006/relationships" xmlns:p="http://schemas.openxmlformats.org/presentationml/2006/main" type="titleOnly" preserve="1">
-  <p:cSld name="Title Only">
+<file path=ppt/slideLayouts/slideLayout16.xml><?xml version="1.0" encoding="utf-8"?>
+<p:sldLayout xmlns:a="http://schemas.openxmlformats.org/drawingml/2006/main" xmlns:r="http://schemas.openxmlformats.org/officeDocument/2006/relationships" xmlns:p="http://schemas.openxmlformats.org/presentationml/2006/main" type="vertTx" preserve="1">
+  <p:cSld name="Rubrik och lodrät text">
     <p:spTree>
       <p:nvGrpSpPr>
         <p:cNvPr id="1" name=""/>
@@ -1927,13 +2949,7 @@
       </p:grpSpPr>
       <p:sp>
         <p:nvSpPr>
-          <p:cNvPr id="2" name="Title 1">
-            <a:extLst>
-              <a:ext uri="{FF2B5EF4-FFF2-40B4-BE49-F238E27FC236}">
-                <a16:creationId xmlns:a16="http://schemas.microsoft.com/office/drawing/2014/main" id="{C308B445-2ABB-7FCB-0F3C-C46E39FAC1CE}"/>
-              </a:ext>
-            </a:extLst>
-          </p:cNvPr>
+          <p:cNvPr id="2" name="Title 1"/>
           <p:cNvSpPr>
             <a:spLocks noGrp="1"/>
           </p:cNvSpPr>
@@ -1947,22 +2963,68 @@
           <a:lstStyle/>
           <a:p>
             <a:r>
-              <a:rPr lang="en-US"/>
-              <a:t>Click to edit Master title style</a:t>
-            </a:r>
-            <a:endParaRPr lang="sv-SE"/>
-          </a:p>
-        </p:txBody>
-      </p:sp>
-      <p:sp>
-        <p:nvSpPr>
-          <p:cNvPr id="3" name="Date Placeholder 2">
-            <a:extLst>
-              <a:ext uri="{FF2B5EF4-FFF2-40B4-BE49-F238E27FC236}">
-                <a16:creationId xmlns:a16="http://schemas.microsoft.com/office/drawing/2014/main" id="{8377498E-AB33-2DA6-5413-8FCAACA09CD8}"/>
-              </a:ext>
-            </a:extLst>
-          </p:cNvPr>
+              <a:rPr lang="sv-SE"/>
+              <a:t>Klicka här för att ändra mall för rubrikformat</a:t>
+            </a:r>
+            <a:endParaRPr lang="en-US" dirty="0"/>
+          </a:p>
+        </p:txBody>
+      </p:sp>
+      <p:sp>
+        <p:nvSpPr>
+          <p:cNvPr id="3" name="Vertical Text Placeholder 2"/>
+          <p:cNvSpPr>
+            <a:spLocks noGrp="1"/>
+          </p:cNvSpPr>
+          <p:nvPr>
+            <p:ph type="body" orient="vert" idx="1"/>
+          </p:nvPr>
+        </p:nvSpPr>
+        <p:spPr/>
+        <p:txBody>
+          <a:bodyPr vert="eaVert" anchor="t" anchorCtr="0"/>
+          <a:lstStyle/>
+          <a:p>
+            <a:pPr lvl="0"/>
+            <a:r>
+              <a:rPr lang="sv-SE"/>
+              <a:t>Klicka här för att ändra format på bakgrundstexten</a:t>
+            </a:r>
+          </a:p>
+          <a:p>
+            <a:pPr lvl="1"/>
+            <a:r>
+              <a:rPr lang="sv-SE"/>
+              <a:t>Nivå två</a:t>
+            </a:r>
+          </a:p>
+          <a:p>
+            <a:pPr lvl="2"/>
+            <a:r>
+              <a:rPr lang="sv-SE"/>
+              <a:t>Nivå tre</a:t>
+            </a:r>
+          </a:p>
+          <a:p>
+            <a:pPr lvl="3"/>
+            <a:r>
+              <a:rPr lang="sv-SE"/>
+              <a:t>Nivå fyra</a:t>
+            </a:r>
+          </a:p>
+          <a:p>
+            <a:pPr lvl="4"/>
+            <a:r>
+              <a:rPr lang="sv-SE"/>
+              <a:t>Nivå fem</a:t>
+            </a:r>
+            <a:endParaRPr lang="en-US" dirty="0"/>
+          </a:p>
+        </p:txBody>
+      </p:sp>
+      <p:sp>
+        <p:nvSpPr>
+          <p:cNvPr id="4" name="Date Placeholder 3"/>
           <p:cNvSpPr>
             <a:spLocks noGrp="1"/>
           </p:cNvSpPr>
@@ -1977,7 +3039,7 @@
           <a:p>
             <a:fld id="{8E64B585-400C-455D-9535-796762DC7C0E}" type="datetimeFigureOut">
               <a:rPr lang="sv-SE" smtClean="0"/>
-              <a:t>2023-09-07</a:t>
+              <a:t>2023-09-12</a:t>
             </a:fld>
             <a:endParaRPr lang="sv-SE"/>
           </a:p>
@@ -1985,13 +3047,7 @@
       </p:sp>
       <p:sp>
         <p:nvSpPr>
-          <p:cNvPr id="4" name="Footer Placeholder 3">
-            <a:extLst>
-              <a:ext uri="{FF2B5EF4-FFF2-40B4-BE49-F238E27FC236}">
-                <a16:creationId xmlns:a16="http://schemas.microsoft.com/office/drawing/2014/main" id="{4D3E98DE-94C7-2D37-3C72-142DCC8F899C}"/>
-              </a:ext>
-            </a:extLst>
-          </p:cNvPr>
+          <p:cNvPr id="5" name="Footer Placeholder 4"/>
           <p:cNvSpPr>
             <a:spLocks noGrp="1"/>
           </p:cNvSpPr>
@@ -2010,13 +3066,7 @@
       </p:sp>
       <p:sp>
         <p:nvSpPr>
-          <p:cNvPr id="5" name="Slide Number Placeholder 4">
-            <a:extLst>
-              <a:ext uri="{FF2B5EF4-FFF2-40B4-BE49-F238E27FC236}">
-                <a16:creationId xmlns:a16="http://schemas.microsoft.com/office/drawing/2014/main" id="{A9A576BF-120D-FD90-D4A8-19233A49387A}"/>
-              </a:ext>
-            </a:extLst>
-          </p:cNvPr>
+          <p:cNvPr id="6" name="Slide Number Placeholder 5"/>
           <p:cNvSpPr>
             <a:spLocks noGrp="1"/>
           </p:cNvSpPr>
@@ -2040,7 +3090,7 @@
     </p:spTree>
     <p:extLst>
       <p:ext uri="{BB962C8B-B14F-4D97-AF65-F5344CB8AC3E}">
-        <p14:creationId xmlns:p14="http://schemas.microsoft.com/office/powerpoint/2010/main" val="1200965153"/>
+        <p14:creationId xmlns:p14="http://schemas.microsoft.com/office/powerpoint/2010/main" val="2194559475"/>
       </p:ext>
     </p:extLst>
   </p:cSld>
@@ -2050,9 +3100,9 @@
 </p:sldLayout>
 </file>
 
-<file path=ppt/slideLayouts/slideLayout7.xml><?xml version="1.0" encoding="utf-8"?>
-<p:sldLayout xmlns:a="http://schemas.openxmlformats.org/drawingml/2006/main" xmlns:r="http://schemas.openxmlformats.org/officeDocument/2006/relationships" xmlns:p="http://schemas.openxmlformats.org/presentationml/2006/main" type="blank" preserve="1">
-  <p:cSld name="Blank">
+<file path=ppt/slideLayouts/slideLayout17.xml><?xml version="1.0" encoding="utf-8"?>
+<p:sldLayout xmlns:a="http://schemas.openxmlformats.org/drawingml/2006/main" xmlns:r="http://schemas.openxmlformats.org/officeDocument/2006/relationships" xmlns:p="http://schemas.openxmlformats.org/presentationml/2006/main" type="vertTitleAndTx" preserve="1">
+  <p:cSld name="Lodrät rubrik och text">
     <p:spTree>
       <p:nvGrpSpPr>
         <p:cNvPr id="1" name=""/>
@@ -2069,13 +3119,92 @@
       </p:grpSpPr>
       <p:sp>
         <p:nvSpPr>
-          <p:cNvPr id="2" name="Date Placeholder 1">
-            <a:extLst>
-              <a:ext uri="{FF2B5EF4-FFF2-40B4-BE49-F238E27FC236}">
-                <a16:creationId xmlns:a16="http://schemas.microsoft.com/office/drawing/2014/main" id="{D2311ED0-F52C-2671-ACBE-072339CEAC36}"/>
-              </a:ext>
-            </a:extLst>
-          </p:cNvPr>
+          <p:cNvPr id="2" name="Vertical Title 1"/>
+          <p:cNvSpPr>
+            <a:spLocks noGrp="1"/>
+          </p:cNvSpPr>
+          <p:nvPr>
+            <p:ph type="title" orient="vert"/>
+          </p:nvPr>
+        </p:nvSpPr>
+        <p:spPr>
+          <a:xfrm>
+            <a:off x="8304212" y="430213"/>
+            <a:ext cx="1752601" cy="5826125"/>
+          </a:xfrm>
+        </p:spPr>
+        <p:txBody>
+          <a:bodyPr vert="eaVert" anchor="b" anchorCtr="0"/>
+          <a:lstStyle/>
+          <a:p>
+            <a:r>
+              <a:rPr lang="sv-SE"/>
+              <a:t>Klicka här för att ändra mall för rubrikformat</a:t>
+            </a:r>
+            <a:endParaRPr lang="en-US" dirty="0"/>
+          </a:p>
+        </p:txBody>
+      </p:sp>
+      <p:sp>
+        <p:nvSpPr>
+          <p:cNvPr id="3" name="Vertical Text Placeholder 2"/>
+          <p:cNvSpPr>
+            <a:spLocks noGrp="1"/>
+          </p:cNvSpPr>
+          <p:nvPr>
+            <p:ph type="body" orient="vert" idx="1"/>
+          </p:nvPr>
+        </p:nvSpPr>
+        <p:spPr>
+          <a:xfrm>
+            <a:off x="652463" y="887414"/>
+            <a:ext cx="7423149" cy="5368924"/>
+          </a:xfrm>
+        </p:spPr>
+        <p:txBody>
+          <a:bodyPr vert="eaVert"/>
+          <a:lstStyle/>
+          <a:p>
+            <a:pPr lvl="0"/>
+            <a:r>
+              <a:rPr lang="sv-SE"/>
+              <a:t>Klicka här för att ändra format på bakgrundstexten</a:t>
+            </a:r>
+          </a:p>
+          <a:p>
+            <a:pPr lvl="1"/>
+            <a:r>
+              <a:rPr lang="sv-SE"/>
+              <a:t>Nivå två</a:t>
+            </a:r>
+          </a:p>
+          <a:p>
+            <a:pPr lvl="2"/>
+            <a:r>
+              <a:rPr lang="sv-SE"/>
+              <a:t>Nivå tre</a:t>
+            </a:r>
+          </a:p>
+          <a:p>
+            <a:pPr lvl="3"/>
+            <a:r>
+              <a:rPr lang="sv-SE"/>
+              <a:t>Nivå fyra</a:t>
+            </a:r>
+          </a:p>
+          <a:p>
+            <a:pPr lvl="4"/>
+            <a:r>
+              <a:rPr lang="sv-SE"/>
+              <a:t>Nivå fem</a:t>
+            </a:r>
+            <a:endParaRPr lang="en-US" dirty="0"/>
+          </a:p>
+        </p:txBody>
+      </p:sp>
+      <p:sp>
+        <p:nvSpPr>
+          <p:cNvPr id="4" name="Date Placeholder 3"/>
           <p:cNvSpPr>
             <a:spLocks noGrp="1"/>
           </p:cNvSpPr>
@@ -2090,7 +3219,7 @@
           <a:p>
             <a:fld id="{8E64B585-400C-455D-9535-796762DC7C0E}" type="datetimeFigureOut">
               <a:rPr lang="sv-SE" smtClean="0"/>
-              <a:t>2023-09-07</a:t>
+              <a:t>2023-09-12</a:t>
             </a:fld>
             <a:endParaRPr lang="sv-SE"/>
           </a:p>
@@ -2098,13 +3227,7 @@
       </p:sp>
       <p:sp>
         <p:nvSpPr>
-          <p:cNvPr id="3" name="Footer Placeholder 2">
-            <a:extLst>
-              <a:ext uri="{FF2B5EF4-FFF2-40B4-BE49-F238E27FC236}">
-                <a16:creationId xmlns:a16="http://schemas.microsoft.com/office/drawing/2014/main" id="{151BBC98-0F1C-E5E2-AE2F-5468CDE0A9A4}"/>
-              </a:ext>
-            </a:extLst>
-          </p:cNvPr>
+          <p:cNvPr id="5" name="Footer Placeholder 4"/>
           <p:cNvSpPr>
             <a:spLocks noGrp="1"/>
           </p:cNvSpPr>
@@ -2123,13 +3246,7 @@
       </p:sp>
       <p:sp>
         <p:nvSpPr>
-          <p:cNvPr id="4" name="Slide Number Placeholder 3">
-            <a:extLst>
-              <a:ext uri="{FF2B5EF4-FFF2-40B4-BE49-F238E27FC236}">
-                <a16:creationId xmlns:a16="http://schemas.microsoft.com/office/drawing/2014/main" id="{2060C7D9-5ABF-D50A-8A4B-B5BA9FB85C66}"/>
-              </a:ext>
-            </a:extLst>
-          </p:cNvPr>
+          <p:cNvPr id="6" name="Slide Number Placeholder 5"/>
           <p:cNvSpPr>
             <a:spLocks noGrp="1"/>
           </p:cNvSpPr>
@@ -2153,7 +3270,7 @@
     </p:spTree>
     <p:extLst>
       <p:ext uri="{BB962C8B-B14F-4D97-AF65-F5344CB8AC3E}">
-        <p14:creationId xmlns:p14="http://schemas.microsoft.com/office/powerpoint/2010/main" val="2489454237"/>
+        <p14:creationId xmlns:p14="http://schemas.microsoft.com/office/powerpoint/2010/main" val="1304602500"/>
       </p:ext>
     </p:extLst>
   </p:cSld>
@@ -2163,9 +3280,9 @@
 </p:sldLayout>
 </file>
 
-<file path=ppt/slideLayouts/slideLayout8.xml><?xml version="1.0" encoding="utf-8"?>
-<p:sldLayout xmlns:a="http://schemas.openxmlformats.org/drawingml/2006/main" xmlns:r="http://schemas.openxmlformats.org/officeDocument/2006/relationships" xmlns:p="http://schemas.openxmlformats.org/presentationml/2006/main" type="objTx" preserve="1">
-  <p:cSld name="Content with Caption">
+<file path=ppt/slideLayouts/slideLayout2.xml><?xml version="1.0" encoding="utf-8"?>
+<p:sldLayout xmlns:a="http://schemas.openxmlformats.org/drawingml/2006/main" xmlns:r="http://schemas.openxmlformats.org/officeDocument/2006/relationships" xmlns:p="http://schemas.openxmlformats.org/presentationml/2006/main" type="obj" preserve="1">
+  <p:cSld name="Rubrik och innehåll">
     <p:spTree>
       <p:nvGrpSpPr>
         <p:cNvPr id="1" name=""/>
@@ -2182,13 +3299,7 @@
       </p:grpSpPr>
       <p:sp>
         <p:nvSpPr>
-          <p:cNvPr id="2" name="Title 1">
-            <a:extLst>
-              <a:ext uri="{FF2B5EF4-FFF2-40B4-BE49-F238E27FC236}">
-                <a16:creationId xmlns:a16="http://schemas.microsoft.com/office/drawing/2014/main" id="{300E9E86-3A95-0D57-6312-32AD376BD7F5}"/>
-              </a:ext>
-            </a:extLst>
-          </p:cNvPr>
+          <p:cNvPr id="2" name="Title 1"/>
           <p:cNvSpPr>
             <a:spLocks noGrp="1"/>
           </p:cNvSpPr>
@@ -2196,37 +3307,22 @@
             <p:ph type="title"/>
           </p:nvPr>
         </p:nvSpPr>
-        <p:spPr>
-          <a:xfrm>
-            <a:off x="839788" y="457200"/>
-            <a:ext cx="3932237" cy="1600200"/>
-          </a:xfrm>
-        </p:spPr>
-        <p:txBody>
-          <a:bodyPr anchor="b"/>
-          <a:lstStyle>
-            <a:lvl1pPr>
-              <a:defRPr sz="3200"/>
-            </a:lvl1pPr>
-          </a:lstStyle>
-          <a:p>
-            <a:r>
-              <a:rPr lang="en-US"/>
-              <a:t>Click to edit Master title style</a:t>
-            </a:r>
-            <a:endParaRPr lang="sv-SE"/>
-          </a:p>
-        </p:txBody>
-      </p:sp>
-      <p:sp>
-        <p:nvSpPr>
-          <p:cNvPr id="3" name="Content Placeholder 2">
-            <a:extLst>
-              <a:ext uri="{FF2B5EF4-FFF2-40B4-BE49-F238E27FC236}">
-                <a16:creationId xmlns:a16="http://schemas.microsoft.com/office/drawing/2014/main" id="{F5DB7AB2-B859-BD82-5754-E03B2F8DCC85}"/>
-              </a:ext>
-            </a:extLst>
-          </p:cNvPr>
+        <p:spPr/>
+        <p:txBody>
+          <a:bodyPr/>
+          <a:lstStyle/>
+          <a:p>
+            <a:r>
+              <a:rPr lang="sv-SE"/>
+              <a:t>Klicka här för att ändra mall för rubrikformat</a:t>
+            </a:r>
+            <a:endParaRPr lang="en-US" dirty="0"/>
+          </a:p>
+        </p:txBody>
+      </p:sp>
+      <p:sp>
+        <p:nvSpPr>
+          <p:cNvPr id="3" name="Content Placeholder 2"/>
           <p:cNvSpPr>
             <a:spLocks noGrp="1"/>
           </p:cNvSpPr>
@@ -2234,161 +3330,51 @@
             <p:ph idx="1"/>
           </p:nvPr>
         </p:nvSpPr>
-        <p:spPr>
-          <a:xfrm>
-            <a:off x="5183188" y="987425"/>
-            <a:ext cx="6172200" cy="4873625"/>
-          </a:xfrm>
-        </p:spPr>
+        <p:spPr/>
         <p:txBody>
           <a:bodyPr/>
-          <a:lstStyle>
-            <a:lvl1pPr>
-              <a:defRPr sz="3200"/>
-            </a:lvl1pPr>
-            <a:lvl2pPr>
-              <a:defRPr sz="2800"/>
-            </a:lvl2pPr>
-            <a:lvl3pPr>
-              <a:defRPr sz="2400"/>
-            </a:lvl3pPr>
-            <a:lvl4pPr>
-              <a:defRPr sz="2000"/>
-            </a:lvl4pPr>
-            <a:lvl5pPr>
-              <a:defRPr sz="2000"/>
-            </a:lvl5pPr>
-            <a:lvl6pPr>
-              <a:defRPr sz="2000"/>
-            </a:lvl6pPr>
-            <a:lvl7pPr>
-              <a:defRPr sz="2000"/>
-            </a:lvl7pPr>
-            <a:lvl8pPr>
-              <a:defRPr sz="2000"/>
-            </a:lvl8pPr>
-            <a:lvl9pPr>
-              <a:defRPr sz="2000"/>
-            </a:lvl9pPr>
-          </a:lstStyle>
+          <a:lstStyle/>
           <a:p>
             <a:pPr lvl="0"/>
             <a:r>
-              <a:rPr lang="en-US"/>
-              <a:t>Click to edit Master text styles</a:t>
+              <a:rPr lang="sv-SE"/>
+              <a:t>Klicka här för att ändra format på bakgrundstexten</a:t>
             </a:r>
           </a:p>
           <a:p>
             <a:pPr lvl="1"/>
             <a:r>
-              <a:rPr lang="en-US"/>
-              <a:t>Second level</a:t>
+              <a:rPr lang="sv-SE"/>
+              <a:t>Nivå två</a:t>
             </a:r>
           </a:p>
           <a:p>
             <a:pPr lvl="2"/>
             <a:r>
-              <a:rPr lang="en-US"/>
-              <a:t>Third level</a:t>
+              <a:rPr lang="sv-SE"/>
+              <a:t>Nivå tre</a:t>
             </a:r>
           </a:p>
           <a:p>
             <a:pPr lvl="3"/>
             <a:r>
-              <a:rPr lang="en-US"/>
-              <a:t>Fourth level</a:t>
+              <a:rPr lang="sv-SE"/>
+              <a:t>Nivå fyra</a:t>
             </a:r>
           </a:p>
           <a:p>
             <a:pPr lvl="4"/>
             <a:r>
-              <a:rPr lang="en-US"/>
-              <a:t>Fifth level</a:t>
-            </a:r>
-            <a:endParaRPr lang="sv-SE"/>
-          </a:p>
-        </p:txBody>
-      </p:sp>
-      <p:sp>
-        <p:nvSpPr>
-          <p:cNvPr id="4" name="Text Placeholder 3">
-            <a:extLst>
-              <a:ext uri="{FF2B5EF4-FFF2-40B4-BE49-F238E27FC236}">
-                <a16:creationId xmlns:a16="http://schemas.microsoft.com/office/drawing/2014/main" id="{E54FDCF9-AE2D-7B62-8F3D-6F3EA19C840E}"/>
-              </a:ext>
-            </a:extLst>
-          </p:cNvPr>
-          <p:cNvSpPr>
-            <a:spLocks noGrp="1"/>
-          </p:cNvSpPr>
-          <p:nvPr>
-            <p:ph type="body" sz="half" idx="2"/>
-          </p:nvPr>
-        </p:nvSpPr>
-        <p:spPr>
-          <a:xfrm>
-            <a:off x="839788" y="2057400"/>
-            <a:ext cx="3932237" cy="3811588"/>
-          </a:xfrm>
-        </p:spPr>
-        <p:txBody>
-          <a:bodyPr/>
-          <a:lstStyle>
-            <a:lvl1pPr marL="0" indent="0">
-              <a:buNone/>
-              <a:defRPr sz="1600"/>
-            </a:lvl1pPr>
-            <a:lvl2pPr marL="457200" indent="0">
-              <a:buNone/>
-              <a:defRPr sz="1400"/>
-            </a:lvl2pPr>
-            <a:lvl3pPr marL="914400" indent="0">
-              <a:buNone/>
-              <a:defRPr sz="1200"/>
-            </a:lvl3pPr>
-            <a:lvl4pPr marL="1371600" indent="0">
-              <a:buNone/>
-              <a:defRPr sz="1000"/>
-            </a:lvl4pPr>
-            <a:lvl5pPr marL="1828800" indent="0">
-              <a:buNone/>
-              <a:defRPr sz="1000"/>
-            </a:lvl5pPr>
-            <a:lvl6pPr marL="2286000" indent="0">
-              <a:buNone/>
-              <a:defRPr sz="1000"/>
-            </a:lvl6pPr>
-            <a:lvl7pPr marL="2743200" indent="0">
-              <a:buNone/>
-              <a:defRPr sz="1000"/>
-            </a:lvl7pPr>
-            <a:lvl8pPr marL="3200400" indent="0">
-              <a:buNone/>
-              <a:defRPr sz="1000"/>
-            </a:lvl8pPr>
-            <a:lvl9pPr marL="3657600" indent="0">
-              <a:buNone/>
-              <a:defRPr sz="1000"/>
-            </a:lvl9pPr>
-          </a:lstStyle>
-          <a:p>
-            <a:pPr lvl="0"/>
-            <a:r>
-              <a:rPr lang="en-US"/>
-              <a:t>Click to edit Master text styles</a:t>
-            </a:r>
-          </a:p>
-        </p:txBody>
-      </p:sp>
-      <p:sp>
-        <p:nvSpPr>
-          <p:cNvPr id="5" name="Date Placeholder 4">
-            <a:extLst>
-              <a:ext uri="{FF2B5EF4-FFF2-40B4-BE49-F238E27FC236}">
-                <a16:creationId xmlns:a16="http://schemas.microsoft.com/office/drawing/2014/main" id="{F2DFAAE6-A9F6-207E-EA9C-DE95A346F60C}"/>
-              </a:ext>
-            </a:extLst>
-          </p:cNvPr>
+              <a:rPr lang="sv-SE"/>
+              <a:t>Nivå fem</a:t>
+            </a:r>
+            <a:endParaRPr lang="en-US" dirty="0"/>
+          </a:p>
+        </p:txBody>
+      </p:sp>
+      <p:sp>
+        <p:nvSpPr>
+          <p:cNvPr id="7" name="Date Placeholder 3"/>
           <p:cNvSpPr>
             <a:spLocks noGrp="1"/>
           </p:cNvSpPr>
@@ -2403,7 +3389,7 @@
           <a:p>
             <a:fld id="{8E64B585-400C-455D-9535-796762DC7C0E}" type="datetimeFigureOut">
               <a:rPr lang="sv-SE" smtClean="0"/>
-              <a:t>2023-09-07</a:t>
+              <a:t>2023-09-12</a:t>
             </a:fld>
             <a:endParaRPr lang="sv-SE"/>
           </a:p>
@@ -2411,13 +3397,7 @@
       </p:sp>
       <p:sp>
         <p:nvSpPr>
-          <p:cNvPr id="6" name="Footer Placeholder 5">
-            <a:extLst>
-              <a:ext uri="{FF2B5EF4-FFF2-40B4-BE49-F238E27FC236}">
-                <a16:creationId xmlns:a16="http://schemas.microsoft.com/office/drawing/2014/main" id="{D3A4A817-A0C1-432F-99C3-434EB08580B0}"/>
-              </a:ext>
-            </a:extLst>
-          </p:cNvPr>
+          <p:cNvPr id="5" name="Footer Placeholder 4"/>
           <p:cNvSpPr>
             <a:spLocks noGrp="1"/>
           </p:cNvSpPr>
@@ -2436,13 +3416,7 @@
       </p:sp>
       <p:sp>
         <p:nvSpPr>
-          <p:cNvPr id="7" name="Slide Number Placeholder 6">
-            <a:extLst>
-              <a:ext uri="{FF2B5EF4-FFF2-40B4-BE49-F238E27FC236}">
-                <a16:creationId xmlns:a16="http://schemas.microsoft.com/office/drawing/2014/main" id="{66B004F7-0077-EA14-2869-3C57B77CAD3F}"/>
-              </a:ext>
-            </a:extLst>
-          </p:cNvPr>
+          <p:cNvPr id="6" name="Slide Number Placeholder 5"/>
           <p:cNvSpPr>
             <a:spLocks noGrp="1"/>
           </p:cNvSpPr>
@@ -2466,7 +3440,7 @@
     </p:spTree>
     <p:extLst>
       <p:ext uri="{BB962C8B-B14F-4D97-AF65-F5344CB8AC3E}">
-        <p14:creationId xmlns:p14="http://schemas.microsoft.com/office/powerpoint/2010/main" val="1404815504"/>
+        <p14:creationId xmlns:p14="http://schemas.microsoft.com/office/powerpoint/2010/main" val="554299636"/>
       </p:ext>
     </p:extLst>
   </p:cSld>
@@ -2476,9 +3450,9 @@
 </p:sldLayout>
 </file>
 
-<file path=ppt/slideLayouts/slideLayout9.xml><?xml version="1.0" encoding="utf-8"?>
-<p:sldLayout xmlns:a="http://schemas.openxmlformats.org/drawingml/2006/main" xmlns:r="http://schemas.openxmlformats.org/officeDocument/2006/relationships" xmlns:p="http://schemas.openxmlformats.org/presentationml/2006/main" type="picTx" preserve="1">
-  <p:cSld name="Picture with Caption">
+<file path=ppt/slideLayouts/slideLayout3.xml><?xml version="1.0" encoding="utf-8"?>
+<p:sldLayout xmlns:a="http://schemas.openxmlformats.org/drawingml/2006/main" xmlns:r="http://schemas.openxmlformats.org/officeDocument/2006/relationships" xmlns:p="http://schemas.openxmlformats.org/presentationml/2006/main" type="secHead" preserve="1">
+  <p:cSld name="Avsnittsrubrik">
     <p:spTree>
       <p:nvGrpSpPr>
         <p:cNvPr id="1" name=""/>
@@ -2495,13 +3469,7 @@
       </p:grpSpPr>
       <p:sp>
         <p:nvSpPr>
-          <p:cNvPr id="2" name="Title 1">
-            <a:extLst>
-              <a:ext uri="{FF2B5EF4-FFF2-40B4-BE49-F238E27FC236}">
-                <a16:creationId xmlns:a16="http://schemas.microsoft.com/office/drawing/2014/main" id="{2C7724C8-C4F6-3C5B-EFD3-67B35EB12D1D}"/>
-              </a:ext>
-            </a:extLst>
-          </p:cNvPr>
+          <p:cNvPr id="2" name="Title 1"/>
           <p:cNvSpPr>
             <a:spLocks noGrp="1"/>
           </p:cNvSpPr>
@@ -2511,173 +3479,149 @@
         </p:nvSpPr>
         <p:spPr>
           <a:xfrm>
-            <a:off x="839788" y="457200"/>
-            <a:ext cx="3932237" cy="1600200"/>
+            <a:off x="1154956" y="2861733"/>
+            <a:ext cx="8825657" cy="1915647"/>
           </a:xfrm>
         </p:spPr>
         <p:txBody>
           <a:bodyPr anchor="b"/>
           <a:lstStyle>
-            <a:lvl1pPr>
-              <a:defRPr sz="3200"/>
+            <a:lvl1pPr algn="l">
+              <a:defRPr sz="4000" b="0" cap="none"/>
             </a:lvl1pPr>
           </a:lstStyle>
           <a:p>
             <a:r>
-              <a:rPr lang="en-US"/>
-              <a:t>Click to edit Master title style</a:t>
-            </a:r>
-            <a:endParaRPr lang="sv-SE"/>
-          </a:p>
-        </p:txBody>
-      </p:sp>
-      <p:sp>
-        <p:nvSpPr>
-          <p:cNvPr id="3" name="Picture Placeholder 2">
-            <a:extLst>
-              <a:ext uri="{FF2B5EF4-FFF2-40B4-BE49-F238E27FC236}">
-                <a16:creationId xmlns:a16="http://schemas.microsoft.com/office/drawing/2014/main" id="{856C4417-9312-78E1-B6E6-358C98E47EE9}"/>
-              </a:ext>
-            </a:extLst>
-          </p:cNvPr>
-          <p:cNvSpPr>
-            <a:spLocks noGrp="1"/>
-          </p:cNvSpPr>
-          <p:nvPr>
-            <p:ph type="pic" idx="1"/>
+              <a:rPr lang="sv-SE"/>
+              <a:t>Klicka här för att ändra mall för rubrikformat</a:t>
+            </a:r>
+            <a:endParaRPr lang="en-US" dirty="0"/>
+          </a:p>
+        </p:txBody>
+      </p:sp>
+      <p:sp>
+        <p:nvSpPr>
+          <p:cNvPr id="3" name="Text Placeholder 2"/>
+          <p:cNvSpPr>
+            <a:spLocks noGrp="1"/>
+          </p:cNvSpPr>
+          <p:nvPr>
+            <p:ph type="body" idx="1"/>
           </p:nvPr>
         </p:nvSpPr>
         <p:spPr>
           <a:xfrm>
-            <a:off x="5183188" y="987425"/>
-            <a:ext cx="6172200" cy="4873625"/>
+            <a:off x="1154955" y="4777381"/>
+            <a:ext cx="8825658" cy="860400"/>
           </a:xfrm>
         </p:spPr>
         <p:txBody>
-          <a:bodyPr/>
+          <a:bodyPr anchor="t"/>
           <a:lstStyle>
-            <a:lvl1pPr marL="0" indent="0">
-              <a:buNone/>
-              <a:defRPr sz="3200"/>
+            <a:lvl1pPr marL="0" indent="0" algn="l">
+              <a:buNone/>
+              <a:defRPr sz="2000" cap="all">
+                <a:solidFill>
+                  <a:schemeClr val="bg2">
+                    <a:lumMod val="40000"/>
+                    <a:lumOff val="60000"/>
+                  </a:schemeClr>
+                </a:solidFill>
+              </a:defRPr>
             </a:lvl1pPr>
             <a:lvl2pPr marL="457200" indent="0">
               <a:buNone/>
-              <a:defRPr sz="2800"/>
+              <a:defRPr sz="1800">
+                <a:solidFill>
+                  <a:schemeClr val="tx1">
+                    <a:tint val="75000"/>
+                  </a:schemeClr>
+                </a:solidFill>
+              </a:defRPr>
             </a:lvl2pPr>
             <a:lvl3pPr marL="914400" indent="0">
               <a:buNone/>
-              <a:defRPr sz="2400"/>
+              <a:defRPr sz="1600">
+                <a:solidFill>
+                  <a:schemeClr val="tx1">
+                    <a:tint val="75000"/>
+                  </a:schemeClr>
+                </a:solidFill>
+              </a:defRPr>
             </a:lvl3pPr>
             <a:lvl4pPr marL="1371600" indent="0">
               <a:buNone/>
-              <a:defRPr sz="2000"/>
+              <a:defRPr sz="1400">
+                <a:solidFill>
+                  <a:schemeClr val="tx1">
+                    <a:tint val="75000"/>
+                  </a:schemeClr>
+                </a:solidFill>
+              </a:defRPr>
             </a:lvl4pPr>
             <a:lvl5pPr marL="1828800" indent="0">
               <a:buNone/>
-              <a:defRPr sz="2000"/>
+              <a:defRPr sz="1400">
+                <a:solidFill>
+                  <a:schemeClr val="tx1">
+                    <a:tint val="75000"/>
+                  </a:schemeClr>
+                </a:solidFill>
+              </a:defRPr>
             </a:lvl5pPr>
             <a:lvl6pPr marL="2286000" indent="0">
               <a:buNone/>
-              <a:defRPr sz="2000"/>
+              <a:defRPr sz="1400">
+                <a:solidFill>
+                  <a:schemeClr val="tx1">
+                    <a:tint val="75000"/>
+                  </a:schemeClr>
+                </a:solidFill>
+              </a:defRPr>
             </a:lvl6pPr>
             <a:lvl7pPr marL="2743200" indent="0">
               <a:buNone/>
-              <a:defRPr sz="2000"/>
+              <a:defRPr sz="1400">
+                <a:solidFill>
+                  <a:schemeClr val="tx1">
+                    <a:tint val="75000"/>
+                  </a:schemeClr>
+                </a:solidFill>
+              </a:defRPr>
             </a:lvl7pPr>
             <a:lvl8pPr marL="3200400" indent="0">
               <a:buNone/>
-              <a:defRPr sz="2000"/>
+              <a:defRPr sz="1400">
+                <a:solidFill>
+                  <a:schemeClr val="tx1">
+                    <a:tint val="75000"/>
+                  </a:schemeClr>
+                </a:solidFill>
+              </a:defRPr>
             </a:lvl8pPr>
             <a:lvl9pPr marL="3657600" indent="0">
               <a:buNone/>
-              <a:defRPr sz="2000"/>
+              <a:defRPr sz="1400">
+                <a:solidFill>
+                  <a:schemeClr val="tx1">
+                    <a:tint val="75000"/>
+                  </a:schemeClr>
+                </a:solidFill>
+              </a:defRPr>
             </a:lvl9pPr>
           </a:lstStyle>
           <a:p>
-            <a:endParaRPr lang="sv-SE"/>
-          </a:p>
-        </p:txBody>
-      </p:sp>
-      <p:sp>
-        <p:nvSpPr>
-          <p:cNvPr id="4" name="Text Placeholder 3">
-            <a:extLst>
-              <a:ext uri="{FF2B5EF4-FFF2-40B4-BE49-F238E27FC236}">
-                <a16:creationId xmlns:a16="http://schemas.microsoft.com/office/drawing/2014/main" id="{307E7E1E-CB72-ACE6-54FD-39A3D4F98E9B}"/>
-              </a:ext>
-            </a:extLst>
-          </p:cNvPr>
-          <p:cNvSpPr>
-            <a:spLocks noGrp="1"/>
-          </p:cNvSpPr>
-          <p:nvPr>
-            <p:ph type="body" sz="half" idx="2"/>
-          </p:nvPr>
-        </p:nvSpPr>
-        <p:spPr>
-          <a:xfrm>
-            <a:off x="839788" y="2057400"/>
-            <a:ext cx="3932237" cy="3811588"/>
-          </a:xfrm>
-        </p:spPr>
-        <p:txBody>
-          <a:bodyPr/>
-          <a:lstStyle>
-            <a:lvl1pPr marL="0" indent="0">
-              <a:buNone/>
-              <a:defRPr sz="1600"/>
-            </a:lvl1pPr>
-            <a:lvl2pPr marL="457200" indent="0">
-              <a:buNone/>
-              <a:defRPr sz="1400"/>
-            </a:lvl2pPr>
-            <a:lvl3pPr marL="914400" indent="0">
-              <a:buNone/>
-              <a:defRPr sz="1200"/>
-            </a:lvl3pPr>
-            <a:lvl4pPr marL="1371600" indent="0">
-              <a:buNone/>
-              <a:defRPr sz="1000"/>
-            </a:lvl4pPr>
-            <a:lvl5pPr marL="1828800" indent="0">
-              <a:buNone/>
-              <a:defRPr sz="1000"/>
-            </a:lvl5pPr>
-            <a:lvl6pPr marL="2286000" indent="0">
-              <a:buNone/>
-              <a:defRPr sz="1000"/>
-            </a:lvl6pPr>
-            <a:lvl7pPr marL="2743200" indent="0">
-              <a:buNone/>
-              <a:defRPr sz="1000"/>
-            </a:lvl7pPr>
-            <a:lvl8pPr marL="3200400" indent="0">
-              <a:buNone/>
-              <a:defRPr sz="1000"/>
-            </a:lvl8pPr>
-            <a:lvl9pPr marL="3657600" indent="0">
-              <a:buNone/>
-              <a:defRPr sz="1000"/>
-            </a:lvl9pPr>
-          </a:lstStyle>
-          <a:p>
             <a:pPr lvl="0"/>
             <a:r>
-              <a:rPr lang="en-US"/>
-              <a:t>Click to edit Master text styles</a:t>
-            </a:r>
-          </a:p>
-        </p:txBody>
-      </p:sp>
-      <p:sp>
-        <p:nvSpPr>
-          <p:cNvPr id="5" name="Date Placeholder 4">
-            <a:extLst>
-              <a:ext uri="{FF2B5EF4-FFF2-40B4-BE49-F238E27FC236}">
-                <a16:creationId xmlns:a16="http://schemas.microsoft.com/office/drawing/2014/main" id="{15870C6B-05A9-F034-28F0-27BD888EBF87}"/>
-              </a:ext>
-            </a:extLst>
-          </p:cNvPr>
+              <a:rPr lang="sv-SE"/>
+              <a:t>Klicka här för att ändra format på bakgrundstexten</a:t>
+            </a:r>
+          </a:p>
+        </p:txBody>
+      </p:sp>
+      <p:sp>
+        <p:nvSpPr>
+          <p:cNvPr id="4" name="Date Placeholder 3"/>
           <p:cNvSpPr>
             <a:spLocks noGrp="1"/>
           </p:cNvSpPr>
@@ -2692,7 +3636,7 @@
           <a:p>
             <a:fld id="{8E64B585-400C-455D-9535-796762DC7C0E}" type="datetimeFigureOut">
               <a:rPr lang="sv-SE" smtClean="0"/>
-              <a:t>2023-09-07</a:t>
+              <a:t>2023-09-12</a:t>
             </a:fld>
             <a:endParaRPr lang="sv-SE"/>
           </a:p>
@@ -2700,13 +3644,7 @@
       </p:sp>
       <p:sp>
         <p:nvSpPr>
-          <p:cNvPr id="6" name="Footer Placeholder 5">
-            <a:extLst>
-              <a:ext uri="{FF2B5EF4-FFF2-40B4-BE49-F238E27FC236}">
-                <a16:creationId xmlns:a16="http://schemas.microsoft.com/office/drawing/2014/main" id="{88B014DE-FD81-DDDF-14E0-C06783911715}"/>
-              </a:ext>
-            </a:extLst>
-          </p:cNvPr>
+          <p:cNvPr id="5" name="Footer Placeholder 4"/>
           <p:cNvSpPr>
             <a:spLocks noGrp="1"/>
           </p:cNvSpPr>
@@ -2725,13 +3663,7 @@
       </p:sp>
       <p:sp>
         <p:nvSpPr>
-          <p:cNvPr id="7" name="Slide Number Placeholder 6">
-            <a:extLst>
-              <a:ext uri="{FF2B5EF4-FFF2-40B4-BE49-F238E27FC236}">
-                <a16:creationId xmlns:a16="http://schemas.microsoft.com/office/drawing/2014/main" id="{0226802E-1976-1A31-AAB1-66DFBBEA43C6}"/>
-              </a:ext>
-            </a:extLst>
-          </p:cNvPr>
+          <p:cNvPr id="6" name="Slide Number Placeholder 5"/>
           <p:cNvSpPr>
             <a:spLocks noGrp="1"/>
           </p:cNvSpPr>
@@ -2755,7 +3687,1510 @@
     </p:spTree>
     <p:extLst>
       <p:ext uri="{BB962C8B-B14F-4D97-AF65-F5344CB8AC3E}">
-        <p14:creationId xmlns:p14="http://schemas.microsoft.com/office/powerpoint/2010/main" val="3413039109"/>
+        <p14:creationId xmlns:p14="http://schemas.microsoft.com/office/powerpoint/2010/main" val="3151718580"/>
+      </p:ext>
+    </p:extLst>
+  </p:cSld>
+  <p:clrMapOvr>
+    <a:masterClrMapping/>
+  </p:clrMapOvr>
+</p:sldLayout>
+</file>
+
+<file path=ppt/slideLayouts/slideLayout4.xml><?xml version="1.0" encoding="utf-8"?>
+<p:sldLayout xmlns:a="http://schemas.openxmlformats.org/drawingml/2006/main" xmlns:r="http://schemas.openxmlformats.org/officeDocument/2006/relationships" xmlns:p="http://schemas.openxmlformats.org/presentationml/2006/main" type="twoObj" preserve="1">
+  <p:cSld name="Två delar">
+    <p:spTree>
+      <p:nvGrpSpPr>
+        <p:cNvPr id="1" name=""/>
+        <p:cNvGrpSpPr/>
+        <p:nvPr/>
+      </p:nvGrpSpPr>
+      <p:grpSpPr>
+        <a:xfrm>
+          <a:off x="0" y="0"/>
+          <a:ext cx="0" cy="0"/>
+          <a:chOff x="0" y="0"/>
+          <a:chExt cx="0" cy="0"/>
+        </a:xfrm>
+      </p:grpSpPr>
+      <p:sp>
+        <p:nvSpPr>
+          <p:cNvPr id="2" name="Title 1"/>
+          <p:cNvSpPr>
+            <a:spLocks noGrp="1"/>
+          </p:cNvSpPr>
+          <p:nvPr>
+            <p:ph type="title"/>
+          </p:nvPr>
+        </p:nvSpPr>
+        <p:spPr/>
+        <p:txBody>
+          <a:bodyPr/>
+          <a:lstStyle/>
+          <a:p>
+            <a:r>
+              <a:rPr lang="sv-SE"/>
+              <a:t>Klicka här för att ändra mall för rubrikformat</a:t>
+            </a:r>
+            <a:endParaRPr lang="en-US" dirty="0"/>
+          </a:p>
+        </p:txBody>
+      </p:sp>
+      <p:sp>
+        <p:nvSpPr>
+          <p:cNvPr id="3" name="Content Placeholder 2"/>
+          <p:cNvSpPr>
+            <a:spLocks noGrp="1"/>
+          </p:cNvSpPr>
+          <p:nvPr>
+            <p:ph sz="half" idx="1"/>
+          </p:nvPr>
+        </p:nvSpPr>
+        <p:spPr>
+          <a:xfrm>
+            <a:off x="1103312" y="2060575"/>
+            <a:ext cx="4396339" cy="4195763"/>
+          </a:xfrm>
+        </p:spPr>
+        <p:txBody>
+          <a:bodyPr>
+            <a:normAutofit/>
+          </a:bodyPr>
+          <a:lstStyle>
+            <a:lvl1pPr>
+              <a:defRPr sz="1800"/>
+            </a:lvl1pPr>
+            <a:lvl2pPr>
+              <a:defRPr sz="1600"/>
+            </a:lvl2pPr>
+            <a:lvl3pPr>
+              <a:defRPr sz="1400"/>
+            </a:lvl3pPr>
+            <a:lvl4pPr>
+              <a:defRPr sz="1200"/>
+            </a:lvl4pPr>
+            <a:lvl5pPr>
+              <a:defRPr sz="1200"/>
+            </a:lvl5pPr>
+            <a:lvl6pPr>
+              <a:defRPr sz="1200"/>
+            </a:lvl6pPr>
+            <a:lvl7pPr>
+              <a:defRPr sz="1200"/>
+            </a:lvl7pPr>
+            <a:lvl8pPr>
+              <a:defRPr sz="1200"/>
+            </a:lvl8pPr>
+            <a:lvl9pPr>
+              <a:defRPr sz="1200"/>
+            </a:lvl9pPr>
+          </a:lstStyle>
+          <a:p>
+            <a:pPr lvl="0"/>
+            <a:r>
+              <a:rPr lang="sv-SE"/>
+              <a:t>Klicka här för att ändra format på bakgrundstexten</a:t>
+            </a:r>
+          </a:p>
+          <a:p>
+            <a:pPr lvl="1"/>
+            <a:r>
+              <a:rPr lang="sv-SE"/>
+              <a:t>Nivå två</a:t>
+            </a:r>
+          </a:p>
+          <a:p>
+            <a:pPr lvl="2"/>
+            <a:r>
+              <a:rPr lang="sv-SE"/>
+              <a:t>Nivå tre</a:t>
+            </a:r>
+          </a:p>
+          <a:p>
+            <a:pPr lvl="3"/>
+            <a:r>
+              <a:rPr lang="sv-SE"/>
+              <a:t>Nivå fyra</a:t>
+            </a:r>
+          </a:p>
+          <a:p>
+            <a:pPr lvl="4"/>
+            <a:r>
+              <a:rPr lang="sv-SE"/>
+              <a:t>Nivå fem</a:t>
+            </a:r>
+            <a:endParaRPr lang="en-US" dirty="0"/>
+          </a:p>
+        </p:txBody>
+      </p:sp>
+      <p:sp>
+        <p:nvSpPr>
+          <p:cNvPr id="4" name="Content Placeholder 3"/>
+          <p:cNvSpPr>
+            <a:spLocks noGrp="1"/>
+          </p:cNvSpPr>
+          <p:nvPr>
+            <p:ph sz="half" idx="2"/>
+          </p:nvPr>
+        </p:nvSpPr>
+        <p:spPr>
+          <a:xfrm>
+            <a:off x="5654493" y="2056092"/>
+            <a:ext cx="4396341" cy="4200245"/>
+          </a:xfrm>
+        </p:spPr>
+        <p:txBody>
+          <a:bodyPr>
+            <a:normAutofit/>
+          </a:bodyPr>
+          <a:lstStyle>
+            <a:lvl1pPr>
+              <a:defRPr sz="1800"/>
+            </a:lvl1pPr>
+            <a:lvl2pPr>
+              <a:defRPr sz="1600"/>
+            </a:lvl2pPr>
+            <a:lvl3pPr>
+              <a:defRPr sz="1400"/>
+            </a:lvl3pPr>
+            <a:lvl4pPr>
+              <a:defRPr sz="1200"/>
+            </a:lvl4pPr>
+            <a:lvl5pPr>
+              <a:defRPr sz="1200"/>
+            </a:lvl5pPr>
+            <a:lvl6pPr>
+              <a:defRPr sz="1200"/>
+            </a:lvl6pPr>
+            <a:lvl7pPr>
+              <a:defRPr sz="1200"/>
+            </a:lvl7pPr>
+            <a:lvl8pPr>
+              <a:defRPr sz="1200"/>
+            </a:lvl8pPr>
+            <a:lvl9pPr>
+              <a:defRPr sz="1200"/>
+            </a:lvl9pPr>
+          </a:lstStyle>
+          <a:p>
+            <a:pPr lvl="0"/>
+            <a:r>
+              <a:rPr lang="sv-SE"/>
+              <a:t>Klicka här för att ändra format på bakgrundstexten</a:t>
+            </a:r>
+          </a:p>
+          <a:p>
+            <a:pPr lvl="1"/>
+            <a:r>
+              <a:rPr lang="sv-SE"/>
+              <a:t>Nivå två</a:t>
+            </a:r>
+          </a:p>
+          <a:p>
+            <a:pPr lvl="2"/>
+            <a:r>
+              <a:rPr lang="sv-SE"/>
+              <a:t>Nivå tre</a:t>
+            </a:r>
+          </a:p>
+          <a:p>
+            <a:pPr lvl="3"/>
+            <a:r>
+              <a:rPr lang="sv-SE"/>
+              <a:t>Nivå fyra</a:t>
+            </a:r>
+          </a:p>
+          <a:p>
+            <a:pPr lvl="4"/>
+            <a:r>
+              <a:rPr lang="sv-SE"/>
+              <a:t>Nivå fem</a:t>
+            </a:r>
+            <a:endParaRPr lang="en-US" dirty="0"/>
+          </a:p>
+        </p:txBody>
+      </p:sp>
+      <p:sp>
+        <p:nvSpPr>
+          <p:cNvPr id="5" name="Date Placeholder 4"/>
+          <p:cNvSpPr>
+            <a:spLocks noGrp="1"/>
+          </p:cNvSpPr>
+          <p:nvPr>
+            <p:ph type="dt" sz="half" idx="10"/>
+          </p:nvPr>
+        </p:nvSpPr>
+        <p:spPr/>
+        <p:txBody>
+          <a:bodyPr/>
+          <a:lstStyle/>
+          <a:p>
+            <a:fld id="{8E64B585-400C-455D-9535-796762DC7C0E}" type="datetimeFigureOut">
+              <a:rPr lang="sv-SE" smtClean="0"/>
+              <a:t>2023-09-12</a:t>
+            </a:fld>
+            <a:endParaRPr lang="sv-SE"/>
+          </a:p>
+        </p:txBody>
+      </p:sp>
+      <p:sp>
+        <p:nvSpPr>
+          <p:cNvPr id="6" name="Footer Placeholder 5"/>
+          <p:cNvSpPr>
+            <a:spLocks noGrp="1"/>
+          </p:cNvSpPr>
+          <p:nvPr>
+            <p:ph type="ftr" sz="quarter" idx="11"/>
+          </p:nvPr>
+        </p:nvSpPr>
+        <p:spPr/>
+        <p:txBody>
+          <a:bodyPr/>
+          <a:lstStyle/>
+          <a:p>
+            <a:endParaRPr lang="sv-SE"/>
+          </a:p>
+        </p:txBody>
+      </p:sp>
+      <p:sp>
+        <p:nvSpPr>
+          <p:cNvPr id="7" name="Slide Number Placeholder 6"/>
+          <p:cNvSpPr>
+            <a:spLocks noGrp="1"/>
+          </p:cNvSpPr>
+          <p:nvPr>
+            <p:ph type="sldNum" sz="quarter" idx="12"/>
+          </p:nvPr>
+        </p:nvSpPr>
+        <p:spPr/>
+        <p:txBody>
+          <a:bodyPr/>
+          <a:lstStyle/>
+          <a:p>
+            <a:fld id="{22C4CE5C-CCC0-475B-9558-DCCA4F9D3FE5}" type="slidenum">
+              <a:rPr lang="sv-SE" smtClean="0"/>
+              <a:t>‹#›</a:t>
+            </a:fld>
+            <a:endParaRPr lang="sv-SE"/>
+          </a:p>
+        </p:txBody>
+      </p:sp>
+    </p:spTree>
+    <p:extLst>
+      <p:ext uri="{BB962C8B-B14F-4D97-AF65-F5344CB8AC3E}">
+        <p14:creationId xmlns:p14="http://schemas.microsoft.com/office/powerpoint/2010/main" val="478687215"/>
+      </p:ext>
+    </p:extLst>
+  </p:cSld>
+  <p:clrMapOvr>
+    <a:masterClrMapping/>
+  </p:clrMapOvr>
+</p:sldLayout>
+</file>
+
+<file path=ppt/slideLayouts/slideLayout5.xml><?xml version="1.0" encoding="utf-8"?>
+<p:sldLayout xmlns:a="http://schemas.openxmlformats.org/drawingml/2006/main" xmlns:r="http://schemas.openxmlformats.org/officeDocument/2006/relationships" xmlns:p="http://schemas.openxmlformats.org/presentationml/2006/main" type="twoTxTwoObj" preserve="1">
+  <p:cSld name="Jämförelse">
+    <p:spTree>
+      <p:nvGrpSpPr>
+        <p:cNvPr id="1" name=""/>
+        <p:cNvGrpSpPr/>
+        <p:nvPr/>
+      </p:nvGrpSpPr>
+      <p:grpSpPr>
+        <a:xfrm>
+          <a:off x="0" y="0"/>
+          <a:ext cx="0" cy="0"/>
+          <a:chOff x="0" y="0"/>
+          <a:chExt cx="0" cy="0"/>
+        </a:xfrm>
+      </p:grpSpPr>
+      <p:sp>
+        <p:nvSpPr>
+          <p:cNvPr id="2" name="Title 1"/>
+          <p:cNvSpPr>
+            <a:spLocks noGrp="1"/>
+          </p:cNvSpPr>
+          <p:nvPr>
+            <p:ph type="title"/>
+          </p:nvPr>
+        </p:nvSpPr>
+        <p:spPr/>
+        <p:txBody>
+          <a:bodyPr/>
+          <a:lstStyle>
+            <a:lvl1pPr>
+              <a:defRPr/>
+            </a:lvl1pPr>
+          </a:lstStyle>
+          <a:p>
+            <a:r>
+              <a:rPr lang="sv-SE"/>
+              <a:t>Klicka här för att ändra mall för rubrikformat</a:t>
+            </a:r>
+            <a:endParaRPr lang="en-US" dirty="0"/>
+          </a:p>
+        </p:txBody>
+      </p:sp>
+      <p:sp>
+        <p:nvSpPr>
+          <p:cNvPr id="3" name="Text Placeholder 2"/>
+          <p:cNvSpPr>
+            <a:spLocks noGrp="1"/>
+          </p:cNvSpPr>
+          <p:nvPr>
+            <p:ph type="body" idx="1"/>
+          </p:nvPr>
+        </p:nvSpPr>
+        <p:spPr>
+          <a:xfrm>
+            <a:off x="1103313" y="1905000"/>
+            <a:ext cx="4396338" cy="576262"/>
+          </a:xfrm>
+        </p:spPr>
+        <p:txBody>
+          <a:bodyPr anchor="b">
+            <a:noAutofit/>
+          </a:bodyPr>
+          <a:lstStyle>
+            <a:lvl1pPr marL="0" indent="0">
+              <a:buNone/>
+              <a:defRPr sz="2400" b="0">
+                <a:solidFill>
+                  <a:schemeClr val="bg2">
+                    <a:lumMod val="40000"/>
+                    <a:lumOff val="60000"/>
+                  </a:schemeClr>
+                </a:solidFill>
+              </a:defRPr>
+            </a:lvl1pPr>
+            <a:lvl2pPr marL="457200" indent="0">
+              <a:buNone/>
+              <a:defRPr sz="2000" b="1"/>
+            </a:lvl2pPr>
+            <a:lvl3pPr marL="914400" indent="0">
+              <a:buNone/>
+              <a:defRPr sz="1800" b="1"/>
+            </a:lvl3pPr>
+            <a:lvl4pPr marL="1371600" indent="0">
+              <a:buNone/>
+              <a:defRPr sz="1600" b="1"/>
+            </a:lvl4pPr>
+            <a:lvl5pPr marL="1828800" indent="0">
+              <a:buNone/>
+              <a:defRPr sz="1600" b="1"/>
+            </a:lvl5pPr>
+            <a:lvl6pPr marL="2286000" indent="0">
+              <a:buNone/>
+              <a:defRPr sz="1600" b="1"/>
+            </a:lvl6pPr>
+            <a:lvl7pPr marL="2743200" indent="0">
+              <a:buNone/>
+              <a:defRPr sz="1600" b="1"/>
+            </a:lvl7pPr>
+            <a:lvl8pPr marL="3200400" indent="0">
+              <a:buNone/>
+              <a:defRPr sz="1600" b="1"/>
+            </a:lvl8pPr>
+            <a:lvl9pPr marL="3657600" indent="0">
+              <a:buNone/>
+              <a:defRPr sz="1600" b="1"/>
+            </a:lvl9pPr>
+          </a:lstStyle>
+          <a:p>
+            <a:pPr lvl="0"/>
+            <a:r>
+              <a:rPr lang="sv-SE"/>
+              <a:t>Klicka här för att ändra format på bakgrundstexten</a:t>
+            </a:r>
+          </a:p>
+        </p:txBody>
+      </p:sp>
+      <p:sp>
+        <p:nvSpPr>
+          <p:cNvPr id="4" name="Content Placeholder 3"/>
+          <p:cNvSpPr>
+            <a:spLocks noGrp="1"/>
+          </p:cNvSpPr>
+          <p:nvPr>
+            <p:ph sz="half" idx="2"/>
+          </p:nvPr>
+        </p:nvSpPr>
+        <p:spPr>
+          <a:xfrm>
+            <a:off x="1103312" y="2514600"/>
+            <a:ext cx="4396339" cy="3741738"/>
+          </a:xfrm>
+        </p:spPr>
+        <p:txBody>
+          <a:bodyPr>
+            <a:normAutofit/>
+          </a:bodyPr>
+          <a:lstStyle>
+            <a:lvl1pPr>
+              <a:defRPr sz="1800"/>
+            </a:lvl1pPr>
+            <a:lvl2pPr>
+              <a:defRPr sz="1600"/>
+            </a:lvl2pPr>
+            <a:lvl3pPr>
+              <a:defRPr sz="1400"/>
+            </a:lvl3pPr>
+            <a:lvl4pPr>
+              <a:defRPr sz="1200"/>
+            </a:lvl4pPr>
+            <a:lvl5pPr>
+              <a:defRPr sz="1200"/>
+            </a:lvl5pPr>
+            <a:lvl6pPr>
+              <a:defRPr sz="1200"/>
+            </a:lvl6pPr>
+            <a:lvl7pPr>
+              <a:defRPr sz="1200"/>
+            </a:lvl7pPr>
+            <a:lvl8pPr>
+              <a:defRPr sz="1200"/>
+            </a:lvl8pPr>
+            <a:lvl9pPr>
+              <a:defRPr sz="1200"/>
+            </a:lvl9pPr>
+          </a:lstStyle>
+          <a:p>
+            <a:pPr lvl="0"/>
+            <a:r>
+              <a:rPr lang="sv-SE"/>
+              <a:t>Klicka här för att ändra format på bakgrundstexten</a:t>
+            </a:r>
+          </a:p>
+          <a:p>
+            <a:pPr lvl="1"/>
+            <a:r>
+              <a:rPr lang="sv-SE"/>
+              <a:t>Nivå två</a:t>
+            </a:r>
+          </a:p>
+          <a:p>
+            <a:pPr lvl="2"/>
+            <a:r>
+              <a:rPr lang="sv-SE"/>
+              <a:t>Nivå tre</a:t>
+            </a:r>
+          </a:p>
+          <a:p>
+            <a:pPr lvl="3"/>
+            <a:r>
+              <a:rPr lang="sv-SE"/>
+              <a:t>Nivå fyra</a:t>
+            </a:r>
+          </a:p>
+          <a:p>
+            <a:pPr lvl="4"/>
+            <a:r>
+              <a:rPr lang="sv-SE"/>
+              <a:t>Nivå fem</a:t>
+            </a:r>
+            <a:endParaRPr lang="en-US" dirty="0"/>
+          </a:p>
+        </p:txBody>
+      </p:sp>
+      <p:sp>
+        <p:nvSpPr>
+          <p:cNvPr id="5" name="Text Placeholder 4"/>
+          <p:cNvSpPr>
+            <a:spLocks noGrp="1"/>
+          </p:cNvSpPr>
+          <p:nvPr>
+            <p:ph type="body" sz="quarter" idx="3"/>
+          </p:nvPr>
+        </p:nvSpPr>
+        <p:spPr>
+          <a:xfrm>
+            <a:off x="5654495" y="1905000"/>
+            <a:ext cx="4396339" cy="576262"/>
+          </a:xfrm>
+        </p:spPr>
+        <p:txBody>
+          <a:bodyPr anchor="b">
+            <a:noAutofit/>
+          </a:bodyPr>
+          <a:lstStyle>
+            <a:lvl1pPr marL="0" indent="0">
+              <a:buNone/>
+              <a:defRPr sz="2400" b="0">
+                <a:solidFill>
+                  <a:schemeClr val="bg2">
+                    <a:lumMod val="40000"/>
+                    <a:lumOff val="60000"/>
+                  </a:schemeClr>
+                </a:solidFill>
+              </a:defRPr>
+            </a:lvl1pPr>
+            <a:lvl2pPr marL="457200" indent="0">
+              <a:buNone/>
+              <a:defRPr sz="2000" b="1"/>
+            </a:lvl2pPr>
+            <a:lvl3pPr marL="914400" indent="0">
+              <a:buNone/>
+              <a:defRPr sz="1800" b="1"/>
+            </a:lvl3pPr>
+            <a:lvl4pPr marL="1371600" indent="0">
+              <a:buNone/>
+              <a:defRPr sz="1600" b="1"/>
+            </a:lvl4pPr>
+            <a:lvl5pPr marL="1828800" indent="0">
+              <a:buNone/>
+              <a:defRPr sz="1600" b="1"/>
+            </a:lvl5pPr>
+            <a:lvl6pPr marL="2286000" indent="0">
+              <a:buNone/>
+              <a:defRPr sz="1600" b="1"/>
+            </a:lvl6pPr>
+            <a:lvl7pPr marL="2743200" indent="0">
+              <a:buNone/>
+              <a:defRPr sz="1600" b="1"/>
+            </a:lvl7pPr>
+            <a:lvl8pPr marL="3200400" indent="0">
+              <a:buNone/>
+              <a:defRPr sz="1600" b="1"/>
+            </a:lvl8pPr>
+            <a:lvl9pPr marL="3657600" indent="0">
+              <a:buNone/>
+              <a:defRPr sz="1600" b="1"/>
+            </a:lvl9pPr>
+          </a:lstStyle>
+          <a:p>
+            <a:pPr lvl="0"/>
+            <a:r>
+              <a:rPr lang="sv-SE"/>
+              <a:t>Klicka här för att ändra format på bakgrundstexten</a:t>
+            </a:r>
+          </a:p>
+        </p:txBody>
+      </p:sp>
+      <p:sp>
+        <p:nvSpPr>
+          <p:cNvPr id="6" name="Content Placeholder 5"/>
+          <p:cNvSpPr>
+            <a:spLocks noGrp="1"/>
+          </p:cNvSpPr>
+          <p:nvPr>
+            <p:ph sz="quarter" idx="4"/>
+          </p:nvPr>
+        </p:nvSpPr>
+        <p:spPr>
+          <a:xfrm>
+            <a:off x="5654495" y="2514600"/>
+            <a:ext cx="4396339" cy="3741738"/>
+          </a:xfrm>
+        </p:spPr>
+        <p:txBody>
+          <a:bodyPr>
+            <a:normAutofit/>
+          </a:bodyPr>
+          <a:lstStyle>
+            <a:lvl1pPr>
+              <a:defRPr sz="1800"/>
+            </a:lvl1pPr>
+            <a:lvl2pPr>
+              <a:defRPr sz="1600"/>
+            </a:lvl2pPr>
+            <a:lvl3pPr>
+              <a:defRPr sz="1400"/>
+            </a:lvl3pPr>
+            <a:lvl4pPr>
+              <a:defRPr sz="1200"/>
+            </a:lvl4pPr>
+            <a:lvl5pPr>
+              <a:defRPr sz="1200"/>
+            </a:lvl5pPr>
+            <a:lvl6pPr>
+              <a:defRPr sz="1200"/>
+            </a:lvl6pPr>
+            <a:lvl7pPr>
+              <a:defRPr sz="1200"/>
+            </a:lvl7pPr>
+            <a:lvl8pPr>
+              <a:defRPr sz="1200"/>
+            </a:lvl8pPr>
+            <a:lvl9pPr>
+              <a:defRPr sz="1200"/>
+            </a:lvl9pPr>
+          </a:lstStyle>
+          <a:p>
+            <a:pPr lvl="0"/>
+            <a:r>
+              <a:rPr lang="sv-SE"/>
+              <a:t>Klicka här för att ändra format på bakgrundstexten</a:t>
+            </a:r>
+          </a:p>
+          <a:p>
+            <a:pPr lvl="1"/>
+            <a:r>
+              <a:rPr lang="sv-SE"/>
+              <a:t>Nivå två</a:t>
+            </a:r>
+          </a:p>
+          <a:p>
+            <a:pPr lvl="2"/>
+            <a:r>
+              <a:rPr lang="sv-SE"/>
+              <a:t>Nivå tre</a:t>
+            </a:r>
+          </a:p>
+          <a:p>
+            <a:pPr lvl="3"/>
+            <a:r>
+              <a:rPr lang="sv-SE"/>
+              <a:t>Nivå fyra</a:t>
+            </a:r>
+          </a:p>
+          <a:p>
+            <a:pPr lvl="4"/>
+            <a:r>
+              <a:rPr lang="sv-SE"/>
+              <a:t>Nivå fem</a:t>
+            </a:r>
+            <a:endParaRPr lang="en-US" dirty="0"/>
+          </a:p>
+        </p:txBody>
+      </p:sp>
+      <p:sp>
+        <p:nvSpPr>
+          <p:cNvPr id="7" name="Date Placeholder 6"/>
+          <p:cNvSpPr>
+            <a:spLocks noGrp="1"/>
+          </p:cNvSpPr>
+          <p:nvPr>
+            <p:ph type="dt" sz="half" idx="10"/>
+          </p:nvPr>
+        </p:nvSpPr>
+        <p:spPr/>
+        <p:txBody>
+          <a:bodyPr/>
+          <a:lstStyle/>
+          <a:p>
+            <a:fld id="{8E64B585-400C-455D-9535-796762DC7C0E}" type="datetimeFigureOut">
+              <a:rPr lang="sv-SE" smtClean="0"/>
+              <a:t>2023-09-12</a:t>
+            </a:fld>
+            <a:endParaRPr lang="sv-SE"/>
+          </a:p>
+        </p:txBody>
+      </p:sp>
+      <p:sp>
+        <p:nvSpPr>
+          <p:cNvPr id="8" name="Footer Placeholder 7"/>
+          <p:cNvSpPr>
+            <a:spLocks noGrp="1"/>
+          </p:cNvSpPr>
+          <p:nvPr>
+            <p:ph type="ftr" sz="quarter" idx="11"/>
+          </p:nvPr>
+        </p:nvSpPr>
+        <p:spPr/>
+        <p:txBody>
+          <a:bodyPr/>
+          <a:lstStyle/>
+          <a:p>
+            <a:endParaRPr lang="sv-SE"/>
+          </a:p>
+        </p:txBody>
+      </p:sp>
+      <p:sp>
+        <p:nvSpPr>
+          <p:cNvPr id="9" name="Slide Number Placeholder 8"/>
+          <p:cNvSpPr>
+            <a:spLocks noGrp="1"/>
+          </p:cNvSpPr>
+          <p:nvPr>
+            <p:ph type="sldNum" sz="quarter" idx="12"/>
+          </p:nvPr>
+        </p:nvSpPr>
+        <p:spPr/>
+        <p:txBody>
+          <a:bodyPr/>
+          <a:lstStyle/>
+          <a:p>
+            <a:fld id="{22C4CE5C-CCC0-475B-9558-DCCA4F9D3FE5}" type="slidenum">
+              <a:rPr lang="sv-SE" smtClean="0"/>
+              <a:t>‹#›</a:t>
+            </a:fld>
+            <a:endParaRPr lang="sv-SE"/>
+          </a:p>
+        </p:txBody>
+      </p:sp>
+    </p:spTree>
+    <p:extLst>
+      <p:ext uri="{BB962C8B-B14F-4D97-AF65-F5344CB8AC3E}">
+        <p14:creationId xmlns:p14="http://schemas.microsoft.com/office/powerpoint/2010/main" val="4242044086"/>
+      </p:ext>
+    </p:extLst>
+  </p:cSld>
+  <p:clrMapOvr>
+    <a:masterClrMapping/>
+  </p:clrMapOvr>
+</p:sldLayout>
+</file>
+
+<file path=ppt/slideLayouts/slideLayout6.xml><?xml version="1.0" encoding="utf-8"?>
+<p:sldLayout xmlns:a="http://schemas.openxmlformats.org/drawingml/2006/main" xmlns:r="http://schemas.openxmlformats.org/officeDocument/2006/relationships" xmlns:p="http://schemas.openxmlformats.org/presentationml/2006/main" type="titleOnly" preserve="1">
+  <p:cSld name="Endast rubrik">
+    <p:spTree>
+      <p:nvGrpSpPr>
+        <p:cNvPr id="1" name=""/>
+        <p:cNvGrpSpPr/>
+        <p:nvPr/>
+      </p:nvGrpSpPr>
+      <p:grpSpPr>
+        <a:xfrm>
+          <a:off x="0" y="0"/>
+          <a:ext cx="0" cy="0"/>
+          <a:chOff x="0" y="0"/>
+          <a:chExt cx="0" cy="0"/>
+        </a:xfrm>
+      </p:grpSpPr>
+      <p:sp>
+        <p:nvSpPr>
+          <p:cNvPr id="2" name="Title 1"/>
+          <p:cNvSpPr>
+            <a:spLocks noGrp="1"/>
+          </p:cNvSpPr>
+          <p:nvPr>
+            <p:ph type="title"/>
+          </p:nvPr>
+        </p:nvSpPr>
+        <p:spPr/>
+        <p:txBody>
+          <a:bodyPr/>
+          <a:lstStyle/>
+          <a:p>
+            <a:r>
+              <a:rPr lang="sv-SE"/>
+              <a:t>Klicka här för att ändra mall för rubrikformat</a:t>
+            </a:r>
+            <a:endParaRPr lang="en-US" dirty="0"/>
+          </a:p>
+        </p:txBody>
+      </p:sp>
+      <p:sp>
+        <p:nvSpPr>
+          <p:cNvPr id="7" name="Date Placeholder 2"/>
+          <p:cNvSpPr>
+            <a:spLocks noGrp="1"/>
+          </p:cNvSpPr>
+          <p:nvPr>
+            <p:ph type="dt" sz="half" idx="10"/>
+          </p:nvPr>
+        </p:nvSpPr>
+        <p:spPr/>
+        <p:txBody>
+          <a:bodyPr/>
+          <a:lstStyle/>
+          <a:p>
+            <a:fld id="{8E64B585-400C-455D-9535-796762DC7C0E}" type="datetimeFigureOut">
+              <a:rPr lang="sv-SE" smtClean="0"/>
+              <a:t>2023-09-12</a:t>
+            </a:fld>
+            <a:endParaRPr lang="sv-SE"/>
+          </a:p>
+        </p:txBody>
+      </p:sp>
+      <p:sp>
+        <p:nvSpPr>
+          <p:cNvPr id="5" name="Footer Placeholder 3"/>
+          <p:cNvSpPr>
+            <a:spLocks noGrp="1"/>
+          </p:cNvSpPr>
+          <p:nvPr>
+            <p:ph type="ftr" sz="quarter" idx="11"/>
+          </p:nvPr>
+        </p:nvSpPr>
+        <p:spPr/>
+        <p:txBody>
+          <a:bodyPr/>
+          <a:lstStyle/>
+          <a:p>
+            <a:endParaRPr lang="sv-SE"/>
+          </a:p>
+        </p:txBody>
+      </p:sp>
+      <p:sp>
+        <p:nvSpPr>
+          <p:cNvPr id="6" name="Slide Number Placeholder 4"/>
+          <p:cNvSpPr>
+            <a:spLocks noGrp="1"/>
+          </p:cNvSpPr>
+          <p:nvPr>
+            <p:ph type="sldNum" sz="quarter" idx="12"/>
+          </p:nvPr>
+        </p:nvSpPr>
+        <p:spPr/>
+        <p:txBody>
+          <a:bodyPr/>
+          <a:lstStyle/>
+          <a:p>
+            <a:fld id="{22C4CE5C-CCC0-475B-9558-DCCA4F9D3FE5}" type="slidenum">
+              <a:rPr lang="sv-SE" smtClean="0"/>
+              <a:t>‹#›</a:t>
+            </a:fld>
+            <a:endParaRPr lang="sv-SE"/>
+          </a:p>
+        </p:txBody>
+      </p:sp>
+    </p:spTree>
+    <p:extLst>
+      <p:ext uri="{BB962C8B-B14F-4D97-AF65-F5344CB8AC3E}">
+        <p14:creationId xmlns:p14="http://schemas.microsoft.com/office/powerpoint/2010/main" val="542248700"/>
+      </p:ext>
+    </p:extLst>
+  </p:cSld>
+  <p:clrMapOvr>
+    <a:masterClrMapping/>
+  </p:clrMapOvr>
+</p:sldLayout>
+</file>
+
+<file path=ppt/slideLayouts/slideLayout7.xml><?xml version="1.0" encoding="utf-8"?>
+<p:sldLayout xmlns:a="http://schemas.openxmlformats.org/drawingml/2006/main" xmlns:r="http://schemas.openxmlformats.org/officeDocument/2006/relationships" xmlns:p="http://schemas.openxmlformats.org/presentationml/2006/main" type="blank" preserve="1">
+  <p:cSld name="Tom">
+    <p:spTree>
+      <p:nvGrpSpPr>
+        <p:cNvPr id="1" name=""/>
+        <p:cNvGrpSpPr/>
+        <p:nvPr/>
+      </p:nvGrpSpPr>
+      <p:grpSpPr>
+        <a:xfrm>
+          <a:off x="0" y="0"/>
+          <a:ext cx="0" cy="0"/>
+          <a:chOff x="0" y="0"/>
+          <a:chExt cx="0" cy="0"/>
+        </a:xfrm>
+      </p:grpSpPr>
+      <p:sp>
+        <p:nvSpPr>
+          <p:cNvPr id="7" name="Date Placeholder 1"/>
+          <p:cNvSpPr>
+            <a:spLocks noGrp="1"/>
+          </p:cNvSpPr>
+          <p:nvPr>
+            <p:ph type="dt" sz="half" idx="10"/>
+          </p:nvPr>
+        </p:nvSpPr>
+        <p:spPr/>
+        <p:txBody>
+          <a:bodyPr/>
+          <a:lstStyle/>
+          <a:p>
+            <a:fld id="{8E64B585-400C-455D-9535-796762DC7C0E}" type="datetimeFigureOut">
+              <a:rPr lang="sv-SE" smtClean="0"/>
+              <a:t>2023-09-12</a:t>
+            </a:fld>
+            <a:endParaRPr lang="sv-SE"/>
+          </a:p>
+        </p:txBody>
+      </p:sp>
+      <p:sp>
+        <p:nvSpPr>
+          <p:cNvPr id="5" name="Footer Placeholder 2"/>
+          <p:cNvSpPr>
+            <a:spLocks noGrp="1"/>
+          </p:cNvSpPr>
+          <p:nvPr>
+            <p:ph type="ftr" sz="quarter" idx="11"/>
+          </p:nvPr>
+        </p:nvSpPr>
+        <p:spPr/>
+        <p:txBody>
+          <a:bodyPr/>
+          <a:lstStyle/>
+          <a:p>
+            <a:endParaRPr lang="sv-SE"/>
+          </a:p>
+        </p:txBody>
+      </p:sp>
+      <p:sp>
+        <p:nvSpPr>
+          <p:cNvPr id="6" name="Slide Number Placeholder 3"/>
+          <p:cNvSpPr>
+            <a:spLocks noGrp="1"/>
+          </p:cNvSpPr>
+          <p:nvPr>
+            <p:ph type="sldNum" sz="quarter" idx="12"/>
+          </p:nvPr>
+        </p:nvSpPr>
+        <p:spPr/>
+        <p:txBody>
+          <a:bodyPr/>
+          <a:lstStyle/>
+          <a:p>
+            <a:fld id="{22C4CE5C-CCC0-475B-9558-DCCA4F9D3FE5}" type="slidenum">
+              <a:rPr lang="sv-SE" smtClean="0"/>
+              <a:t>‹#›</a:t>
+            </a:fld>
+            <a:endParaRPr lang="sv-SE"/>
+          </a:p>
+        </p:txBody>
+      </p:sp>
+    </p:spTree>
+    <p:extLst>
+      <p:ext uri="{BB962C8B-B14F-4D97-AF65-F5344CB8AC3E}">
+        <p14:creationId xmlns:p14="http://schemas.microsoft.com/office/powerpoint/2010/main" val="2461931973"/>
+      </p:ext>
+    </p:extLst>
+  </p:cSld>
+  <p:clrMapOvr>
+    <a:masterClrMapping/>
+  </p:clrMapOvr>
+</p:sldLayout>
+</file>
+
+<file path=ppt/slideLayouts/slideLayout8.xml><?xml version="1.0" encoding="utf-8"?>
+<p:sldLayout xmlns:a="http://schemas.openxmlformats.org/drawingml/2006/main" xmlns:r="http://schemas.openxmlformats.org/officeDocument/2006/relationships" xmlns:p="http://schemas.openxmlformats.org/presentationml/2006/main" type="objTx" preserve="1">
+  <p:cSld name="Text med bildtext">
+    <p:spTree>
+      <p:nvGrpSpPr>
+        <p:cNvPr id="1" name=""/>
+        <p:cNvGrpSpPr/>
+        <p:nvPr/>
+      </p:nvGrpSpPr>
+      <p:grpSpPr>
+        <a:xfrm>
+          <a:off x="0" y="0"/>
+          <a:ext cx="0" cy="0"/>
+          <a:chOff x="0" y="0"/>
+          <a:chExt cx="0" cy="0"/>
+        </a:xfrm>
+      </p:grpSpPr>
+      <p:sp>
+        <p:nvSpPr>
+          <p:cNvPr id="2" name="Title 1"/>
+          <p:cNvSpPr>
+            <a:spLocks noGrp="1"/>
+          </p:cNvSpPr>
+          <p:nvPr>
+            <p:ph type="title"/>
+          </p:nvPr>
+        </p:nvSpPr>
+        <p:spPr>
+          <a:xfrm>
+            <a:off x="1154953" y="1447800"/>
+            <a:ext cx="3401064" cy="1447800"/>
+          </a:xfrm>
+        </p:spPr>
+        <p:txBody>
+          <a:bodyPr anchor="b"/>
+          <a:lstStyle>
+            <a:lvl1pPr algn="l">
+              <a:defRPr sz="2400" b="0"/>
+            </a:lvl1pPr>
+          </a:lstStyle>
+          <a:p>
+            <a:r>
+              <a:rPr lang="sv-SE"/>
+              <a:t>Klicka här för att ändra mall för rubrikformat</a:t>
+            </a:r>
+            <a:endParaRPr lang="en-US" dirty="0"/>
+          </a:p>
+        </p:txBody>
+      </p:sp>
+      <p:sp>
+        <p:nvSpPr>
+          <p:cNvPr id="3" name="Content Placeholder 2"/>
+          <p:cNvSpPr>
+            <a:spLocks noGrp="1"/>
+          </p:cNvSpPr>
+          <p:nvPr>
+            <p:ph idx="1"/>
+          </p:nvPr>
+        </p:nvSpPr>
+        <p:spPr>
+          <a:xfrm>
+            <a:off x="4784616" y="1447800"/>
+            <a:ext cx="5195997" cy="4572000"/>
+          </a:xfrm>
+        </p:spPr>
+        <p:txBody>
+          <a:bodyPr anchor="ctr">
+            <a:normAutofit/>
+          </a:bodyPr>
+          <a:lstStyle>
+            <a:lvl1pPr>
+              <a:defRPr sz="2000"/>
+            </a:lvl1pPr>
+            <a:lvl2pPr>
+              <a:defRPr sz="1800"/>
+            </a:lvl2pPr>
+            <a:lvl3pPr>
+              <a:defRPr sz="1600"/>
+            </a:lvl3pPr>
+            <a:lvl4pPr>
+              <a:defRPr sz="1400"/>
+            </a:lvl4pPr>
+            <a:lvl5pPr>
+              <a:defRPr sz="1400"/>
+            </a:lvl5pPr>
+            <a:lvl6pPr>
+              <a:defRPr sz="1400"/>
+            </a:lvl6pPr>
+            <a:lvl7pPr>
+              <a:defRPr sz="1400"/>
+            </a:lvl7pPr>
+            <a:lvl8pPr>
+              <a:defRPr sz="1400"/>
+            </a:lvl8pPr>
+            <a:lvl9pPr>
+              <a:defRPr sz="1400"/>
+            </a:lvl9pPr>
+          </a:lstStyle>
+          <a:p>
+            <a:pPr lvl="0"/>
+            <a:r>
+              <a:rPr lang="sv-SE"/>
+              <a:t>Klicka här för att ändra format på bakgrundstexten</a:t>
+            </a:r>
+          </a:p>
+          <a:p>
+            <a:pPr lvl="1"/>
+            <a:r>
+              <a:rPr lang="sv-SE"/>
+              <a:t>Nivå två</a:t>
+            </a:r>
+          </a:p>
+          <a:p>
+            <a:pPr lvl="2"/>
+            <a:r>
+              <a:rPr lang="sv-SE"/>
+              <a:t>Nivå tre</a:t>
+            </a:r>
+          </a:p>
+          <a:p>
+            <a:pPr lvl="3"/>
+            <a:r>
+              <a:rPr lang="sv-SE"/>
+              <a:t>Nivå fyra</a:t>
+            </a:r>
+          </a:p>
+          <a:p>
+            <a:pPr lvl="4"/>
+            <a:r>
+              <a:rPr lang="sv-SE"/>
+              <a:t>Nivå fem</a:t>
+            </a:r>
+            <a:endParaRPr lang="en-US" dirty="0"/>
+          </a:p>
+        </p:txBody>
+      </p:sp>
+      <p:sp>
+        <p:nvSpPr>
+          <p:cNvPr id="4" name="Text Placeholder 3"/>
+          <p:cNvSpPr>
+            <a:spLocks noGrp="1"/>
+          </p:cNvSpPr>
+          <p:nvPr>
+            <p:ph type="body" sz="half" idx="2"/>
+          </p:nvPr>
+        </p:nvSpPr>
+        <p:spPr>
+          <a:xfrm>
+            <a:off x="1154953" y="3129280"/>
+            <a:ext cx="3401063" cy="2895599"/>
+          </a:xfrm>
+        </p:spPr>
+        <p:txBody>
+          <a:bodyPr/>
+          <a:lstStyle>
+            <a:lvl1pPr marL="0" indent="0">
+              <a:buNone/>
+              <a:defRPr sz="1400"/>
+            </a:lvl1pPr>
+            <a:lvl2pPr marL="457200" indent="0">
+              <a:buNone/>
+              <a:defRPr sz="1200"/>
+            </a:lvl2pPr>
+            <a:lvl3pPr marL="914400" indent="0">
+              <a:buNone/>
+              <a:defRPr sz="1000"/>
+            </a:lvl3pPr>
+            <a:lvl4pPr marL="1371600" indent="0">
+              <a:buNone/>
+              <a:defRPr sz="900"/>
+            </a:lvl4pPr>
+            <a:lvl5pPr marL="1828800" indent="0">
+              <a:buNone/>
+              <a:defRPr sz="900"/>
+            </a:lvl5pPr>
+            <a:lvl6pPr marL="2286000" indent="0">
+              <a:buNone/>
+              <a:defRPr sz="900"/>
+            </a:lvl6pPr>
+            <a:lvl7pPr marL="2743200" indent="0">
+              <a:buNone/>
+              <a:defRPr sz="900"/>
+            </a:lvl7pPr>
+            <a:lvl8pPr marL="3200400" indent="0">
+              <a:buNone/>
+              <a:defRPr sz="900"/>
+            </a:lvl8pPr>
+            <a:lvl9pPr marL="3657600" indent="0">
+              <a:buNone/>
+              <a:defRPr sz="900"/>
+            </a:lvl9pPr>
+          </a:lstStyle>
+          <a:p>
+            <a:pPr lvl="0"/>
+            <a:r>
+              <a:rPr lang="sv-SE"/>
+              <a:t>Klicka här för att ändra format på bakgrundstexten</a:t>
+            </a:r>
+          </a:p>
+        </p:txBody>
+      </p:sp>
+      <p:sp>
+        <p:nvSpPr>
+          <p:cNvPr id="7" name="Date Placeholder 4"/>
+          <p:cNvSpPr>
+            <a:spLocks noGrp="1"/>
+          </p:cNvSpPr>
+          <p:nvPr>
+            <p:ph type="dt" sz="half" idx="10"/>
+          </p:nvPr>
+        </p:nvSpPr>
+        <p:spPr/>
+        <p:txBody>
+          <a:bodyPr/>
+          <a:lstStyle/>
+          <a:p>
+            <a:fld id="{8E64B585-400C-455D-9535-796762DC7C0E}" type="datetimeFigureOut">
+              <a:rPr lang="sv-SE" smtClean="0"/>
+              <a:t>2023-09-12</a:t>
+            </a:fld>
+            <a:endParaRPr lang="sv-SE"/>
+          </a:p>
+        </p:txBody>
+      </p:sp>
+      <p:sp>
+        <p:nvSpPr>
+          <p:cNvPr id="5" name="Footer Placeholder 5"/>
+          <p:cNvSpPr>
+            <a:spLocks noGrp="1"/>
+          </p:cNvSpPr>
+          <p:nvPr>
+            <p:ph type="ftr" sz="quarter" idx="11"/>
+          </p:nvPr>
+        </p:nvSpPr>
+        <p:spPr/>
+        <p:txBody>
+          <a:bodyPr/>
+          <a:lstStyle/>
+          <a:p>
+            <a:endParaRPr lang="sv-SE"/>
+          </a:p>
+        </p:txBody>
+      </p:sp>
+      <p:sp>
+        <p:nvSpPr>
+          <p:cNvPr id="6" name="Slide Number Placeholder 6"/>
+          <p:cNvSpPr>
+            <a:spLocks noGrp="1"/>
+          </p:cNvSpPr>
+          <p:nvPr>
+            <p:ph type="sldNum" sz="quarter" idx="12"/>
+          </p:nvPr>
+        </p:nvSpPr>
+        <p:spPr/>
+        <p:txBody>
+          <a:bodyPr/>
+          <a:lstStyle/>
+          <a:p>
+            <a:fld id="{22C4CE5C-CCC0-475B-9558-DCCA4F9D3FE5}" type="slidenum">
+              <a:rPr lang="sv-SE" smtClean="0"/>
+              <a:t>‹#›</a:t>
+            </a:fld>
+            <a:endParaRPr lang="sv-SE"/>
+          </a:p>
+        </p:txBody>
+      </p:sp>
+    </p:spTree>
+    <p:extLst>
+      <p:ext uri="{BB962C8B-B14F-4D97-AF65-F5344CB8AC3E}">
+        <p14:creationId xmlns:p14="http://schemas.microsoft.com/office/powerpoint/2010/main" val="256214516"/>
+      </p:ext>
+    </p:extLst>
+  </p:cSld>
+  <p:clrMapOvr>
+    <a:masterClrMapping/>
+  </p:clrMapOvr>
+</p:sldLayout>
+</file>
+
+<file path=ppt/slideLayouts/slideLayout9.xml><?xml version="1.0" encoding="utf-8"?>
+<p:sldLayout xmlns:a="http://schemas.openxmlformats.org/drawingml/2006/main" xmlns:r="http://schemas.openxmlformats.org/officeDocument/2006/relationships" xmlns:p="http://schemas.openxmlformats.org/presentationml/2006/main" type="picTx" preserve="1">
+  <p:cSld name="Bild med bildtext">
+    <p:spTree>
+      <p:nvGrpSpPr>
+        <p:cNvPr id="1" name=""/>
+        <p:cNvGrpSpPr/>
+        <p:nvPr/>
+      </p:nvGrpSpPr>
+      <p:grpSpPr>
+        <a:xfrm>
+          <a:off x="0" y="0"/>
+          <a:ext cx="0" cy="0"/>
+          <a:chOff x="0" y="0"/>
+          <a:chExt cx="0" cy="0"/>
+        </a:xfrm>
+      </p:grpSpPr>
+      <p:sp>
+        <p:nvSpPr>
+          <p:cNvPr id="2" name="Title 1"/>
+          <p:cNvSpPr>
+            <a:spLocks noGrp="1"/>
+          </p:cNvSpPr>
+          <p:nvPr>
+            <p:ph type="title"/>
+          </p:nvPr>
+        </p:nvSpPr>
+        <p:spPr>
+          <a:xfrm>
+            <a:off x="1153907" y="1854192"/>
+            <a:ext cx="5092906" cy="1574808"/>
+          </a:xfrm>
+        </p:spPr>
+        <p:txBody>
+          <a:bodyPr anchor="b">
+            <a:normAutofit/>
+          </a:bodyPr>
+          <a:lstStyle>
+            <a:lvl1pPr algn="l">
+              <a:defRPr sz="3600" b="0"/>
+            </a:lvl1pPr>
+          </a:lstStyle>
+          <a:p>
+            <a:r>
+              <a:rPr lang="sv-SE"/>
+              <a:t>Klicka här för att ändra mall för rubrikformat</a:t>
+            </a:r>
+            <a:endParaRPr lang="en-US" dirty="0"/>
+          </a:p>
+        </p:txBody>
+      </p:sp>
+      <p:sp>
+        <p:nvSpPr>
+          <p:cNvPr id="3" name="Picture Placeholder 2"/>
+          <p:cNvSpPr>
+            <a:spLocks noGrp="1" noChangeAspect="1"/>
+          </p:cNvSpPr>
+          <p:nvPr>
+            <p:ph type="pic" idx="1"/>
+          </p:nvPr>
+        </p:nvSpPr>
+        <p:spPr>
+          <a:xfrm>
+            <a:off x="6949546" y="1143000"/>
+            <a:ext cx="3200400" cy="4572000"/>
+          </a:xfrm>
+          <a:prstGeom prst="roundRect">
+            <a:avLst>
+              <a:gd name="adj" fmla="val 1858"/>
+            </a:avLst>
+          </a:prstGeom>
+          <a:effectLst>
+            <a:outerShdw blurRad="50800" dist="50800" dir="5400000" algn="tl" rotWithShape="0">
+              <a:srgbClr val="000000">
+                <a:alpha val="43000"/>
+              </a:srgbClr>
+            </a:outerShdw>
+          </a:effectLst>
+        </p:spPr>
+        <p:txBody>
+          <a:bodyPr anchor="t">
+            <a:normAutofit/>
+          </a:bodyPr>
+          <a:lstStyle>
+            <a:lvl1pPr marL="0" indent="0" algn="ctr">
+              <a:buNone/>
+              <a:defRPr sz="1600"/>
+            </a:lvl1pPr>
+            <a:lvl2pPr marL="457200" indent="0">
+              <a:buNone/>
+              <a:defRPr sz="1600"/>
+            </a:lvl2pPr>
+            <a:lvl3pPr marL="914400" indent="0">
+              <a:buNone/>
+              <a:defRPr sz="1600"/>
+            </a:lvl3pPr>
+            <a:lvl4pPr marL="1371600" indent="0">
+              <a:buNone/>
+              <a:defRPr sz="1600"/>
+            </a:lvl4pPr>
+            <a:lvl5pPr marL="1828800" indent="0">
+              <a:buNone/>
+              <a:defRPr sz="1600"/>
+            </a:lvl5pPr>
+            <a:lvl6pPr marL="2286000" indent="0">
+              <a:buNone/>
+              <a:defRPr sz="1600"/>
+            </a:lvl6pPr>
+            <a:lvl7pPr marL="2743200" indent="0">
+              <a:buNone/>
+              <a:defRPr sz="1600"/>
+            </a:lvl7pPr>
+            <a:lvl8pPr marL="3200400" indent="0">
+              <a:buNone/>
+              <a:defRPr sz="1600"/>
+            </a:lvl8pPr>
+            <a:lvl9pPr marL="3657600" indent="0">
+              <a:buNone/>
+              <a:defRPr sz="1600"/>
+            </a:lvl9pPr>
+          </a:lstStyle>
+          <a:p>
+            <a:r>
+              <a:rPr lang="sv-SE"/>
+              <a:t>Klicka på ikonen för att lägga till en bild</a:t>
+            </a:r>
+            <a:endParaRPr lang="en-US" dirty="0"/>
+          </a:p>
+        </p:txBody>
+      </p:sp>
+      <p:sp>
+        <p:nvSpPr>
+          <p:cNvPr id="4" name="Text Placeholder 3"/>
+          <p:cNvSpPr>
+            <a:spLocks noGrp="1"/>
+          </p:cNvSpPr>
+          <p:nvPr>
+            <p:ph type="body" sz="half" idx="2"/>
+          </p:nvPr>
+        </p:nvSpPr>
+        <p:spPr>
+          <a:xfrm>
+            <a:off x="1154954" y="3657600"/>
+            <a:ext cx="5084979" cy="1371600"/>
+          </a:xfrm>
+        </p:spPr>
+        <p:txBody>
+          <a:bodyPr>
+            <a:normAutofit/>
+          </a:bodyPr>
+          <a:lstStyle>
+            <a:lvl1pPr marL="0" indent="0">
+              <a:buNone/>
+              <a:defRPr sz="1400"/>
+            </a:lvl1pPr>
+            <a:lvl2pPr marL="457200" indent="0">
+              <a:buNone/>
+              <a:defRPr sz="1200"/>
+            </a:lvl2pPr>
+            <a:lvl3pPr marL="914400" indent="0">
+              <a:buNone/>
+              <a:defRPr sz="1000"/>
+            </a:lvl3pPr>
+            <a:lvl4pPr marL="1371600" indent="0">
+              <a:buNone/>
+              <a:defRPr sz="900"/>
+            </a:lvl4pPr>
+            <a:lvl5pPr marL="1828800" indent="0">
+              <a:buNone/>
+              <a:defRPr sz="900"/>
+            </a:lvl5pPr>
+            <a:lvl6pPr marL="2286000" indent="0">
+              <a:buNone/>
+              <a:defRPr sz="900"/>
+            </a:lvl6pPr>
+            <a:lvl7pPr marL="2743200" indent="0">
+              <a:buNone/>
+              <a:defRPr sz="900"/>
+            </a:lvl7pPr>
+            <a:lvl8pPr marL="3200400" indent="0">
+              <a:buNone/>
+              <a:defRPr sz="900"/>
+            </a:lvl8pPr>
+            <a:lvl9pPr marL="3657600" indent="0">
+              <a:buNone/>
+              <a:defRPr sz="900"/>
+            </a:lvl9pPr>
+          </a:lstStyle>
+          <a:p>
+            <a:pPr lvl="0"/>
+            <a:r>
+              <a:rPr lang="sv-SE"/>
+              <a:t>Klicka här för att ändra format på bakgrundstexten</a:t>
+            </a:r>
+          </a:p>
+        </p:txBody>
+      </p:sp>
+      <p:sp>
+        <p:nvSpPr>
+          <p:cNvPr id="5" name="Date Placeholder 4"/>
+          <p:cNvSpPr>
+            <a:spLocks noGrp="1"/>
+          </p:cNvSpPr>
+          <p:nvPr>
+            <p:ph type="dt" sz="half" idx="10"/>
+          </p:nvPr>
+        </p:nvSpPr>
+        <p:spPr/>
+        <p:txBody>
+          <a:bodyPr/>
+          <a:lstStyle/>
+          <a:p>
+            <a:fld id="{8E64B585-400C-455D-9535-796762DC7C0E}" type="datetimeFigureOut">
+              <a:rPr lang="sv-SE" smtClean="0"/>
+              <a:t>2023-09-12</a:t>
+            </a:fld>
+            <a:endParaRPr lang="sv-SE"/>
+          </a:p>
+        </p:txBody>
+      </p:sp>
+      <p:sp>
+        <p:nvSpPr>
+          <p:cNvPr id="6" name="Footer Placeholder 5"/>
+          <p:cNvSpPr>
+            <a:spLocks noGrp="1"/>
+          </p:cNvSpPr>
+          <p:nvPr>
+            <p:ph type="ftr" sz="quarter" idx="11"/>
+          </p:nvPr>
+        </p:nvSpPr>
+        <p:spPr/>
+        <p:txBody>
+          <a:bodyPr/>
+          <a:lstStyle/>
+          <a:p>
+            <a:endParaRPr lang="sv-SE"/>
+          </a:p>
+        </p:txBody>
+      </p:sp>
+      <p:sp>
+        <p:nvSpPr>
+          <p:cNvPr id="7" name="Slide Number Placeholder 6"/>
+          <p:cNvSpPr>
+            <a:spLocks noGrp="1"/>
+          </p:cNvSpPr>
+          <p:nvPr>
+            <p:ph type="sldNum" sz="quarter" idx="12"/>
+          </p:nvPr>
+        </p:nvSpPr>
+        <p:spPr/>
+        <p:txBody>
+          <a:bodyPr/>
+          <a:lstStyle/>
+          <a:p>
+            <a:fld id="{22C4CE5C-CCC0-475B-9558-DCCA4F9D3FE5}" type="slidenum">
+              <a:rPr lang="sv-SE" smtClean="0"/>
+              <a:t>‹#›</a:t>
+            </a:fld>
+            <a:endParaRPr lang="sv-SE"/>
+          </a:p>
+        </p:txBody>
+      </p:sp>
+    </p:spTree>
+    <p:extLst>
+      <p:ext uri="{BB962C8B-B14F-4D97-AF65-F5344CB8AC3E}">
+        <p14:creationId xmlns:p14="http://schemas.microsoft.com/office/powerpoint/2010/main" val="1911944549"/>
       </p:ext>
     </p:extLst>
   </p:cSld>
@@ -2769,8 +5204,8 @@
 <p:sldMaster xmlns:a="http://schemas.openxmlformats.org/drawingml/2006/main" xmlns:r="http://schemas.openxmlformats.org/officeDocument/2006/relationships" xmlns:p="http://schemas.openxmlformats.org/presentationml/2006/main">
   <p:cSld>
     <p:bg>
-      <p:bgRef idx="1001">
-        <a:schemeClr val="bg1"/>
+      <p:bgRef idx="1003">
+        <a:schemeClr val="bg2"/>
       </p:bgRef>
     </p:bg>
     <p:spTree>
@@ -2787,143 +5222,420 @@
           <a:chExt cx="0" cy="0"/>
         </a:xfrm>
       </p:grpSpPr>
-      <p:sp>
-        <p:nvSpPr>
-          <p:cNvPr id="2" name="Title Placeholder 1">
+      <p:pic>
+        <p:nvPicPr>
+          <p:cNvPr id="8" name="Picture 7"/>
+          <p:cNvPicPr>
+            <a:picLocks noChangeAspect="1"/>
+          </p:cNvPicPr>
+          <p:nvPr/>
+        </p:nvPicPr>
+        <p:blipFill rotWithShape="1">
+          <a:blip r:embed="rId19">
             <a:extLst>
-              <a:ext uri="{FF2B5EF4-FFF2-40B4-BE49-F238E27FC236}">
-                <a16:creationId xmlns:a16="http://schemas.microsoft.com/office/drawing/2014/main" id="{9AFBD798-C983-2959-8854-C3ED1CE8A5D8}"/>
+              <a:ext uri="{28A0092B-C50C-407E-A947-70E740481C1C}">
+                <a14:useLocalDpi xmlns:a14="http://schemas.microsoft.com/office/drawing/2010/main" val="0"/>
               </a:ext>
             </a:extLst>
-          </p:cNvPr>
-          <p:cNvSpPr>
-            <a:spLocks noGrp="1"/>
-          </p:cNvSpPr>
-          <p:nvPr>
-            <p:ph type="title"/>
-          </p:nvPr>
-        </p:nvSpPr>
+          </a:blip>
+          <a:srcRect l="3613"/>
+          <a:stretch/>
+        </p:blipFill>
         <p:spPr>
           <a:xfrm>
-            <a:off x="838200" y="365125"/>
-            <a:ext cx="10515600" cy="1325563"/>
+            <a:off x="0" y="2669685"/>
+            <a:ext cx="4037012" cy="4188315"/>
           </a:xfrm>
           <a:prstGeom prst="rect">
             <a:avLst/>
           </a:prstGeom>
         </p:spPr>
-        <p:txBody>
-          <a:bodyPr vert="horz" lIns="91440" tIns="45720" rIns="91440" bIns="45720" rtlCol="0" anchor="ctr">
-            <a:normAutofit/>
-          </a:bodyPr>
-          <a:lstStyle/>
-          <a:p>
-            <a:r>
-              <a:rPr lang="en-US"/>
-              <a:t>Click to edit Master title style</a:t>
-            </a:r>
-            <a:endParaRPr lang="sv-SE"/>
-          </a:p>
-        </p:txBody>
-      </p:sp>
-      <p:sp>
-        <p:nvSpPr>
-          <p:cNvPr id="3" name="Text Placeholder 2">
+      </p:pic>
+      <p:pic>
+        <p:nvPicPr>
+          <p:cNvPr id="7" name="Picture 6"/>
+          <p:cNvPicPr>
+            <a:picLocks noChangeAspect="1"/>
+          </p:cNvPicPr>
+          <p:nvPr/>
+        </p:nvPicPr>
+        <p:blipFill rotWithShape="1">
+          <a:blip r:embed="rId20">
             <a:extLst>
-              <a:ext uri="{FF2B5EF4-FFF2-40B4-BE49-F238E27FC236}">
-                <a16:creationId xmlns:a16="http://schemas.microsoft.com/office/drawing/2014/main" id="{7548C4CC-F086-5434-5A29-4F23DDA4456D}"/>
+              <a:ext uri="{28A0092B-C50C-407E-A947-70E740481C1C}">
+                <a14:useLocalDpi xmlns:a14="http://schemas.microsoft.com/office/drawing/2010/main" val="0"/>
               </a:ext>
             </a:extLst>
-          </p:cNvPr>
-          <p:cNvSpPr>
-            <a:spLocks noGrp="1"/>
-          </p:cNvSpPr>
-          <p:nvPr>
-            <p:ph type="body" idx="1"/>
-          </p:nvPr>
-        </p:nvSpPr>
+          </a:blip>
+          <a:srcRect l="35640"/>
+          <a:stretch/>
+        </p:blipFill>
         <p:spPr>
           <a:xfrm>
-            <a:off x="838200" y="1825625"/>
-            <a:ext cx="10515600" cy="4351338"/>
+            <a:off x="0" y="2892347"/>
+            <a:ext cx="1522412" cy="2365453"/>
           </a:xfrm>
           <a:prstGeom prst="rect">
             <a:avLst/>
           </a:prstGeom>
         </p:spPr>
-        <p:txBody>
-          <a:bodyPr vert="horz" lIns="91440" tIns="45720" rIns="91440" bIns="45720" rtlCol="0">
-            <a:normAutofit/>
-          </a:bodyPr>
-          <a:lstStyle/>
-          <a:p>
-            <a:pPr lvl="0"/>
-            <a:r>
-              <a:rPr lang="en-US"/>
-              <a:t>Click to edit Master text styles</a:t>
-            </a:r>
-          </a:p>
-          <a:p>
-            <a:pPr lvl="1"/>
-            <a:r>
-              <a:rPr lang="en-US"/>
-              <a:t>Second level</a:t>
-            </a:r>
-          </a:p>
-          <a:p>
-            <a:pPr lvl="2"/>
-            <a:r>
-              <a:rPr lang="en-US"/>
-              <a:t>Third level</a:t>
-            </a:r>
-          </a:p>
-          <a:p>
-            <a:pPr lvl="3"/>
-            <a:r>
-              <a:rPr lang="en-US"/>
-              <a:t>Fourth level</a:t>
-            </a:r>
-          </a:p>
-          <a:p>
-            <a:pPr lvl="4"/>
-            <a:r>
-              <a:rPr lang="en-US"/>
-              <a:t>Fifth level</a:t>
-            </a:r>
-            <a:endParaRPr lang="sv-SE"/>
-          </a:p>
-        </p:txBody>
-      </p:sp>
-      <p:sp>
-        <p:nvSpPr>
-          <p:cNvPr id="4" name="Date Placeholder 3">
+      </p:pic>
+      <p:sp>
+        <p:nvSpPr>
+          <p:cNvPr id="16" name="Oval 15"/>
+          <p:cNvSpPr/>
+          <p:nvPr/>
+        </p:nvSpPr>
+        <p:spPr>
+          <a:xfrm>
+            <a:off x="8609012" y="1676400"/>
+            <a:ext cx="2819400" cy="2819400"/>
+          </a:xfrm>
+          <a:prstGeom prst="ellipse">
+            <a:avLst/>
+          </a:prstGeom>
+          <a:gradFill flip="none" rotWithShape="1">
+            <a:gsLst>
+              <a:gs pos="0">
+                <a:schemeClr val="bg2">
+                  <a:lumMod val="60000"/>
+                  <a:lumOff val="40000"/>
+                  <a:alpha val="7000"/>
+                </a:schemeClr>
+              </a:gs>
+              <a:gs pos="69000">
+                <a:schemeClr val="bg2">
+                  <a:lumMod val="60000"/>
+                  <a:lumOff val="40000"/>
+                  <a:alpha val="0"/>
+                </a:schemeClr>
+              </a:gs>
+              <a:gs pos="36000">
+                <a:schemeClr val="bg2">
+                  <a:lumMod val="60000"/>
+                  <a:lumOff val="40000"/>
+                  <a:alpha val="6000"/>
+                </a:schemeClr>
+              </a:gs>
+            </a:gsLst>
+            <a:path path="circle">
+              <a:fillToRect l="50000" t="50000" r="50000" b="50000"/>
+            </a:path>
+            <a:tileRect/>
+          </a:gradFill>
+          <a:ln>
+            <a:noFill/>
+          </a:ln>
+          <a:effectLst/>
+        </p:spPr>
+        <p:style>
+          <a:lnRef idx="1">
+            <a:schemeClr val="accent1"/>
+          </a:lnRef>
+          <a:fillRef idx="3">
+            <a:schemeClr val="accent1"/>
+          </a:fillRef>
+          <a:effectRef idx="2">
+            <a:schemeClr val="accent1"/>
+          </a:effectRef>
+          <a:fontRef idx="minor">
+            <a:schemeClr val="lt1"/>
+          </a:fontRef>
+        </p:style>
+      </p:sp>
+      <p:pic>
+        <p:nvPicPr>
+          <p:cNvPr id="9" name="Picture 8"/>
+          <p:cNvPicPr>
+            <a:picLocks noChangeAspect="1"/>
+          </p:cNvPicPr>
+          <p:nvPr/>
+        </p:nvPicPr>
+        <p:blipFill rotWithShape="1">
+          <a:blip r:embed="rId21">
             <a:extLst>
-              <a:ext uri="{FF2B5EF4-FFF2-40B4-BE49-F238E27FC236}">
-                <a16:creationId xmlns:a16="http://schemas.microsoft.com/office/drawing/2014/main" id="{16D7A4F9-CBDA-872D-2191-4A50B974482B}"/>
+              <a:ext uri="{28A0092B-C50C-407E-A947-70E740481C1C}">
+                <a14:useLocalDpi xmlns:a14="http://schemas.microsoft.com/office/drawing/2010/main" val="0"/>
               </a:ext>
             </a:extLst>
-          </p:cNvPr>
-          <p:cNvSpPr>
-            <a:spLocks noGrp="1"/>
-          </p:cNvSpPr>
-          <p:nvPr>
-            <p:ph type="dt" sz="half" idx="2"/>
-          </p:nvPr>
-        </p:nvSpPr>
+          </a:blip>
+          <a:srcRect t="28813"/>
+          <a:stretch/>
+        </p:blipFill>
         <p:spPr>
           <a:xfrm>
-            <a:off x="838200" y="6356350"/>
-            <a:ext cx="2743200" cy="365125"/>
+            <a:off x="7999412" y="0"/>
+            <a:ext cx="1603387" cy="1141407"/>
           </a:xfrm>
           <a:prstGeom prst="rect">
             <a:avLst/>
           </a:prstGeom>
         </p:spPr>
-        <p:txBody>
-          <a:bodyPr vert="horz" lIns="91440" tIns="45720" rIns="91440" bIns="45720" rtlCol="0" anchor="ctr"/>
+      </p:pic>
+      <p:pic>
+        <p:nvPicPr>
+          <p:cNvPr id="10" name="Picture 9"/>
+          <p:cNvPicPr>
+            <a:picLocks noChangeAspect="1"/>
+          </p:cNvPicPr>
+          <p:nvPr/>
+        </p:nvPicPr>
+        <p:blipFill rotWithShape="1">
+          <a:blip r:embed="rId22">
+            <a:extLst>
+              <a:ext uri="{28A0092B-C50C-407E-A947-70E740481C1C}">
+                <a14:useLocalDpi xmlns:a14="http://schemas.microsoft.com/office/drawing/2010/main" val="0"/>
+              </a:ext>
+            </a:extLst>
+          </a:blip>
+          <a:srcRect b="23320"/>
+          <a:stretch/>
+        </p:blipFill>
+        <p:spPr>
+          <a:xfrm>
+            <a:off x="8605878" y="6096000"/>
+            <a:ext cx="993734" cy="762000"/>
+          </a:xfrm>
+          <a:prstGeom prst="rect">
+            <a:avLst/>
+          </a:prstGeom>
+        </p:spPr>
+      </p:pic>
+      <p:sp>
+        <p:nvSpPr>
+          <p:cNvPr id="14" name="Rectangle 13"/>
+          <p:cNvSpPr/>
+          <p:nvPr/>
+        </p:nvSpPr>
+        <p:spPr>
+          <a:xfrm>
+            <a:off x="10437812" y="0"/>
+            <a:ext cx="685800" cy="1143000"/>
+          </a:xfrm>
+          <a:prstGeom prst="rect">
+            <a:avLst/>
+          </a:prstGeom>
+          <a:solidFill>
+            <a:schemeClr val="accent1"/>
+          </a:solidFill>
+          <a:ln>
+            <a:noFill/>
+          </a:ln>
+        </p:spPr>
+        <p:style>
+          <a:lnRef idx="1">
+            <a:schemeClr val="accent1"/>
+          </a:lnRef>
+          <a:fillRef idx="3">
+            <a:schemeClr val="accent1"/>
+          </a:fillRef>
+          <a:effectRef idx="2">
+            <a:schemeClr val="accent1"/>
+          </a:effectRef>
+          <a:fontRef idx="minor">
+            <a:schemeClr val="lt1"/>
+          </a:fontRef>
+        </p:style>
+      </p:sp>
+      <p:sp>
+        <p:nvSpPr>
+          <p:cNvPr id="2" name="Title Placeholder 1"/>
+          <p:cNvSpPr>
+            <a:spLocks noGrp="1"/>
+          </p:cNvSpPr>
+          <p:nvPr>
+            <p:ph type="title"/>
+          </p:nvPr>
+        </p:nvSpPr>
+        <p:spPr>
+          <a:xfrm>
+            <a:off x="646111" y="452718"/>
+            <a:ext cx="9404723" cy="1400530"/>
+          </a:xfrm>
+          <a:prstGeom prst="rect">
+            <a:avLst/>
+          </a:prstGeom>
+        </p:spPr>
+        <p:txBody>
+          <a:bodyPr vert="horz" lIns="91440" tIns="45720" rIns="91440" bIns="45720" rtlCol="0" anchor="t">
+            <a:noAutofit/>
+          </a:bodyPr>
+          <a:lstStyle/>
+          <a:p>
+            <a:r>
+              <a:rPr lang="sv-SE"/>
+              <a:t>Klicka här för att ändra mall för rubrikformat</a:t>
+            </a:r>
+            <a:endParaRPr lang="en-US" dirty="0"/>
+          </a:p>
+        </p:txBody>
+      </p:sp>
+      <p:sp>
+        <p:nvSpPr>
+          <p:cNvPr id="3" name="Text Placeholder 2"/>
+          <p:cNvSpPr>
+            <a:spLocks noGrp="1"/>
+          </p:cNvSpPr>
+          <p:nvPr>
+            <p:ph type="body" idx="1"/>
+          </p:nvPr>
+        </p:nvSpPr>
+        <p:spPr>
+          <a:xfrm>
+            <a:off x="1103312" y="2052918"/>
+            <a:ext cx="8946541" cy="4195481"/>
+          </a:xfrm>
+          <a:prstGeom prst="rect">
+            <a:avLst/>
+          </a:prstGeom>
+        </p:spPr>
+        <p:txBody>
+          <a:bodyPr vert="horz" lIns="91440" tIns="45720" rIns="91440" bIns="45720" rtlCol="0">
+            <a:normAutofit/>
+          </a:bodyPr>
+          <a:lstStyle/>
+          <a:p>
+            <a:pPr lvl="0"/>
+            <a:r>
+              <a:rPr lang="sv-SE"/>
+              <a:t>Klicka här för att ändra format på bakgrundstexten</a:t>
+            </a:r>
+          </a:p>
+          <a:p>
+            <a:pPr lvl="1"/>
+            <a:r>
+              <a:rPr lang="sv-SE"/>
+              <a:t>Nivå två</a:t>
+            </a:r>
+          </a:p>
+          <a:p>
+            <a:pPr lvl="2"/>
+            <a:r>
+              <a:rPr lang="sv-SE"/>
+              <a:t>Nivå tre</a:t>
+            </a:r>
+          </a:p>
+          <a:p>
+            <a:pPr lvl="3"/>
+            <a:r>
+              <a:rPr lang="sv-SE"/>
+              <a:t>Nivå fyra</a:t>
+            </a:r>
+          </a:p>
+          <a:p>
+            <a:pPr lvl="4"/>
+            <a:r>
+              <a:rPr lang="sv-SE"/>
+              <a:t>Nivå fem</a:t>
+            </a:r>
+            <a:endParaRPr lang="en-US" dirty="0"/>
+          </a:p>
+        </p:txBody>
+      </p:sp>
+      <p:sp>
+        <p:nvSpPr>
+          <p:cNvPr id="4" name="Date Placeholder 3"/>
+          <p:cNvSpPr>
+            <a:spLocks noGrp="1"/>
+          </p:cNvSpPr>
+          <p:nvPr>
+            <p:ph type="dt" sz="half" idx="2"/>
+          </p:nvPr>
+        </p:nvSpPr>
+        <p:spPr>
+          <a:xfrm rot="5400000">
+            <a:off x="10155639" y="1790701"/>
+            <a:ext cx="990599" cy="304799"/>
+          </a:xfrm>
+          <a:prstGeom prst="rect">
+            <a:avLst/>
+          </a:prstGeom>
+        </p:spPr>
+        <p:txBody>
+          <a:bodyPr vert="horz" lIns="91440" tIns="45720" rIns="91440" bIns="45720" rtlCol="0" anchor="t"/>
           <a:lstStyle>
             <a:lvl1pPr algn="l">
-              <a:defRPr sz="1200">
+              <a:defRPr sz="1100" b="0" i="0">
+                <a:solidFill>
+                  <a:schemeClr val="tx1">
+                    <a:tint val="75000"/>
+                    <a:alpha val="60000"/>
+                  </a:schemeClr>
+                </a:solidFill>
+              </a:defRPr>
+            </a:lvl1pPr>
+          </a:lstStyle>
+          <a:p>
+            <a:fld id="{8E64B585-400C-455D-9535-796762DC7C0E}" type="datetimeFigureOut">
+              <a:rPr lang="sv-SE" smtClean="0"/>
+              <a:t>2023-09-12</a:t>
+            </a:fld>
+            <a:endParaRPr lang="sv-SE"/>
+          </a:p>
+        </p:txBody>
+      </p:sp>
+      <p:sp>
+        <p:nvSpPr>
+          <p:cNvPr id="5" name="Footer Placeholder 4"/>
+          <p:cNvSpPr>
+            <a:spLocks noGrp="1"/>
+          </p:cNvSpPr>
+          <p:nvPr>
+            <p:ph type="ftr" sz="quarter" idx="3"/>
+          </p:nvPr>
+        </p:nvSpPr>
+        <p:spPr>
+          <a:xfrm rot="5400000">
+            <a:off x="8951573" y="3225297"/>
+            <a:ext cx="3859795" cy="304801"/>
+          </a:xfrm>
+          <a:prstGeom prst="rect">
+            <a:avLst/>
+          </a:prstGeom>
+        </p:spPr>
+        <p:txBody>
+          <a:bodyPr vert="horz" lIns="91440" tIns="45720" rIns="91440" bIns="45720" rtlCol="0" anchor="b"/>
+          <a:lstStyle>
+            <a:lvl1pPr algn="l">
+              <a:defRPr sz="1100" b="0" i="0">
+                <a:solidFill>
+                  <a:schemeClr val="tx1">
+                    <a:tint val="75000"/>
+                    <a:alpha val="60000"/>
+                  </a:schemeClr>
+                </a:solidFill>
+              </a:defRPr>
+            </a:lvl1pPr>
+          </a:lstStyle>
+          <a:p>
+            <a:endParaRPr lang="sv-SE"/>
+          </a:p>
+        </p:txBody>
+      </p:sp>
+      <p:sp>
+        <p:nvSpPr>
+          <p:cNvPr id="6" name="Slide Number Placeholder 5"/>
+          <p:cNvSpPr>
+            <a:spLocks noGrp="1"/>
+          </p:cNvSpPr>
+          <p:nvPr>
+            <p:ph type="sldNum" sz="quarter" idx="4"/>
+          </p:nvPr>
+        </p:nvSpPr>
+        <p:spPr bwMode="gray">
+          <a:xfrm>
+            <a:off x="10352540" y="295729"/>
+            <a:ext cx="838199" cy="767687"/>
+          </a:xfrm>
+          <a:prstGeom prst="rect">
+            <a:avLst/>
+          </a:prstGeom>
+        </p:spPr>
+        <p:txBody>
+          <a:bodyPr vert="horz" lIns="91440" tIns="45720" rIns="91440" bIns="45720" rtlCol="0" anchor="b"/>
+          <a:lstStyle>
+            <a:lvl1pPr algn="ctr">
+              <a:defRPr sz="2800" b="0" i="0">
                 <a:solidFill>
                   <a:schemeClr val="tx1">
                     <a:tint val="75000"/>
@@ -2933,96 +5645,6 @@
             </a:lvl1pPr>
           </a:lstStyle>
           <a:p>
-            <a:fld id="{8E64B585-400C-455D-9535-796762DC7C0E}" type="datetimeFigureOut">
-              <a:rPr lang="sv-SE" smtClean="0"/>
-              <a:t>2023-09-07</a:t>
-            </a:fld>
-            <a:endParaRPr lang="sv-SE"/>
-          </a:p>
-        </p:txBody>
-      </p:sp>
-      <p:sp>
-        <p:nvSpPr>
-          <p:cNvPr id="5" name="Footer Placeholder 4">
-            <a:extLst>
-              <a:ext uri="{FF2B5EF4-FFF2-40B4-BE49-F238E27FC236}">
-                <a16:creationId xmlns:a16="http://schemas.microsoft.com/office/drawing/2014/main" id="{6B87D6DB-8D96-6109-CF3C-A05ED98D9711}"/>
-              </a:ext>
-            </a:extLst>
-          </p:cNvPr>
-          <p:cNvSpPr>
-            <a:spLocks noGrp="1"/>
-          </p:cNvSpPr>
-          <p:nvPr>
-            <p:ph type="ftr" sz="quarter" idx="3"/>
-          </p:nvPr>
-        </p:nvSpPr>
-        <p:spPr>
-          <a:xfrm>
-            <a:off x="4038600" y="6356350"/>
-            <a:ext cx="4114800" cy="365125"/>
-          </a:xfrm>
-          <a:prstGeom prst="rect">
-            <a:avLst/>
-          </a:prstGeom>
-        </p:spPr>
-        <p:txBody>
-          <a:bodyPr vert="horz" lIns="91440" tIns="45720" rIns="91440" bIns="45720" rtlCol="0" anchor="ctr"/>
-          <a:lstStyle>
-            <a:lvl1pPr algn="ctr">
-              <a:defRPr sz="1200">
-                <a:solidFill>
-                  <a:schemeClr val="tx1">
-                    <a:tint val="75000"/>
-                  </a:schemeClr>
-                </a:solidFill>
-              </a:defRPr>
-            </a:lvl1pPr>
-          </a:lstStyle>
-          <a:p>
-            <a:endParaRPr lang="sv-SE"/>
-          </a:p>
-        </p:txBody>
-      </p:sp>
-      <p:sp>
-        <p:nvSpPr>
-          <p:cNvPr id="6" name="Slide Number Placeholder 5">
-            <a:extLst>
-              <a:ext uri="{FF2B5EF4-FFF2-40B4-BE49-F238E27FC236}">
-                <a16:creationId xmlns:a16="http://schemas.microsoft.com/office/drawing/2014/main" id="{3A21BB55-D3CB-4DD4-A381-9FBC5D57BE54}"/>
-              </a:ext>
-            </a:extLst>
-          </p:cNvPr>
-          <p:cNvSpPr>
-            <a:spLocks noGrp="1"/>
-          </p:cNvSpPr>
-          <p:nvPr>
-            <p:ph type="sldNum" sz="quarter" idx="4"/>
-          </p:nvPr>
-        </p:nvSpPr>
-        <p:spPr>
-          <a:xfrm>
-            <a:off x="8610600" y="6356350"/>
-            <a:ext cx="2743200" cy="365125"/>
-          </a:xfrm>
-          <a:prstGeom prst="rect">
-            <a:avLst/>
-          </a:prstGeom>
-        </p:spPr>
-        <p:txBody>
-          <a:bodyPr vert="horz" lIns="91440" tIns="45720" rIns="91440" bIns="45720" rtlCol="0" anchor="ctr"/>
-          <a:lstStyle>
-            <a:lvl1pPr algn="r">
-              <a:defRPr sz="1200">
-                <a:solidFill>
-                  <a:schemeClr val="tx1">
-                    <a:tint val="75000"/>
-                  </a:schemeClr>
-                </a:solidFill>
-              </a:defRPr>
-            </a:lvl1pPr>
-          </a:lstStyle>
-          <a:p>
             <a:fld id="{22C4CE5C-CCC0-475B-9558-DCCA4F9D3FE5}" type="slidenum">
               <a:rPr lang="sv-SE" smtClean="0"/>
               <a:t>‹#›</a:t>
@@ -3034,35 +5656,121 @@
     </p:spTree>
     <p:extLst>
       <p:ext uri="{BB962C8B-B14F-4D97-AF65-F5344CB8AC3E}">
-        <p14:creationId xmlns:p14="http://schemas.microsoft.com/office/powerpoint/2010/main" val="2423737467"/>
+        <p14:creationId xmlns:p14="http://schemas.microsoft.com/office/powerpoint/2010/main" val="1411828278"/>
       </p:ext>
     </p:extLst>
   </p:cSld>
-  <p:clrMap bg1="lt1" tx1="dk1" bg2="lt2" tx2="dk2" accent1="accent1" accent2="accent2" accent3="accent3" accent4="accent4" accent5="accent5" accent6="accent6" hlink="hlink" folHlink="folHlink"/>
+  <p:clrMap bg1="dk1" tx1="lt1" bg2="dk2" tx2="lt2" accent1="accent1" accent2="accent2" accent3="accent3" accent4="accent4" accent5="accent5" accent6="accent6" hlink="hlink" folHlink="folHlink"/>
   <p:sldLayoutIdLst>
-    <p:sldLayoutId id="2147483649" r:id="rId1"/>
-    <p:sldLayoutId id="2147483650" r:id="rId2"/>
-    <p:sldLayoutId id="2147483651" r:id="rId3"/>
-    <p:sldLayoutId id="2147483652" r:id="rId4"/>
-    <p:sldLayoutId id="2147483653" r:id="rId5"/>
-    <p:sldLayoutId id="2147483654" r:id="rId6"/>
-    <p:sldLayoutId id="2147483655" r:id="rId7"/>
-    <p:sldLayoutId id="2147483656" r:id="rId8"/>
-    <p:sldLayoutId id="2147483657" r:id="rId9"/>
-    <p:sldLayoutId id="2147483658" r:id="rId10"/>
-    <p:sldLayoutId id="2147483659" r:id="rId11"/>
+    <p:sldLayoutId id="2147483661" r:id="rId1"/>
+    <p:sldLayoutId id="2147483662" r:id="rId2"/>
+    <p:sldLayoutId id="2147483663" r:id="rId3"/>
+    <p:sldLayoutId id="2147483664" r:id="rId4"/>
+    <p:sldLayoutId id="2147483665" r:id="rId5"/>
+    <p:sldLayoutId id="2147483666" r:id="rId6"/>
+    <p:sldLayoutId id="2147483667" r:id="rId7"/>
+    <p:sldLayoutId id="2147483668" r:id="rId8"/>
+    <p:sldLayoutId id="2147483669" r:id="rId9"/>
+    <p:sldLayoutId id="2147483670" r:id="rId10"/>
+    <p:sldLayoutId id="2147483671" r:id="rId11"/>
+    <p:sldLayoutId id="2147483672" r:id="rId12"/>
+    <p:sldLayoutId id="2147483673" r:id="rId13"/>
+    <p:sldLayoutId id="2147483674" r:id="rId14"/>
+    <p:sldLayoutId id="2147483675" r:id="rId15"/>
+    <p:sldLayoutId id="2147483676" r:id="rId16"/>
+    <p:sldLayoutId id="2147483677" r:id="rId17"/>
   </p:sldLayoutIdLst>
   <p:txStyles>
     <p:titleStyle>
-      <a:lvl1pPr algn="l" defTabSz="914400" rtl="0" eaLnBrk="1" latinLnBrk="0" hangingPunct="1">
-        <a:lnSpc>
-          <a:spcPct val="90000"/>
-        </a:lnSpc>
+      <a:lvl1pPr algn="l" defTabSz="457200" rtl="0" eaLnBrk="1" latinLnBrk="0" hangingPunct="1">
         <a:spcBef>
           <a:spcPct val="0"/>
         </a:spcBef>
         <a:buNone/>
-        <a:defRPr sz="4400" kern="1200">
+        <a:defRPr sz="4200" b="0" i="0" kern="1200">
+          <a:solidFill>
+            <a:schemeClr val="tx2"/>
+          </a:solidFill>
+          <a:latin typeface="+mj-lt"/>
+          <a:ea typeface="+mj-ea"/>
+          <a:cs typeface="+mj-cs"/>
+        </a:defRPr>
+      </a:lvl1pPr>
+      <a:lvl2pPr eaLnBrk="1" hangingPunct="1">
+        <a:defRPr>
+          <a:solidFill>
+            <a:schemeClr val="tx2"/>
+          </a:solidFill>
+        </a:defRPr>
+      </a:lvl2pPr>
+      <a:lvl3pPr eaLnBrk="1" hangingPunct="1">
+        <a:defRPr>
+          <a:solidFill>
+            <a:schemeClr val="tx2"/>
+          </a:solidFill>
+        </a:defRPr>
+      </a:lvl3pPr>
+      <a:lvl4pPr eaLnBrk="1" hangingPunct="1">
+        <a:defRPr>
+          <a:solidFill>
+            <a:schemeClr val="tx2"/>
+          </a:solidFill>
+        </a:defRPr>
+      </a:lvl4pPr>
+      <a:lvl5pPr eaLnBrk="1" hangingPunct="1">
+        <a:defRPr>
+          <a:solidFill>
+            <a:schemeClr val="tx2"/>
+          </a:solidFill>
+        </a:defRPr>
+      </a:lvl5pPr>
+      <a:lvl6pPr eaLnBrk="1" hangingPunct="1">
+        <a:defRPr>
+          <a:solidFill>
+            <a:schemeClr val="tx2"/>
+          </a:solidFill>
+        </a:defRPr>
+      </a:lvl6pPr>
+      <a:lvl7pPr eaLnBrk="1" hangingPunct="1">
+        <a:defRPr>
+          <a:solidFill>
+            <a:schemeClr val="tx2"/>
+          </a:solidFill>
+        </a:defRPr>
+      </a:lvl7pPr>
+      <a:lvl8pPr eaLnBrk="1" hangingPunct="1">
+        <a:defRPr>
+          <a:solidFill>
+            <a:schemeClr val="tx2"/>
+          </a:solidFill>
+        </a:defRPr>
+      </a:lvl8pPr>
+      <a:lvl9pPr eaLnBrk="1" hangingPunct="1">
+        <a:defRPr>
+          <a:solidFill>
+            <a:schemeClr val="tx2"/>
+          </a:solidFill>
+        </a:defRPr>
+      </a:lvl9pPr>
+    </p:titleStyle>
+    <p:bodyStyle>
+      <a:lvl1pPr marL="342900" indent="-342900" algn="l" defTabSz="457200" rtl="0" eaLnBrk="1" latinLnBrk="0" hangingPunct="1">
+        <a:spcBef>
+          <a:spcPts val="1000"/>
+        </a:spcBef>
+        <a:spcAft>
+          <a:spcPts val="0"/>
+        </a:spcAft>
+        <a:buClr>
+          <a:schemeClr val="bg2">
+            <a:lumMod val="40000"/>
+            <a:lumOff val="60000"/>
+          </a:schemeClr>
+        </a:buClr>
+        <a:buSzPct val="80000"/>
+        <a:buFont typeface="Wingdings 3" charset="2"/>
+        <a:buChar char=""/>
+        <a:defRPr sz="2000" b="0" i="0" kern="1200">
           <a:solidFill>
             <a:schemeClr val="tx1"/>
           </a:solidFill>
@@ -3071,18 +5779,213 @@
           <a:cs typeface="+mj-cs"/>
         </a:defRPr>
       </a:lvl1pPr>
-    </p:titleStyle>
-    <p:bodyStyle>
-      <a:lvl1pPr marL="228600" indent="-228600" algn="l" defTabSz="914400" rtl="0" eaLnBrk="1" latinLnBrk="0" hangingPunct="1">
-        <a:lnSpc>
-          <a:spcPct val="90000"/>
-        </a:lnSpc>
+      <a:lvl2pPr marL="742950" indent="-285750" algn="l" defTabSz="457200" rtl="0" eaLnBrk="1" latinLnBrk="0" hangingPunct="1">
         <a:spcBef>
           <a:spcPts val="1000"/>
         </a:spcBef>
-        <a:buFont typeface="Arial" panose="020B0604020202020204" pitchFamily="34" charset="0"/>
-        <a:buChar char="•"/>
-        <a:defRPr sz="2800" kern="1200">
+        <a:spcAft>
+          <a:spcPts val="0"/>
+        </a:spcAft>
+        <a:buClr>
+          <a:schemeClr val="bg2">
+            <a:lumMod val="40000"/>
+            <a:lumOff val="60000"/>
+          </a:schemeClr>
+        </a:buClr>
+        <a:buSzPct val="80000"/>
+        <a:buFont typeface="Wingdings 3" charset="2"/>
+        <a:buChar char=""/>
+        <a:defRPr sz="1800" b="0" i="0" kern="1200">
+          <a:solidFill>
+            <a:schemeClr val="tx1"/>
+          </a:solidFill>
+          <a:latin typeface="+mj-lt"/>
+          <a:ea typeface="+mj-ea"/>
+          <a:cs typeface="+mj-cs"/>
+        </a:defRPr>
+      </a:lvl2pPr>
+      <a:lvl3pPr marL="1143000" indent="-228600" algn="l" defTabSz="457200" rtl="0" eaLnBrk="1" latinLnBrk="0" hangingPunct="1">
+        <a:spcBef>
+          <a:spcPts val="1000"/>
+        </a:spcBef>
+        <a:spcAft>
+          <a:spcPts val="0"/>
+        </a:spcAft>
+        <a:buClr>
+          <a:schemeClr val="bg2">
+            <a:lumMod val="40000"/>
+            <a:lumOff val="60000"/>
+          </a:schemeClr>
+        </a:buClr>
+        <a:buSzPct val="80000"/>
+        <a:buFont typeface="Wingdings 3" charset="2"/>
+        <a:buChar char=""/>
+        <a:defRPr sz="1600" b="0" i="0" kern="1200">
+          <a:solidFill>
+            <a:schemeClr val="tx1"/>
+          </a:solidFill>
+          <a:latin typeface="+mj-lt"/>
+          <a:ea typeface="+mj-ea"/>
+          <a:cs typeface="+mj-cs"/>
+        </a:defRPr>
+      </a:lvl3pPr>
+      <a:lvl4pPr marL="1600200" indent="-228600" algn="l" defTabSz="457200" rtl="0" eaLnBrk="1" latinLnBrk="0" hangingPunct="1">
+        <a:spcBef>
+          <a:spcPts val="1000"/>
+        </a:spcBef>
+        <a:spcAft>
+          <a:spcPts val="0"/>
+        </a:spcAft>
+        <a:buClr>
+          <a:schemeClr val="bg2">
+            <a:lumMod val="40000"/>
+            <a:lumOff val="60000"/>
+          </a:schemeClr>
+        </a:buClr>
+        <a:buSzPct val="80000"/>
+        <a:buFont typeface="Wingdings 3" charset="2"/>
+        <a:buChar char=""/>
+        <a:defRPr sz="1400" b="0" i="0" kern="1200">
+          <a:solidFill>
+            <a:schemeClr val="tx1"/>
+          </a:solidFill>
+          <a:latin typeface="+mj-lt"/>
+          <a:ea typeface="+mj-ea"/>
+          <a:cs typeface="+mj-cs"/>
+        </a:defRPr>
+      </a:lvl4pPr>
+      <a:lvl5pPr marL="2057400" indent="-228600" algn="l" defTabSz="457200" rtl="0" eaLnBrk="1" latinLnBrk="0" hangingPunct="1">
+        <a:spcBef>
+          <a:spcPts val="1000"/>
+        </a:spcBef>
+        <a:spcAft>
+          <a:spcPts val="0"/>
+        </a:spcAft>
+        <a:buClr>
+          <a:schemeClr val="bg2">
+            <a:lumMod val="40000"/>
+            <a:lumOff val="60000"/>
+          </a:schemeClr>
+        </a:buClr>
+        <a:buSzPct val="80000"/>
+        <a:buFont typeface="Wingdings 3" charset="2"/>
+        <a:buChar char=""/>
+        <a:defRPr sz="1400" b="0" i="0" kern="1200">
+          <a:solidFill>
+            <a:schemeClr val="tx1"/>
+          </a:solidFill>
+          <a:latin typeface="+mj-lt"/>
+          <a:ea typeface="+mj-ea"/>
+          <a:cs typeface="+mj-cs"/>
+        </a:defRPr>
+      </a:lvl5pPr>
+      <a:lvl6pPr marL="2506000" indent="-228600" algn="l" defTabSz="457200" rtl="0" eaLnBrk="1" latinLnBrk="0" hangingPunct="1">
+        <a:spcBef>
+          <a:spcPts val="1000"/>
+        </a:spcBef>
+        <a:spcAft>
+          <a:spcPts val="0"/>
+        </a:spcAft>
+        <a:buClr>
+          <a:schemeClr val="bg2">
+            <a:lumMod val="40000"/>
+            <a:lumOff val="60000"/>
+          </a:schemeClr>
+        </a:buClr>
+        <a:buSzPct val="80000"/>
+        <a:buFont typeface="Wingdings 3" charset="2"/>
+        <a:buChar char=""/>
+        <a:defRPr sz="1400" b="0" i="0" kern="1200">
+          <a:solidFill>
+            <a:schemeClr val="tx1"/>
+          </a:solidFill>
+          <a:latin typeface="+mj-lt"/>
+          <a:ea typeface="+mj-ea"/>
+          <a:cs typeface="+mj-cs"/>
+        </a:defRPr>
+      </a:lvl6pPr>
+      <a:lvl7pPr marL="2971800" indent="-228600" algn="l" defTabSz="457200" rtl="0" eaLnBrk="1" latinLnBrk="0" hangingPunct="1">
+        <a:spcBef>
+          <a:spcPts val="1000"/>
+        </a:spcBef>
+        <a:spcAft>
+          <a:spcPts val="0"/>
+        </a:spcAft>
+        <a:buClr>
+          <a:schemeClr val="bg2">
+            <a:lumMod val="40000"/>
+            <a:lumOff val="60000"/>
+          </a:schemeClr>
+        </a:buClr>
+        <a:buSzPct val="80000"/>
+        <a:buFont typeface="Wingdings 3" charset="2"/>
+        <a:buChar char=""/>
+        <a:defRPr sz="1400" b="0" i="0" kern="1200">
+          <a:solidFill>
+            <a:schemeClr val="tx1"/>
+          </a:solidFill>
+          <a:latin typeface="+mj-lt"/>
+          <a:ea typeface="+mj-ea"/>
+          <a:cs typeface="+mj-cs"/>
+        </a:defRPr>
+      </a:lvl7pPr>
+      <a:lvl8pPr marL="3429000" indent="-228600" algn="l" defTabSz="457200" rtl="0" eaLnBrk="1" latinLnBrk="0" hangingPunct="1">
+        <a:spcBef>
+          <a:spcPts val="1000"/>
+        </a:spcBef>
+        <a:spcAft>
+          <a:spcPts val="0"/>
+        </a:spcAft>
+        <a:buClr>
+          <a:schemeClr val="bg2">
+            <a:lumMod val="40000"/>
+            <a:lumOff val="60000"/>
+          </a:schemeClr>
+        </a:buClr>
+        <a:buSzPct val="80000"/>
+        <a:buFont typeface="Wingdings 3" charset="2"/>
+        <a:buChar char=""/>
+        <a:defRPr sz="1400" b="0" i="0" kern="1200">
+          <a:solidFill>
+            <a:schemeClr val="tx1"/>
+          </a:solidFill>
+          <a:latin typeface="+mj-lt"/>
+          <a:ea typeface="+mj-ea"/>
+          <a:cs typeface="+mj-cs"/>
+        </a:defRPr>
+      </a:lvl8pPr>
+      <a:lvl9pPr marL="3886200" indent="-228600" algn="l" defTabSz="457200" rtl="0" eaLnBrk="1" latinLnBrk="0" hangingPunct="1">
+        <a:spcBef>
+          <a:spcPts val="1000"/>
+        </a:spcBef>
+        <a:spcAft>
+          <a:spcPts val="0"/>
+        </a:spcAft>
+        <a:buClr>
+          <a:schemeClr val="bg2">
+            <a:lumMod val="40000"/>
+            <a:lumOff val="60000"/>
+          </a:schemeClr>
+        </a:buClr>
+        <a:buSzPct val="80000"/>
+        <a:buFont typeface="Wingdings 3" charset="2"/>
+        <a:buChar char=""/>
+        <a:defRPr sz="1400" b="0" i="0" kern="1200">
+          <a:solidFill>
+            <a:schemeClr val="tx1"/>
+          </a:solidFill>
+          <a:latin typeface="+mj-lt"/>
+          <a:ea typeface="+mj-ea"/>
+          <a:cs typeface="+mj-cs"/>
+        </a:defRPr>
+      </a:lvl9pPr>
+    </p:bodyStyle>
+    <p:otherStyle>
+      <a:defPPr>
+        <a:defRPr lang="en-US"/>
+      </a:defPPr>
+      <a:lvl1pPr marL="0" algn="l" defTabSz="457200" rtl="0" eaLnBrk="1" latinLnBrk="0" hangingPunct="1">
+        <a:defRPr sz="1800" kern="1200">
           <a:solidFill>
             <a:schemeClr val="tx1"/>
           </a:solidFill>
@@ -3091,16 +5994,8 @@
           <a:cs typeface="+mn-cs"/>
         </a:defRPr>
       </a:lvl1pPr>
-      <a:lvl2pPr marL="685800" indent="-228600" algn="l" defTabSz="914400" rtl="0" eaLnBrk="1" latinLnBrk="0" hangingPunct="1">
-        <a:lnSpc>
-          <a:spcPct val="90000"/>
-        </a:lnSpc>
-        <a:spcBef>
-          <a:spcPts val="500"/>
-        </a:spcBef>
-        <a:buFont typeface="Arial" panose="020B0604020202020204" pitchFamily="34" charset="0"/>
-        <a:buChar char="•"/>
-        <a:defRPr sz="2400" kern="1200">
+      <a:lvl2pPr marL="457200" algn="l" defTabSz="457200" rtl="0" eaLnBrk="1" latinLnBrk="0" hangingPunct="1">
+        <a:defRPr sz="1800" kern="1200">
           <a:solidFill>
             <a:schemeClr val="tx1"/>
           </a:solidFill>
@@ -3109,16 +6004,8 @@
           <a:cs typeface="+mn-cs"/>
         </a:defRPr>
       </a:lvl2pPr>
-      <a:lvl3pPr marL="1143000" indent="-228600" algn="l" defTabSz="914400" rtl="0" eaLnBrk="1" latinLnBrk="0" hangingPunct="1">
-        <a:lnSpc>
-          <a:spcPct val="90000"/>
-        </a:lnSpc>
-        <a:spcBef>
-          <a:spcPts val="500"/>
-        </a:spcBef>
-        <a:buFont typeface="Arial" panose="020B0604020202020204" pitchFamily="34" charset="0"/>
-        <a:buChar char="•"/>
-        <a:defRPr sz="2000" kern="1200">
+      <a:lvl3pPr marL="914400" algn="l" defTabSz="457200" rtl="0" eaLnBrk="1" latinLnBrk="0" hangingPunct="1">
+        <a:defRPr sz="1800" kern="1200">
           <a:solidFill>
             <a:schemeClr val="tx1"/>
           </a:solidFill>
@@ -3127,15 +6014,7 @@
           <a:cs typeface="+mn-cs"/>
         </a:defRPr>
       </a:lvl3pPr>
-      <a:lvl4pPr marL="1600200" indent="-228600" algn="l" defTabSz="914400" rtl="0" eaLnBrk="1" latinLnBrk="0" hangingPunct="1">
-        <a:lnSpc>
-          <a:spcPct val="90000"/>
-        </a:lnSpc>
-        <a:spcBef>
-          <a:spcPts val="500"/>
-        </a:spcBef>
-        <a:buFont typeface="Arial" panose="020B0604020202020204" pitchFamily="34" charset="0"/>
-        <a:buChar char="•"/>
+      <a:lvl4pPr marL="1371600" algn="l" defTabSz="457200" rtl="0" eaLnBrk="1" latinLnBrk="0" hangingPunct="1">
         <a:defRPr sz="1800" kern="1200">
           <a:solidFill>
             <a:schemeClr val="tx1"/>
@@ -3145,15 +6024,7 @@
           <a:cs typeface="+mn-cs"/>
         </a:defRPr>
       </a:lvl4pPr>
-      <a:lvl5pPr marL="2057400" indent="-228600" algn="l" defTabSz="914400" rtl="0" eaLnBrk="1" latinLnBrk="0" hangingPunct="1">
-        <a:lnSpc>
-          <a:spcPct val="90000"/>
-        </a:lnSpc>
-        <a:spcBef>
-          <a:spcPts val="500"/>
-        </a:spcBef>
-        <a:buFont typeface="Arial" panose="020B0604020202020204" pitchFamily="34" charset="0"/>
-        <a:buChar char="•"/>
+      <a:lvl5pPr marL="1828800" algn="l" defTabSz="457200" rtl="0" eaLnBrk="1" latinLnBrk="0" hangingPunct="1">
         <a:defRPr sz="1800" kern="1200">
           <a:solidFill>
             <a:schemeClr val="tx1"/>
@@ -3163,15 +6034,7 @@
           <a:cs typeface="+mn-cs"/>
         </a:defRPr>
       </a:lvl5pPr>
-      <a:lvl6pPr marL="2514600" indent="-228600" algn="l" defTabSz="914400" rtl="0" eaLnBrk="1" latinLnBrk="0" hangingPunct="1">
-        <a:lnSpc>
-          <a:spcPct val="90000"/>
-        </a:lnSpc>
-        <a:spcBef>
-          <a:spcPts val="500"/>
-        </a:spcBef>
-        <a:buFont typeface="Arial" panose="020B0604020202020204" pitchFamily="34" charset="0"/>
-        <a:buChar char="•"/>
+      <a:lvl6pPr marL="2286000" algn="l" defTabSz="457200" rtl="0" eaLnBrk="1" latinLnBrk="0" hangingPunct="1">
         <a:defRPr sz="1800" kern="1200">
           <a:solidFill>
             <a:schemeClr val="tx1"/>
@@ -3181,15 +6044,7 @@
           <a:cs typeface="+mn-cs"/>
         </a:defRPr>
       </a:lvl6pPr>
-      <a:lvl7pPr marL="2971800" indent="-228600" algn="l" defTabSz="914400" rtl="0" eaLnBrk="1" latinLnBrk="0" hangingPunct="1">
-        <a:lnSpc>
-          <a:spcPct val="90000"/>
-        </a:lnSpc>
-        <a:spcBef>
-          <a:spcPts val="500"/>
-        </a:spcBef>
-        <a:buFont typeface="Arial" panose="020B0604020202020204" pitchFamily="34" charset="0"/>
-        <a:buChar char="•"/>
+      <a:lvl7pPr marL="2743200" algn="l" defTabSz="457200" rtl="0" eaLnBrk="1" latinLnBrk="0" hangingPunct="1">
         <a:defRPr sz="1800" kern="1200">
           <a:solidFill>
             <a:schemeClr val="tx1"/>
@@ -3199,15 +6054,7 @@
           <a:cs typeface="+mn-cs"/>
         </a:defRPr>
       </a:lvl7pPr>
-      <a:lvl8pPr marL="3429000" indent="-228600" algn="l" defTabSz="914400" rtl="0" eaLnBrk="1" latinLnBrk="0" hangingPunct="1">
-        <a:lnSpc>
-          <a:spcPct val="90000"/>
-        </a:lnSpc>
-        <a:spcBef>
-          <a:spcPts val="500"/>
-        </a:spcBef>
-        <a:buFont typeface="Arial" panose="020B0604020202020204" pitchFamily="34" charset="0"/>
-        <a:buChar char="•"/>
+      <a:lvl8pPr marL="3200400" algn="l" defTabSz="457200" rtl="0" eaLnBrk="1" latinLnBrk="0" hangingPunct="1">
         <a:defRPr sz="1800" kern="1200">
           <a:solidFill>
             <a:schemeClr val="tx1"/>
@@ -3217,110 +6064,7 @@
           <a:cs typeface="+mn-cs"/>
         </a:defRPr>
       </a:lvl8pPr>
-      <a:lvl9pPr marL="3886200" indent="-228600" algn="l" defTabSz="914400" rtl="0" eaLnBrk="1" latinLnBrk="0" hangingPunct="1">
-        <a:lnSpc>
-          <a:spcPct val="90000"/>
-        </a:lnSpc>
-        <a:spcBef>
-          <a:spcPts val="500"/>
-        </a:spcBef>
-        <a:buFont typeface="Arial" panose="020B0604020202020204" pitchFamily="34" charset="0"/>
-        <a:buChar char="•"/>
-        <a:defRPr sz="1800" kern="1200">
-          <a:solidFill>
-            <a:schemeClr val="tx1"/>
-          </a:solidFill>
-          <a:latin typeface="+mn-lt"/>
-          <a:ea typeface="+mn-ea"/>
-          <a:cs typeface="+mn-cs"/>
-        </a:defRPr>
-      </a:lvl9pPr>
-    </p:bodyStyle>
-    <p:otherStyle>
-      <a:defPPr>
-        <a:defRPr lang="sv-SE"/>
-      </a:defPPr>
-      <a:lvl1pPr marL="0" algn="l" defTabSz="914400" rtl="0" eaLnBrk="1" latinLnBrk="0" hangingPunct="1">
-        <a:defRPr sz="1800" kern="1200">
-          <a:solidFill>
-            <a:schemeClr val="tx1"/>
-          </a:solidFill>
-          <a:latin typeface="+mn-lt"/>
-          <a:ea typeface="+mn-ea"/>
-          <a:cs typeface="+mn-cs"/>
-        </a:defRPr>
-      </a:lvl1pPr>
-      <a:lvl2pPr marL="457200" algn="l" defTabSz="914400" rtl="0" eaLnBrk="1" latinLnBrk="0" hangingPunct="1">
-        <a:defRPr sz="1800" kern="1200">
-          <a:solidFill>
-            <a:schemeClr val="tx1"/>
-          </a:solidFill>
-          <a:latin typeface="+mn-lt"/>
-          <a:ea typeface="+mn-ea"/>
-          <a:cs typeface="+mn-cs"/>
-        </a:defRPr>
-      </a:lvl2pPr>
-      <a:lvl3pPr marL="914400" algn="l" defTabSz="914400" rtl="0" eaLnBrk="1" latinLnBrk="0" hangingPunct="1">
-        <a:defRPr sz="1800" kern="1200">
-          <a:solidFill>
-            <a:schemeClr val="tx1"/>
-          </a:solidFill>
-          <a:latin typeface="+mn-lt"/>
-          <a:ea typeface="+mn-ea"/>
-          <a:cs typeface="+mn-cs"/>
-        </a:defRPr>
-      </a:lvl3pPr>
-      <a:lvl4pPr marL="1371600" algn="l" defTabSz="914400" rtl="0" eaLnBrk="1" latinLnBrk="0" hangingPunct="1">
-        <a:defRPr sz="1800" kern="1200">
-          <a:solidFill>
-            <a:schemeClr val="tx1"/>
-          </a:solidFill>
-          <a:latin typeface="+mn-lt"/>
-          <a:ea typeface="+mn-ea"/>
-          <a:cs typeface="+mn-cs"/>
-        </a:defRPr>
-      </a:lvl4pPr>
-      <a:lvl5pPr marL="1828800" algn="l" defTabSz="914400" rtl="0" eaLnBrk="1" latinLnBrk="0" hangingPunct="1">
-        <a:defRPr sz="1800" kern="1200">
-          <a:solidFill>
-            <a:schemeClr val="tx1"/>
-          </a:solidFill>
-          <a:latin typeface="+mn-lt"/>
-          <a:ea typeface="+mn-ea"/>
-          <a:cs typeface="+mn-cs"/>
-        </a:defRPr>
-      </a:lvl5pPr>
-      <a:lvl6pPr marL="2286000" algn="l" defTabSz="914400" rtl="0" eaLnBrk="1" latinLnBrk="0" hangingPunct="1">
-        <a:defRPr sz="1800" kern="1200">
-          <a:solidFill>
-            <a:schemeClr val="tx1"/>
-          </a:solidFill>
-          <a:latin typeface="+mn-lt"/>
-          <a:ea typeface="+mn-ea"/>
-          <a:cs typeface="+mn-cs"/>
-        </a:defRPr>
-      </a:lvl6pPr>
-      <a:lvl7pPr marL="2743200" algn="l" defTabSz="914400" rtl="0" eaLnBrk="1" latinLnBrk="0" hangingPunct="1">
-        <a:defRPr sz="1800" kern="1200">
-          <a:solidFill>
-            <a:schemeClr val="tx1"/>
-          </a:solidFill>
-          <a:latin typeface="+mn-lt"/>
-          <a:ea typeface="+mn-ea"/>
-          <a:cs typeface="+mn-cs"/>
-        </a:defRPr>
-      </a:lvl7pPr>
-      <a:lvl8pPr marL="3200400" algn="l" defTabSz="914400" rtl="0" eaLnBrk="1" latinLnBrk="0" hangingPunct="1">
-        <a:defRPr sz="1800" kern="1200">
-          <a:solidFill>
-            <a:schemeClr val="tx1"/>
-          </a:solidFill>
-          <a:latin typeface="+mn-lt"/>
-          <a:ea typeface="+mn-ea"/>
-          <a:cs typeface="+mn-cs"/>
-        </a:defRPr>
-      </a:lvl8pPr>
-      <a:lvl9pPr marL="3657600" algn="l" defTabSz="914400" rtl="0" eaLnBrk="1" latinLnBrk="0" hangingPunct="1">
+      <a:lvl9pPr marL="3657600" algn="l" defTabSz="457200" rtl="0" eaLnBrk="1" latinLnBrk="0" hangingPunct="1">
         <a:defRPr sz="1800" kern="1200">
           <a:solidFill>
             <a:schemeClr val="tx1"/>
@@ -3426,68 +6170,6 @@
           </a:p>
         </p:txBody>
       </p:sp>
-      <p:sp>
-        <p:nvSpPr>
-          <p:cNvPr id="8" name="TextBox 7">
-            <a:extLst>
-              <a:ext uri="{FF2B5EF4-FFF2-40B4-BE49-F238E27FC236}">
-                <a16:creationId xmlns:a16="http://schemas.microsoft.com/office/drawing/2014/main" id="{B280D216-D3FC-48B3-1D95-0092AFEF1159}"/>
-              </a:ext>
-            </a:extLst>
-          </p:cNvPr>
-          <p:cNvSpPr txBox="1"/>
-          <p:nvPr/>
-        </p:nvSpPr>
-        <p:spPr>
-          <a:xfrm>
-            <a:off x="1199456" y="4653136"/>
-            <a:ext cx="10153128" cy="1908215"/>
-          </a:xfrm>
-          <a:prstGeom prst="rect">
-            <a:avLst/>
-          </a:prstGeom>
-          <a:noFill/>
-        </p:spPr>
-        <p:txBody>
-          <a:bodyPr wrap="square" rtlCol="0">
-            <a:spAutoFit/>
-          </a:bodyPr>
-          <a:lstStyle/>
-          <a:p>
-            <a:pPr>
-              <a:spcBef>
-                <a:spcPts val="600"/>
-              </a:spcBef>
-            </a:pPr>
-            <a:r>
-              <a:rPr lang="sv-SE" dirty="0"/>
-              <a:t>Kommentar. Kommentarer (till exempel den här texten) och röda markeringar (till exempel klamrarna ovan) är till för att förklara mallen och ska därmed inte vara med i din presentation.</a:t>
-            </a:r>
-          </a:p>
-          <a:p>
-            <a:pPr>
-              <a:spcBef>
-                <a:spcPts val="600"/>
-              </a:spcBef>
-            </a:pPr>
-            <a:r>
-              <a:rPr lang="sv-SE" dirty="0"/>
-              <a:t>Kommentar. Mallen avser struktur och innehåll i presentationen. Övriga aspekter, till exempel formatering, typsnitt, bakgrund med mera får du utforma som du vill.  </a:t>
-            </a:r>
-          </a:p>
-          <a:p>
-            <a:pPr>
-              <a:spcBef>
-                <a:spcPts val="600"/>
-              </a:spcBef>
-            </a:pPr>
-            <a:r>
-              <a:rPr lang="sv-SE" dirty="0"/>
-              <a:t>Kommentar. Några av kommentarerna beskriver informellt vad som ska finnas med på motsvarande presentationsbild, men de formella kraven som gäller hittar du på startsidan i Canvas.</a:t>
-            </a:r>
-          </a:p>
-        </p:txBody>
-      </p:sp>
     </p:spTree>
     <p:extLst>
       <p:ext uri="{BB962C8B-B14F-4D97-AF65-F5344CB8AC3E}">
@@ -4025,9 +6707,9 @@
 </file>
 
 <file path=ppt/theme/theme1.xml><?xml version="1.0" encoding="utf-8"?>
-<a:theme xmlns:a="http://schemas.openxmlformats.org/drawingml/2006/main" name="Office Theme">
+<a:theme xmlns:a="http://schemas.openxmlformats.org/drawingml/2006/main" name="Jon">
   <a:themeElements>
-    <a:clrScheme name="Office">
+    <a:clrScheme name="Jon">
       <a:dk1>
         <a:sysClr val="windowText" lastClr="000000"/>
       </a:dk1>
@@ -4035,44 +6717,44 @@
         <a:sysClr val="window" lastClr="FFFFFF"/>
       </a:lt1>
       <a:dk2>
-        <a:srgbClr val="44546A"/>
+        <a:srgbClr val="1E5155"/>
       </a:dk2>
       <a:lt2>
-        <a:srgbClr val="E7E6E6"/>
+        <a:srgbClr val="EBEBEB"/>
       </a:lt2>
       <a:accent1>
-        <a:srgbClr val="4472C4"/>
+        <a:srgbClr val="B01513"/>
       </a:accent1>
       <a:accent2>
-        <a:srgbClr val="ED7D31"/>
+        <a:srgbClr val="EA6312"/>
       </a:accent2>
       <a:accent3>
-        <a:srgbClr val="A5A5A5"/>
+        <a:srgbClr val="E6B729"/>
       </a:accent3>
       <a:accent4>
-        <a:srgbClr val="FFC000"/>
+        <a:srgbClr val="6AAC90"/>
       </a:accent4>
       <a:accent5>
-        <a:srgbClr val="5B9BD5"/>
+        <a:srgbClr val="54849A"/>
       </a:accent5>
       <a:accent6>
-        <a:srgbClr val="70AD47"/>
+        <a:srgbClr val="9E5E9B"/>
       </a:accent6>
       <a:hlink>
-        <a:srgbClr val="0563C1"/>
+        <a:srgbClr val="58C1BA"/>
       </a:hlink>
       <a:folHlink>
-        <a:srgbClr val="954F72"/>
+        <a:srgbClr val="9DFFCB"/>
       </a:folHlink>
     </a:clrScheme>
-    <a:fontScheme name="Office">
+    <a:fontScheme name="Jon">
       <a:majorFont>
-        <a:latin typeface="Calibri Light" panose="020F0302020204030204"/>
+        <a:latin typeface="Century Gothic" panose="020B0502020202020204"/>
         <a:ea typeface=""/>
         <a:cs typeface=""/>
-        <a:font script="Jpan" typeface="游ゴシック Light"/>
+        <a:font script="Jpan" typeface="メイリオ"/>
         <a:font script="Hang" typeface="맑은 고딕"/>
-        <a:font script="Hans" typeface="等线 Light"/>
+        <a:font script="Hans" typeface="宋体"/>
         <a:font script="Hant" typeface="新細明體"/>
         <a:font script="Arab" typeface="Times New Roman"/>
         <a:font script="Hebr" typeface="Times New Roman"/>
@@ -4100,31 +6782,14 @@
         <a:font script="Viet" typeface="Times New Roman"/>
         <a:font script="Uigh" typeface="Microsoft Uighur"/>
         <a:font script="Geor" typeface="Sylfaen"/>
-        <a:font script="Armn" typeface="Arial"/>
-        <a:font script="Bugi" typeface="Leelawadee UI"/>
-        <a:font script="Bopo" typeface="Microsoft JhengHei"/>
-        <a:font script="Java" typeface="Javanese Text"/>
-        <a:font script="Lisu" typeface="Segoe UI"/>
-        <a:font script="Mymr" typeface="Myanmar Text"/>
-        <a:font script="Nkoo" typeface="Ebrima"/>
-        <a:font script="Olck" typeface="Nirmala UI"/>
-        <a:font script="Osma" typeface="Ebrima"/>
-        <a:font script="Phag" typeface="Phagspa"/>
-        <a:font script="Syrn" typeface="Estrangelo Edessa"/>
-        <a:font script="Syrj" typeface="Estrangelo Edessa"/>
-        <a:font script="Syre" typeface="Estrangelo Edessa"/>
-        <a:font script="Sora" typeface="Nirmala UI"/>
-        <a:font script="Tale" typeface="Microsoft Tai Le"/>
-        <a:font script="Talu" typeface="Microsoft New Tai Lue"/>
-        <a:font script="Tfng" typeface="Ebrima"/>
       </a:majorFont>
       <a:minorFont>
-        <a:latin typeface="Calibri" panose="020F0502020204030204"/>
+        <a:latin typeface="Century Gothic" panose="020B0502020202020204"/>
         <a:ea typeface=""/>
         <a:cs typeface=""/>
-        <a:font script="Jpan" typeface="游ゴシック"/>
+        <a:font script="Jpan" typeface="メイリオ"/>
         <a:font script="Hang" typeface="맑은 고딕"/>
-        <a:font script="Hans" typeface="等线"/>
+        <a:font script="Hans" typeface="宋体"/>
         <a:font script="Hant" typeface="新細明體"/>
         <a:font script="Arab" typeface="Arial"/>
         <a:font script="Hebr" typeface="Arial"/>
@@ -4152,26 +6817,9 @@
         <a:font script="Viet" typeface="Arial"/>
         <a:font script="Uigh" typeface="Microsoft Uighur"/>
         <a:font script="Geor" typeface="Sylfaen"/>
-        <a:font script="Armn" typeface="Arial"/>
-        <a:font script="Bugi" typeface="Leelawadee UI"/>
-        <a:font script="Bopo" typeface="Microsoft JhengHei"/>
-        <a:font script="Java" typeface="Javanese Text"/>
-        <a:font script="Lisu" typeface="Segoe UI"/>
-        <a:font script="Mymr" typeface="Myanmar Text"/>
-        <a:font script="Nkoo" typeface="Ebrima"/>
-        <a:font script="Olck" typeface="Nirmala UI"/>
-        <a:font script="Osma" typeface="Ebrima"/>
-        <a:font script="Phag" typeface="Phagspa"/>
-        <a:font script="Syrn" typeface="Estrangelo Edessa"/>
-        <a:font script="Syrj" typeface="Estrangelo Edessa"/>
-        <a:font script="Syre" typeface="Estrangelo Edessa"/>
-        <a:font script="Sora" typeface="Nirmala UI"/>
-        <a:font script="Tale" typeface="Microsoft Tai Le"/>
-        <a:font script="Talu" typeface="Microsoft New Tai Lue"/>
-        <a:font script="Tfng" typeface="Ebrima"/>
       </a:minorFont>
     </a:fontScheme>
-    <a:fmtScheme name="Office">
+    <a:fmtScheme name="Jon">
       <a:fillStyleLst>
         <a:solidFill>
           <a:schemeClr val="phClr"/>
@@ -4180,23 +6828,15 @@
           <a:gsLst>
             <a:gs pos="0">
               <a:schemeClr val="phClr">
-                <a:lumMod val="110000"/>
-                <a:satMod val="105000"/>
-                <a:tint val="67000"/>
-              </a:schemeClr>
-            </a:gs>
-            <a:gs pos="50000">
-              <a:schemeClr val="phClr">
-                <a:lumMod val="105000"/>
-                <a:satMod val="103000"/>
-                <a:tint val="73000"/>
+                <a:tint val="64000"/>
+                <a:lumMod val="118000"/>
               </a:schemeClr>
             </a:gs>
             <a:gs pos="100000">
               <a:schemeClr val="phClr">
-                <a:lumMod val="105000"/>
-                <a:satMod val="109000"/>
-                <a:tint val="81000"/>
+                <a:tint val="92000"/>
+                <a:alpha val="100000"/>
+                <a:lumMod val="110000"/>
               </a:schemeClr>
             </a:gs>
           </a:gsLst>
@@ -4206,23 +6846,14 @@
           <a:gsLst>
             <a:gs pos="0">
               <a:schemeClr val="phClr">
-                <a:satMod val="103000"/>
-                <a:lumMod val="102000"/>
-                <a:tint val="94000"/>
-              </a:schemeClr>
-            </a:gs>
-            <a:gs pos="50000">
-              <a:schemeClr val="phClr">
-                <a:satMod val="110000"/>
-                <a:lumMod val="100000"/>
-                <a:shade val="100000"/>
+                <a:tint val="98000"/>
+                <a:lumMod val="114000"/>
               </a:schemeClr>
             </a:gs>
             <a:gs pos="100000">
               <a:schemeClr val="phClr">
-                <a:lumMod val="99000"/>
-                <a:satMod val="120000"/>
-                <a:shade val="78000"/>
+                <a:shade val="90000"/>
+                <a:lumMod val="84000"/>
               </a:schemeClr>
             </a:gs>
           </a:gsLst>
@@ -4230,26 +6861,23 @@
         </a:gradFill>
       </a:fillStyleLst>
       <a:lnStyleLst>
-        <a:ln w="6350" cap="flat" cmpd="sng" algn="ctr">
+        <a:ln w="9525" cap="rnd" cmpd="sng" algn="ctr">
           <a:solidFill>
             <a:schemeClr val="phClr"/>
           </a:solidFill>
           <a:prstDash val="solid"/>
-          <a:miter lim="800000"/>
         </a:ln>
-        <a:ln w="12700" cap="flat" cmpd="sng" algn="ctr">
+        <a:ln w="19050" cap="rnd" cmpd="sng" algn="ctr">
           <a:solidFill>
             <a:schemeClr val="phClr"/>
           </a:solidFill>
           <a:prstDash val="solid"/>
-          <a:miter lim="800000"/>
         </a:ln>
-        <a:ln w="19050" cap="flat" cmpd="sng" algn="ctr">
+        <a:ln w="28575" cap="rnd" cmpd="sng" algn="ctr">
           <a:solidFill>
             <a:schemeClr val="phClr"/>
           </a:solidFill>
           <a:prstDash val="solid"/>
-          <a:miter lim="800000"/>
         </a:ln>
       </a:lnStyleLst>
       <a:effectStyleLst>
@@ -4257,55 +6885,80 @@
           <a:effectLst/>
         </a:effectStyle>
         <a:effectStyle>
-          <a:effectLst/>
+          <a:effectLst>
+            <a:outerShdw blurRad="38100" dist="25400" dir="5400000" rotWithShape="0">
+              <a:srgbClr val="000000">
+                <a:alpha val="45000"/>
+              </a:srgbClr>
+            </a:outerShdw>
+          </a:effectLst>
         </a:effectStyle>
         <a:effectStyle>
           <a:effectLst>
-            <a:outerShdw blurRad="57150" dist="19050" dir="5400000" algn="ctr" rotWithShape="0">
+            <a:outerShdw blurRad="63500" dist="38100" dir="5400000" rotWithShape="0">
               <a:srgbClr val="000000">
-                <a:alpha val="63000"/>
+                <a:alpha val="60000"/>
               </a:srgbClr>
             </a:outerShdw>
           </a:effectLst>
+          <a:scene3d>
+            <a:camera prst="orthographicFront">
+              <a:rot lat="0" lon="0" rev="0"/>
+            </a:camera>
+            <a:lightRig rig="threePt" dir="tl"/>
+          </a:scene3d>
+          <a:sp3d prstMaterial="plastic">
+            <a:bevelT w="0" h="0"/>
+          </a:sp3d>
         </a:effectStyle>
       </a:effectStyleLst>
       <a:bgFillStyleLst>
         <a:solidFill>
           <a:schemeClr val="phClr"/>
         </a:solidFill>
-        <a:solidFill>
-          <a:schemeClr val="phClr">
-            <a:tint val="95000"/>
-            <a:satMod val="170000"/>
-          </a:schemeClr>
-        </a:solidFill>
         <a:gradFill rotWithShape="1">
           <a:gsLst>
             <a:gs pos="0">
               <a:schemeClr val="phClr">
-                <a:tint val="93000"/>
-                <a:satMod val="150000"/>
-                <a:shade val="98000"/>
-                <a:lumMod val="102000"/>
-              </a:schemeClr>
-            </a:gs>
-            <a:gs pos="50000">
-              <a:schemeClr val="phClr">
-                <a:tint val="98000"/>
+                <a:tint val="97000"/>
+                <a:hueMod val="88000"/>
                 <a:satMod val="130000"/>
-                <a:shade val="90000"/>
-                <a:lumMod val="103000"/>
+                <a:lumMod val="124000"/>
               </a:schemeClr>
             </a:gs>
             <a:gs pos="100000">
               <a:schemeClr val="phClr">
-                <a:shade val="63000"/>
-                <a:satMod val="120000"/>
+                <a:tint val="96000"/>
+                <a:shade val="88000"/>
+                <a:hueMod val="108000"/>
+                <a:satMod val="164000"/>
+                <a:lumMod val="76000"/>
               </a:schemeClr>
             </a:gs>
           </a:gsLst>
-          <a:lin ang="5400000" scaled="0"/>
+          <a:path path="circle">
+            <a:fillToRect l="45000" t="65000" r="125000" b="100000"/>
+          </a:path>
         </a:gradFill>
+        <a:blipFill rotWithShape="1">
+          <a:blip xmlns:r="http://schemas.openxmlformats.org/officeDocument/2006/relationships" r:embed="rId1">
+            <a:duotone>
+              <a:schemeClr val="phClr">
+                <a:shade val="69000"/>
+                <a:hueMod val="108000"/>
+                <a:satMod val="164000"/>
+                <a:lumMod val="74000"/>
+              </a:schemeClr>
+              <a:schemeClr val="phClr">
+                <a:tint val="96000"/>
+                <a:hueMod val="88000"/>
+                <a:satMod val="140000"/>
+                <a:lumMod val="132000"/>
+              </a:schemeClr>
+            </a:duotone>
+          </a:blip>
+          <a:stretch/>
+        </a:blipFill>
       </a:bgFillStyleLst>
     </a:fmtScheme>
   </a:themeElements>
@@ -4313,7 +6966,7 @@
   <a:extraClrSchemeLst/>
   <a:extLst>
     <a:ext uri="{05A4C25C-085E-4340-85A3-A5531E510DB2}">
-      <thm15:themeFamily xmlns:thm15="http://schemas.microsoft.com/office/thememl/2012/main" name="Office Theme" id="{62F939B6-93AF-4DB8-9C6B-D6C7DFDC589F}" vid="{4A3C46E8-61CC-4603-A589-7422A47A8E4A}"/>
+      <thm15:themeFamily xmlns:thm15="http://schemas.microsoft.com/office/thememl/2012/main" name="Ion" id="{B8441ADB-2E43-4AF7-B97A-BD870242C6A8}" vid="{292E63A9-BB86-4E3D-B92A-7223C6510D2E}"/>
     </a:ext>
   </a:extLst>
 </a:theme>
